--- a/Slides/What is Metaverse.pptx
+++ b/Slides/What is Metaverse.pptx
@@ -14,32 +14,32 @@
     <p:sldMasterId id="2147483765" r:id="rId11"/>
     <p:sldMasterId id="2147483778" r:id="rId12"/>
     <p:sldMasterId id="2147483791" r:id="rId13"/>
-    <p:sldMasterId id="2147483804" r:id="rId14"/>
   </p:sldMasterIdLst>
   <p:notesMasterIdLst>
-    <p:notesMasterId r:id="rId15"/>
+    <p:notesMasterId r:id="rId14"/>
   </p:notesMasterIdLst>
   <p:sldIdLst>
-    <p:sldId id="256" r:id="rId16"/>
-    <p:sldId id="257" r:id="rId17"/>
-    <p:sldId id="258" r:id="rId18"/>
-    <p:sldId id="259" r:id="rId19"/>
-    <p:sldId id="260" r:id="rId20"/>
-    <p:sldId id="261" r:id="rId21"/>
-    <p:sldId id="262" r:id="rId22"/>
-    <p:sldId id="263" r:id="rId23"/>
-    <p:sldId id="264" r:id="rId24"/>
-    <p:sldId id="265" r:id="rId25"/>
-    <p:sldId id="266" r:id="rId26"/>
-    <p:sldId id="267" r:id="rId27"/>
-    <p:sldId id="268" r:id="rId28"/>
-    <p:sldId id="269" r:id="rId29"/>
-    <p:sldId id="270" r:id="rId30"/>
-    <p:sldId id="271" r:id="rId31"/>
-    <p:sldId id="272" r:id="rId32"/>
-    <p:sldId id="273" r:id="rId33"/>
-    <p:sldId id="274" r:id="rId34"/>
-    <p:sldId id="275" r:id="rId35"/>
+    <p:sldId id="256" r:id="rId15"/>
+    <p:sldId id="257" r:id="rId16"/>
+    <p:sldId id="258" r:id="rId17"/>
+    <p:sldId id="259" r:id="rId18"/>
+    <p:sldId id="260" r:id="rId19"/>
+    <p:sldId id="261" r:id="rId20"/>
+    <p:sldId id="262" r:id="rId21"/>
+    <p:sldId id="263" r:id="rId22"/>
+    <p:sldId id="264" r:id="rId23"/>
+    <p:sldId id="265" r:id="rId24"/>
+    <p:sldId id="266" r:id="rId25"/>
+    <p:sldId id="267" r:id="rId26"/>
+    <p:sldId id="268" r:id="rId27"/>
+    <p:sldId id="269" r:id="rId28"/>
+    <p:sldId id="270" r:id="rId29"/>
+    <p:sldId id="271" r:id="rId30"/>
+    <p:sldId id="272" r:id="rId31"/>
+    <p:sldId id="273" r:id="rId32"/>
+    <p:sldId id="274" r:id="rId33"/>
+    <p:sldId id="275" r:id="rId34"/>
+    <p:sldId id="276" r:id="rId35"/>
   </p:sldIdLst>
   <p:sldSz cx="9144000" cy="5143500"/>
   <p:notesSz cx="6858000" cy="9144000"/>
@@ -65,7 +65,7 @@
       </p:grpSpPr>
       <p:sp>
         <p:nvSpPr>
-          <p:cNvPr id="596" name="PlaceHolder 1"/>
+          <p:cNvPr id="550" name="PlaceHolder 1"/>
           <p:cNvSpPr>
             <a:spLocks noGrp="1"/>
           </p:cNvSpPr>
@@ -106,7 +106,7 @@
       </p:sp>
       <p:sp>
         <p:nvSpPr>
-          <p:cNvPr id="597" name="PlaceHolder 2"/>
+          <p:cNvPr id="551" name="PlaceHolder 2"/>
           <p:cNvSpPr>
             <a:spLocks noGrp="1"/>
           </p:cNvSpPr>
@@ -146,7 +146,7 @@
       </p:sp>
       <p:sp>
         <p:nvSpPr>
-          <p:cNvPr id="598" name="PlaceHolder 3"/>
+          <p:cNvPr id="552" name="PlaceHolder 3"/>
           <p:cNvSpPr>
             <a:spLocks noGrp="1"/>
           </p:cNvSpPr>
@@ -186,12 +186,12 @@
       </p:sp>
       <p:sp>
         <p:nvSpPr>
-          <p:cNvPr id="599" name="PlaceHolder 4"/>
-          <p:cNvSpPr>
-            <a:spLocks noGrp="1"/>
-          </p:cNvSpPr>
-          <p:nvPr>
-            <p:ph type="dt" idx="13"/>
+          <p:cNvPr id="553" name="PlaceHolder 4"/>
+          <p:cNvSpPr>
+            <a:spLocks noGrp="1"/>
+          </p:cNvSpPr>
+          <p:nvPr>
+            <p:ph type="dt" idx="12"/>
           </p:nvPr>
         </p:nvSpPr>
         <p:spPr>
@@ -234,12 +234,12 @@
       </p:sp>
       <p:sp>
         <p:nvSpPr>
-          <p:cNvPr id="600" name="PlaceHolder 5"/>
-          <p:cNvSpPr>
-            <a:spLocks noGrp="1"/>
-          </p:cNvSpPr>
-          <p:nvPr>
-            <p:ph type="ftr" idx="14"/>
+          <p:cNvPr id="554" name="PlaceHolder 5"/>
+          <p:cNvSpPr>
+            <a:spLocks noGrp="1"/>
+          </p:cNvSpPr>
+          <p:nvPr>
+            <p:ph type="ftr" idx="13"/>
           </p:nvPr>
         </p:nvSpPr>
         <p:spPr>
@@ -281,12 +281,12 @@
       </p:sp>
       <p:sp>
         <p:nvSpPr>
-          <p:cNvPr id="601" name="PlaceHolder 6"/>
-          <p:cNvSpPr>
-            <a:spLocks noGrp="1"/>
-          </p:cNvSpPr>
-          <p:nvPr>
-            <p:ph type="sldNum" idx="15"/>
+          <p:cNvPr id="555" name="PlaceHolder 6"/>
+          <p:cNvSpPr>
+            <a:spLocks noGrp="1"/>
+          </p:cNvSpPr>
+          <p:nvPr>
+            <p:ph type="sldNum" idx="14"/>
           </p:nvPr>
         </p:nvSpPr>
         <p:spPr>
@@ -315,7 +315,7 @@
           </a:lstStyle>
           <a:p>
             <a:pPr algn="r"/>
-            <a:fld id="{E24400EE-49ED-4452-A7A7-7BC35DEFFF98}" type="slidenum">
+            <a:fld id="{60CEC80D-A23A-452C-8697-2199146A6712}" type="slidenum">
               <a:rPr b="0" lang="en-US" sz="1400" spc="-1" strike="noStrike">
                 <a:latin typeface="Times New Roman"/>
               </a:rPr>
@@ -352,7 +352,7 @@
       </p:grpSpPr>
       <p:sp>
         <p:nvSpPr>
-          <p:cNvPr id="688" name="PlaceHolder 1"/>
+          <p:cNvPr id="647" name="PlaceHolder 1"/>
           <p:cNvSpPr>
             <a:spLocks noGrp="1"/>
           </p:cNvSpPr>
@@ -363,26 +363,26 @@
         <p:spPr>
           <a:xfrm>
             <a:off x="533520" y="764280"/>
-            <a:ext cx="6704280" cy="3771000"/>
-          </a:xfrm>
-          <a:prstGeom prst="rect">
-            <a:avLst/>
-          </a:prstGeom>
-          <a:ln w="0">
-            <a:noFill/>
-          </a:ln>
-        </p:spPr>
-      </p:sp>
-      <p:sp>
-        <p:nvSpPr>
-          <p:cNvPr id="689" name=""/>
+            <a:ext cx="6703920" cy="3770640"/>
+          </a:xfrm>
+          <a:prstGeom prst="rect">
+            <a:avLst/>
+          </a:prstGeom>
+          <a:ln w="0">
+            <a:noFill/>
+          </a:ln>
+        </p:spPr>
+      </p:sp>
+      <p:sp>
+        <p:nvSpPr>
+          <p:cNvPr id="648" name=""/>
           <p:cNvSpPr/>
           <p:nvPr/>
         </p:nvSpPr>
         <p:spPr>
           <a:xfrm>
             <a:off x="777240" y="4777560"/>
-            <a:ext cx="6217200" cy="4525560"/>
+            <a:ext cx="6216840" cy="4525200"/>
           </a:xfrm>
           <a:prstGeom prst="rect">
             <a:avLst/>
@@ -685,7 +685,7 @@
         <p:txBody>
           <a:bodyPr/>
           <a:p>
-            <a:fld id="{1C84678F-787C-4D0C-BBB6-4E6021BC7655}" type="slidenum">
+            <a:fld id="{0250E40B-0EC7-42ED-8B29-1D6B8C8DFB5A}" type="slidenum">
               <a:t>&lt;#&gt;</a:t>
             </a:fld>
           </a:p>
@@ -762,7 +762,7 @@
         <p:txBody>
           <a:bodyPr/>
           <a:p>
-            <a:fld id="{41676149-6139-4CB9-864B-B3DDFC53F458}" type="slidenum">
+            <a:fld id="{DA56431C-8D3F-427F-BBAC-C08C970EA8C6}" type="slidenum">
               <a:t>&lt;#&gt;</a:t>
             </a:fld>
           </a:p>
@@ -839,7 +839,7 @@
         <p:txBody>
           <a:bodyPr/>
           <a:p>
-            <a:fld id="{A056B3B5-1A07-4F98-ACB9-300238DDA8A6}" type="slidenum">
+            <a:fld id="{2CB821A2-AF55-4435-96A4-28DA377D75AE}" type="slidenum">
               <a:t>&lt;#&gt;</a:t>
             </a:fld>
           </a:p>
@@ -1018,7 +1018,7 @@
         <p:txBody>
           <a:bodyPr/>
           <a:p>
-            <a:fld id="{27F154DE-E27A-4017-B56D-22CD02DA8E16}" type="slidenum">
+            <a:fld id="{E1C34CA4-6E74-480A-8601-AFF9F3126ABF}" type="slidenum">
               <a:t>&lt;#&gt;</a:t>
             </a:fld>
           </a:p>
@@ -1197,7 +1197,7 @@
         <p:txBody>
           <a:bodyPr/>
           <a:p>
-            <a:fld id="{86E4251F-FCF5-4896-980B-F65F933F3888}" type="slidenum">
+            <a:fld id="{140C74CC-DCFE-4794-B313-A55890B1FA03}" type="slidenum">
               <a:t>&lt;#&gt;</a:t>
             </a:fld>
           </a:p>
@@ -1376,7 +1376,7 @@
         <p:txBody>
           <a:bodyPr/>
           <a:p>
-            <a:fld id="{BB92DBC0-DB36-4BC9-B5D1-2BE2CD966465}" type="slidenum">
+            <a:fld id="{5D263608-7FC8-442A-94D3-D9F3A8ADFD5E}" type="slidenum">
               <a:t>&lt;#&gt;</a:t>
             </a:fld>
           </a:p>
@@ -1521,7 +1521,7 @@
         <p:txBody>
           <a:bodyPr/>
           <a:p>
-            <a:fld id="{BC375029-D98D-4A05-A816-C655F734A58F}" type="slidenum">
+            <a:fld id="{C0DD7A45-4CBD-4AA9-90F5-0BABA3044F12}" type="slidenum">
               <a:t>&lt;#&gt;</a:t>
             </a:fld>
           </a:p>
@@ -1734,7 +1734,7 @@
         <p:txBody>
           <a:bodyPr/>
           <a:p>
-            <a:fld id="{B64D5394-2087-487E-B344-EA7E6871ABE1}" type="slidenum">
+            <a:fld id="{879EF989-1FB3-4BF3-91F3-CBE3300AED49}" type="slidenum">
               <a:t>&lt;#&gt;</a:t>
             </a:fld>
           </a:p>
@@ -2015,7 +2015,7 @@
         <p:txBody>
           <a:bodyPr/>
           <a:p>
-            <a:fld id="{67951862-ED5D-430D-8FD1-4CC880151240}" type="slidenum">
+            <a:fld id="{598A9919-C2E9-43DD-BF4F-FF2053366118}" type="slidenum">
               <a:t>&lt;#&gt;</a:t>
             </a:fld>
           </a:p>
@@ -2057,7 +2057,7 @@
         <p:txBody>
           <a:bodyPr/>
           <a:p>
-            <a:fld id="{A8F748DD-E538-472B-B638-32996372D8E2}" type="slidenum">
+            <a:fld id="{15DC3276-7F7F-49A4-BD8F-C371B5A24DF8}" type="slidenum">
               <a:t>&lt;#&gt;</a:t>
             </a:fld>
           </a:p>
@@ -2362,7 +2362,7 @@
         <p:txBody>
           <a:bodyPr/>
           <a:p>
-            <a:fld id="{AD67FC52-9401-48F4-869E-E0A232D98AB3}" type="slidenum">
+            <a:fld id="{F286E15C-09EF-40BD-9776-3F7C526C4BB9}" type="slidenum">
               <a:t>&lt;#&gt;</a:t>
             </a:fld>
           </a:p>
@@ -2473,7 +2473,7 @@
         <p:txBody>
           <a:bodyPr/>
           <a:p>
-            <a:fld id="{2D6DD0CD-6AEF-40D1-A228-05FD9AD0DC00}" type="slidenum">
+            <a:fld id="{7E54C7C4-79C9-49BC-9C4D-31D8AF700941}" type="slidenum">
               <a:t>&lt;#&gt;</a:t>
             </a:fld>
           </a:p>
@@ -2618,7 +2618,7 @@
         <p:txBody>
           <a:bodyPr/>
           <a:p>
-            <a:fld id="{1D4370C9-43A3-4DFC-B570-407C04D6FA69}" type="slidenum">
+            <a:fld id="{26207F55-CB16-445B-95D5-F8ADF6858B5B}" type="slidenum">
               <a:t>&lt;#&gt;</a:t>
             </a:fld>
           </a:p>
@@ -2695,7 +2695,7 @@
         <p:txBody>
           <a:bodyPr/>
           <a:p>
-            <a:fld id="{BD6B74A2-A8F2-4ED4-B91C-77BD3B987EFE}" type="slidenum">
+            <a:fld id="{FD768D0C-162D-4C31-9DE0-E4D04A9A10D3}" type="slidenum">
               <a:t>&lt;#&gt;</a:t>
             </a:fld>
           </a:p>
@@ -2772,7 +2772,7 @@
         <p:txBody>
           <a:bodyPr/>
           <a:p>
-            <a:fld id="{3D2BE39F-C3AA-4BB1-ABA8-DEE7BBCDDDFC}" type="slidenum">
+            <a:fld id="{BDA1B82E-9CDA-4983-A5C5-5A6FC9D1C7CC}" type="slidenum">
               <a:t>&lt;#&gt;</a:t>
             </a:fld>
           </a:p>
@@ -2951,7 +2951,7 @@
         <p:txBody>
           <a:bodyPr/>
           <a:p>
-            <a:fld id="{50ED868F-4CB0-4D15-8E05-ABCFA1EFCD1E}" type="slidenum">
+            <a:fld id="{B32F9601-41EF-4BB9-9EF8-9AF9F58A46AE}" type="slidenum">
               <a:t>&lt;#&gt;</a:t>
             </a:fld>
           </a:p>
@@ -3130,7 +3130,7 @@
         <p:txBody>
           <a:bodyPr/>
           <a:p>
-            <a:fld id="{EAA9268E-6D20-4809-B3B0-42CDC19C4593}" type="slidenum">
+            <a:fld id="{632D0398-E0EA-49DA-BB2C-1D6B4121675D}" type="slidenum">
               <a:t>&lt;#&gt;</a:t>
             </a:fld>
           </a:p>
@@ -3309,7 +3309,7 @@
         <p:txBody>
           <a:bodyPr/>
           <a:p>
-            <a:fld id="{DF901C16-30AB-4480-B436-41F20AE561B1}" type="slidenum">
+            <a:fld id="{F6A42B37-0445-4254-8F4D-EC2EDD32D285}" type="slidenum">
               <a:t>&lt;#&gt;</a:t>
             </a:fld>
           </a:p>
@@ -3454,7 +3454,7 @@
         <p:txBody>
           <a:bodyPr/>
           <a:p>
-            <a:fld id="{F80FF57D-FB10-4CE2-8BEC-5E0199B146E2}" type="slidenum">
+            <a:fld id="{F3670D49-6EF9-4EC1-A5DA-A9A91693DCE6}" type="slidenum">
               <a:t>&lt;#&gt;</a:t>
             </a:fld>
           </a:p>
@@ -3667,7 +3667,7 @@
         <p:txBody>
           <a:bodyPr/>
           <a:p>
-            <a:fld id="{A87C6C44-7EA9-48E2-BF70-C7F190AC6050}" type="slidenum">
+            <a:fld id="{AA326B2F-B810-4680-8D9E-9F514A31C44E}" type="slidenum">
               <a:t>&lt;#&gt;</a:t>
             </a:fld>
           </a:p>
@@ -4209,7 +4209,7 @@
         <p:txBody>
           <a:bodyPr/>
           <a:p>
-            <a:fld id="{8FE05DDA-F397-4E08-8E8A-BE9F484214BB}" type="slidenum">
+            <a:fld id="{7A2B13B0-0FCB-4F9A-81EE-72FD3D194342}" type="slidenum">
               <a:t>&lt;#&gt;</a:t>
             </a:fld>
           </a:p>
@@ -4251,7 +4251,7 @@
         <p:txBody>
           <a:bodyPr/>
           <a:p>
-            <a:fld id="{9B7EC306-91BB-4E5F-8D44-94BF390EF6A6}" type="slidenum">
+            <a:fld id="{F417B03B-327D-4FD8-8A0E-86B82C661A60}" type="slidenum">
               <a:t>&lt;#&gt;</a:t>
             </a:fld>
           </a:p>
@@ -4363,7 +4363,7 @@
         <p:txBody>
           <a:bodyPr/>
           <a:p>
-            <a:fld id="{3A4953C9-94C8-4B8D-83C4-64655549EC2A}" type="slidenum">
+            <a:fld id="{8E0EC930-F78E-4F1D-892B-C79080B53784}" type="slidenum">
               <a:t>&lt;#&gt;</a:t>
             </a:fld>
           </a:p>
@@ -4474,7 +4474,7 @@
         <p:txBody>
           <a:bodyPr/>
           <a:p>
-            <a:fld id="{98CEA84E-6B6F-4036-AA33-3F59AF1815C8}" type="slidenum">
+            <a:fld id="{96F25CF5-C920-47AB-B72A-ABA4D172C02B}" type="slidenum">
               <a:t>&lt;#&gt;</a:t>
             </a:fld>
           </a:p>
@@ -4619,7 +4619,7 @@
         <p:txBody>
           <a:bodyPr/>
           <a:p>
-            <a:fld id="{C6B97D8F-D30D-4353-84D4-0E94461DD2D1}" type="slidenum">
+            <a:fld id="{BDA526FF-2B5F-442B-99C4-7C72A77A216F}" type="slidenum">
               <a:t>&lt;#&gt;</a:t>
             </a:fld>
           </a:p>
@@ -4696,7 +4696,7 @@
         <p:txBody>
           <a:bodyPr/>
           <a:p>
-            <a:fld id="{222B9186-FF3A-4FFF-A7BE-C9BAAC3AB8F1}" type="slidenum">
+            <a:fld id="{829B5B34-3C07-4882-9BB0-136F63DF12A3}" type="slidenum">
               <a:t>&lt;#&gt;</a:t>
             </a:fld>
           </a:p>
@@ -4773,7 +4773,7 @@
         <p:txBody>
           <a:bodyPr/>
           <a:p>
-            <a:fld id="{D096B5FF-5F0A-4AB0-B80D-CE423D16F683}" type="slidenum">
+            <a:fld id="{45D1F8B8-4C1D-44B5-B54B-FD2B5F31FB8C}" type="slidenum">
               <a:t>&lt;#&gt;</a:t>
             </a:fld>
           </a:p>
@@ -4952,7 +4952,7 @@
         <p:txBody>
           <a:bodyPr/>
           <a:p>
-            <a:fld id="{24694B3C-F32B-4F5C-8343-B0BF072782AB}" type="slidenum">
+            <a:fld id="{FC94B685-41D4-457C-8EAE-C7162EC1C54C}" type="slidenum">
               <a:t>&lt;#&gt;</a:t>
             </a:fld>
           </a:p>
@@ -5131,7 +5131,7 @@
         <p:txBody>
           <a:bodyPr/>
           <a:p>
-            <a:fld id="{6E7CF875-4F11-4B71-89BC-9FF6DE701661}" type="slidenum">
+            <a:fld id="{17AF65BC-145C-4E68-8552-8F3DE77263FE}" type="slidenum">
               <a:t>&lt;#&gt;</a:t>
             </a:fld>
           </a:p>
@@ -5310,7 +5310,7 @@
         <p:txBody>
           <a:bodyPr/>
           <a:p>
-            <a:fld id="{44BF434B-209D-4C4F-811C-A0828FC311F6}" type="slidenum">
+            <a:fld id="{F8F9D759-4B1D-41C4-9FB3-9ECD46ECAFED}" type="slidenum">
               <a:t>&lt;#&gt;</a:t>
             </a:fld>
           </a:p>
@@ -5352,7 +5352,7 @@
         <p:txBody>
           <a:bodyPr/>
           <a:p>
-            <a:fld id="{A0F9CF39-D5C5-448F-A71C-F099E88D3E52}" type="slidenum">
+            <a:fld id="{22DA680F-F33A-45FA-9FCE-514AD8E9CCDB}" type="slidenum">
               <a:t>&lt;#&gt;</a:t>
             </a:fld>
           </a:p>
@@ -5497,7 +5497,7 @@
         <p:txBody>
           <a:bodyPr/>
           <a:p>
-            <a:fld id="{FCE8A246-15CA-4B23-8EFF-3AB9A562C050}" type="slidenum">
+            <a:fld id="{045A336D-6CD7-49FB-B60B-4BFF972D1ABB}" type="slidenum">
               <a:t>&lt;#&gt;</a:t>
             </a:fld>
           </a:p>
@@ -5710,7 +5710,7 @@
         <p:txBody>
           <a:bodyPr/>
           <a:p>
-            <a:fld id="{4F49A3EB-9A80-41DF-8125-07BE5FF9433B}" type="slidenum">
+            <a:fld id="{39191928-0E4D-43EE-9596-11A54A787B9F}" type="slidenum">
               <a:t>&lt;#&gt;</a:t>
             </a:fld>
           </a:p>
@@ -5991,7 +5991,7 @@
         <p:txBody>
           <a:bodyPr/>
           <a:p>
-            <a:fld id="{1EA07C40-2D9A-4685-8A04-E58DC02CA42D}" type="slidenum">
+            <a:fld id="{AE2850FA-E3E5-4D1B-953A-1C5633996C5E}" type="slidenum">
               <a:t>&lt;#&gt;</a:t>
             </a:fld>
           </a:p>
@@ -6033,7 +6033,7 @@
         <p:txBody>
           <a:bodyPr/>
           <a:p>
-            <a:fld id="{8AB3B344-447B-4190-A861-F3A6EE77A88A}" type="slidenum">
+            <a:fld id="{EBD8B3D7-6791-4A16-9766-5BA74E5B3425}" type="slidenum">
               <a:t>&lt;#&gt;</a:t>
             </a:fld>
           </a:p>
@@ -6145,7 +6145,7 @@
         <p:txBody>
           <a:bodyPr/>
           <a:p>
-            <a:fld id="{A338850A-7FCB-4B7E-84E8-637EE5C529CA}" type="slidenum">
+            <a:fld id="{5B52FC75-3B06-4D0A-B5C8-CE8C5F49D3D1}" type="slidenum">
               <a:t>&lt;#&gt;</a:t>
             </a:fld>
           </a:p>
@@ -6256,7 +6256,7 @@
         <p:txBody>
           <a:bodyPr/>
           <a:p>
-            <a:fld id="{AFA74EDF-DA91-4389-A278-D76E16F0E5A4}" type="slidenum">
+            <a:fld id="{A80E1742-F52F-456A-807A-704483939D5F}" type="slidenum">
               <a:t>&lt;#&gt;</a:t>
             </a:fld>
           </a:p>
@@ -6401,7 +6401,7 @@
         <p:txBody>
           <a:bodyPr/>
           <a:p>
-            <a:fld id="{A3F5DA9B-E054-47E7-8508-C1882CD1DAFA}" type="slidenum">
+            <a:fld id="{6519F641-BF1A-43E3-827F-32D2E7879171}" type="slidenum">
               <a:t>&lt;#&gt;</a:t>
             </a:fld>
           </a:p>
@@ -6478,7 +6478,7 @@
         <p:txBody>
           <a:bodyPr/>
           <a:p>
-            <a:fld id="{F8669532-AB06-417F-B4F4-390D1DD3AB9B}" type="slidenum">
+            <a:fld id="{274DE46A-A20C-40F5-89A4-6E05A6082BBE}" type="slidenum">
               <a:t>&lt;#&gt;</a:t>
             </a:fld>
           </a:p>
@@ -6555,7 +6555,7 @@
         <p:txBody>
           <a:bodyPr/>
           <a:p>
-            <a:fld id="{BD1BEB18-A1D6-46C7-80CB-107893ACCAFE}" type="slidenum">
+            <a:fld id="{819B9816-104F-41CF-9F29-4EFFD203B8C6}" type="slidenum">
               <a:t>&lt;#&gt;</a:t>
             </a:fld>
           </a:p>
@@ -6734,7 +6734,7 @@
         <p:txBody>
           <a:bodyPr/>
           <a:p>
-            <a:fld id="{85B21F2F-C612-4464-BC75-97BE1210B7B6}" type="slidenum">
+            <a:fld id="{EB455AC0-3223-4C46-8D1C-2946C1A31E7F}" type="slidenum">
               <a:t>&lt;#&gt;</a:t>
             </a:fld>
           </a:p>
@@ -6846,7 +6846,7 @@
         <p:txBody>
           <a:bodyPr/>
           <a:p>
-            <a:fld id="{56429E29-90AC-4B48-93A6-8FABC1FBAA79}" type="slidenum">
+            <a:fld id="{F363C65A-5068-4BC5-80FB-3E0F549D4FB2}" type="slidenum">
               <a:t>&lt;#&gt;</a:t>
             </a:fld>
           </a:p>
@@ -7025,7 +7025,7 @@
         <p:txBody>
           <a:bodyPr/>
           <a:p>
-            <a:fld id="{471EC570-0D35-46B1-9E49-825D2E5BC628}" type="slidenum">
+            <a:fld id="{BC1C75C3-EB6F-4ED2-A433-BB4660711A80}" type="slidenum">
               <a:t>&lt;#&gt;</a:t>
             </a:fld>
           </a:p>
@@ -7204,7 +7204,7 @@
         <p:txBody>
           <a:bodyPr/>
           <a:p>
-            <a:fld id="{E1B937B2-52B1-4A26-AEC2-BBFB8A7D092D}" type="slidenum">
+            <a:fld id="{4E4C1EAE-CF54-4639-A9DF-89355B5069E5}" type="slidenum">
               <a:t>&lt;#&gt;</a:t>
             </a:fld>
           </a:p>
@@ -7349,7 +7349,7 @@
         <p:txBody>
           <a:bodyPr/>
           <a:p>
-            <a:fld id="{12373B21-A188-47D3-B77D-349F4DA4BB33}" type="slidenum">
+            <a:fld id="{02D68503-D8EB-4A10-881A-5B8D45D03B4A}" type="slidenum">
               <a:t>&lt;#&gt;</a:t>
             </a:fld>
           </a:p>
@@ -7562,7 +7562,7 @@
         <p:txBody>
           <a:bodyPr/>
           <a:p>
-            <a:fld id="{1E413571-98EA-4F04-A2CC-12DBA36F444A}" type="slidenum">
+            <a:fld id="{A3DE5A8E-D55C-49B5-A092-D550B66447C1}" type="slidenum">
               <a:t>&lt;#&gt;</a:t>
             </a:fld>
           </a:p>
@@ -7843,494 +7843,7 @@
         <p:txBody>
           <a:bodyPr/>
           <a:p>
-            <a:fld id="{7F198A0F-F3AB-4827-B60A-718A29D36673}" type="slidenum">
-              <a:t>&lt;#&gt;</a:t>
-            </a:fld>
-          </a:p>
-        </p:txBody>
-      </p:sp>
-    </p:spTree>
-  </p:cSld>
-</p:sldLayout>
-</file>
-
-<file path=ppt/slideLayouts/slideLayout145.xml><?xml version="1.0" encoding="utf-8"?>
-<p:sldLayout xmlns:a="http://schemas.openxmlformats.org/drawingml/2006/main" xmlns:p="http://schemas.openxmlformats.org/presentationml/2006/main" xmlns:r="http://schemas.openxmlformats.org/officeDocument/2006/relationships" xmlns:p14="http://schemas.microsoft.com/office/powerpoint/2010/main" xmlns:p15="http://schemas.microsoft.com/office/powerpoint/2012/main" xmlns:mc="http://schemas.openxmlformats.org/markup-compatibility/2006" type="blank" preserve="1">
-  <p:cSld name="Blank Slide">
-    <p:spTree>
-      <p:nvGrpSpPr>
-        <p:cNvPr id="1" name=""/>
-        <p:cNvGrpSpPr/>
-        <p:nvPr/>
-      </p:nvGrpSpPr>
-      <p:grpSpPr>
-        <a:xfrm>
-          <a:off x="0" y="0"/>
-          <a:ext cx="0" cy="0"/>
-          <a:chOff x="0" y="0"/>
-          <a:chExt cx="0" cy="0"/>
-        </a:xfrm>
-      </p:grpSpPr>
-      <p:sp>
-        <p:nvSpPr>
-          <p:cNvPr id="2" name="PlaceHolder 1"/>
-          <p:cNvSpPr>
-            <a:spLocks noGrp="1"/>
-          </p:cNvSpPr>
-          <p:nvPr>
-            <p:ph type="sldNum" idx="12"/>
-          </p:nvPr>
-        </p:nvSpPr>
-        <p:spPr/>
-        <p:txBody>
-          <a:bodyPr/>
-          <a:p>
-            <a:fld id="{D1ECB059-8618-401C-B935-7CF6DCFBA23F}" type="slidenum">
-              <a:t>&lt;#&gt;</a:t>
-            </a:fld>
-          </a:p>
-        </p:txBody>
-      </p:sp>
-    </p:spTree>
-  </p:cSld>
-</p:sldLayout>
-</file>
-
-<file path=ppt/slideLayouts/slideLayout146.xml><?xml version="1.0" encoding="utf-8"?>
-<p:sldLayout xmlns:a="http://schemas.openxmlformats.org/drawingml/2006/main" xmlns:p="http://schemas.openxmlformats.org/presentationml/2006/main" xmlns:r="http://schemas.openxmlformats.org/officeDocument/2006/relationships" xmlns:p14="http://schemas.microsoft.com/office/powerpoint/2010/main" xmlns:p15="http://schemas.microsoft.com/office/powerpoint/2012/main" xmlns:mc="http://schemas.openxmlformats.org/markup-compatibility/2006" type="tx" preserve="1">
-  <p:cSld name="Title Slide">
-    <p:spTree>
-      <p:nvGrpSpPr>
-        <p:cNvPr id="1" name=""/>
-        <p:cNvGrpSpPr/>
-        <p:nvPr/>
-      </p:nvGrpSpPr>
-      <p:grpSpPr>
-        <a:xfrm>
-          <a:off x="0" y="0"/>
-          <a:ext cx="0" cy="0"/>
-          <a:chOff x="0" y="0"/>
-          <a:chExt cx="0" cy="0"/>
-        </a:xfrm>
-      </p:grpSpPr>
-      <p:sp>
-        <p:nvSpPr>
-          <p:cNvPr id="560" name="PlaceHolder 1"/>
-          <p:cNvSpPr>
-            <a:spLocks noGrp="1"/>
-          </p:cNvSpPr>
-          <p:nvPr>
-            <p:ph type="title"/>
-          </p:nvPr>
-        </p:nvSpPr>
-        <p:spPr>
-          <a:xfrm>
-            <a:off x="457200" y="205200"/>
-            <a:ext cx="8229240" cy="858600"/>
-          </a:xfrm>
-          <a:prstGeom prst="rect">
-            <a:avLst/>
-          </a:prstGeom>
-          <a:noFill/>
-          <a:ln w="0">
-            <a:noFill/>
-          </a:ln>
-        </p:spPr>
-        <p:txBody>
-          <a:bodyPr lIns="0" rIns="0" tIns="0" bIns="0" anchor="ctr">
-            <a:noAutofit/>
-          </a:bodyPr>
-          <a:p>
-            <a:pPr algn="ctr"/>
-            <a:endParaRPr b="0" lang="en-US" sz="4400" spc="-1" strike="noStrike">
-              <a:latin typeface="Arial"/>
-            </a:endParaRPr>
-          </a:p>
-        </p:txBody>
-      </p:sp>
-      <p:sp>
-        <p:nvSpPr>
-          <p:cNvPr id="561" name="PlaceHolder 2"/>
-          <p:cNvSpPr>
-            <a:spLocks noGrp="1"/>
-          </p:cNvSpPr>
-          <p:nvPr>
-            <p:ph type="subTitle"/>
-          </p:nvPr>
-        </p:nvSpPr>
-        <p:spPr>
-          <a:xfrm>
-            <a:off x="457200" y="1203480"/>
-            <a:ext cx="8229240" cy="2982960"/>
-          </a:xfrm>
-          <a:prstGeom prst="rect">
-            <a:avLst/>
-          </a:prstGeom>
-          <a:noFill/>
-          <a:ln w="0">
-            <a:noFill/>
-          </a:ln>
-        </p:spPr>
-        <p:txBody>
-          <a:bodyPr lIns="0" rIns="0" tIns="0" bIns="0" anchor="ctr">
-            <a:noAutofit/>
-          </a:bodyPr>
-          <a:p>
-            <a:pPr algn="ctr"/>
-            <a:endParaRPr b="0" lang="en-US" sz="3200" spc="-1" strike="noStrike">
-              <a:latin typeface="Arial"/>
-            </a:endParaRPr>
-          </a:p>
-        </p:txBody>
-      </p:sp>
-      <p:sp>
-        <p:nvSpPr>
-          <p:cNvPr id="4" name="PlaceHolder 3"/>
-          <p:cNvSpPr>
-            <a:spLocks noGrp="1"/>
-          </p:cNvSpPr>
-          <p:nvPr>
-            <p:ph type="sldNum" idx="12"/>
-          </p:nvPr>
-        </p:nvSpPr>
-        <p:spPr/>
-        <p:txBody>
-          <a:bodyPr/>
-          <a:p>
-            <a:fld id="{B73E72ED-AFAA-4C9B-A741-F38C1D671FE6}" type="slidenum">
-              <a:t>&lt;#&gt;</a:t>
-            </a:fld>
-          </a:p>
-        </p:txBody>
-      </p:sp>
-    </p:spTree>
-  </p:cSld>
-</p:sldLayout>
-</file>
-
-<file path=ppt/slideLayouts/slideLayout147.xml><?xml version="1.0" encoding="utf-8"?>
-<p:sldLayout xmlns:a="http://schemas.openxmlformats.org/drawingml/2006/main" xmlns:p="http://schemas.openxmlformats.org/presentationml/2006/main" xmlns:r="http://schemas.openxmlformats.org/officeDocument/2006/relationships" xmlns:p14="http://schemas.microsoft.com/office/powerpoint/2010/main" xmlns:p15="http://schemas.microsoft.com/office/powerpoint/2012/main" xmlns:mc="http://schemas.openxmlformats.org/markup-compatibility/2006" type="obj" preserve="1">
-  <p:cSld name="Title, Content">
-    <p:spTree>
-      <p:nvGrpSpPr>
-        <p:cNvPr id="1" name=""/>
-        <p:cNvGrpSpPr/>
-        <p:nvPr/>
-      </p:nvGrpSpPr>
-      <p:grpSpPr>
-        <a:xfrm>
-          <a:off x="0" y="0"/>
-          <a:ext cx="0" cy="0"/>
-          <a:chOff x="0" y="0"/>
-          <a:chExt cx="0" cy="0"/>
-        </a:xfrm>
-      </p:grpSpPr>
-      <p:sp>
-        <p:nvSpPr>
-          <p:cNvPr id="562" name="PlaceHolder 1"/>
-          <p:cNvSpPr>
-            <a:spLocks noGrp="1"/>
-          </p:cNvSpPr>
-          <p:nvPr>
-            <p:ph type="title"/>
-          </p:nvPr>
-        </p:nvSpPr>
-        <p:spPr>
-          <a:xfrm>
-            <a:off x="457200" y="205200"/>
-            <a:ext cx="8229240" cy="858600"/>
-          </a:xfrm>
-          <a:prstGeom prst="rect">
-            <a:avLst/>
-          </a:prstGeom>
-          <a:noFill/>
-          <a:ln w="0">
-            <a:noFill/>
-          </a:ln>
-        </p:spPr>
-        <p:txBody>
-          <a:bodyPr lIns="0" rIns="0" tIns="0" bIns="0" anchor="ctr">
-            <a:noAutofit/>
-          </a:bodyPr>
-          <a:p>
-            <a:pPr algn="ctr"/>
-            <a:endParaRPr b="0" lang="en-US" sz="4400" spc="-1" strike="noStrike">
-              <a:latin typeface="Arial"/>
-            </a:endParaRPr>
-          </a:p>
-        </p:txBody>
-      </p:sp>
-      <p:sp>
-        <p:nvSpPr>
-          <p:cNvPr id="563" name="PlaceHolder 2"/>
-          <p:cNvSpPr>
-            <a:spLocks noGrp="1"/>
-          </p:cNvSpPr>
-          <p:nvPr>
-            <p:ph/>
-          </p:nvPr>
-        </p:nvSpPr>
-        <p:spPr>
-          <a:xfrm>
-            <a:off x="457200" y="1203480"/>
-            <a:ext cx="8229240" cy="2982960"/>
-          </a:xfrm>
-          <a:prstGeom prst="rect">
-            <a:avLst/>
-          </a:prstGeom>
-          <a:noFill/>
-          <a:ln w="0">
-            <a:noFill/>
-          </a:ln>
-        </p:spPr>
-        <p:txBody>
-          <a:bodyPr lIns="0" rIns="0" tIns="0" bIns="0" anchor="t">
-            <a:normAutofit/>
-          </a:bodyPr>
-          <a:p>
-            <a:endParaRPr b="0" lang="en-US" sz="3200" spc="-1" strike="noStrike">
-              <a:latin typeface="Arial"/>
-            </a:endParaRPr>
-          </a:p>
-        </p:txBody>
-      </p:sp>
-      <p:sp>
-        <p:nvSpPr>
-          <p:cNvPr id="4" name="PlaceHolder 3"/>
-          <p:cNvSpPr>
-            <a:spLocks noGrp="1"/>
-          </p:cNvSpPr>
-          <p:nvPr>
-            <p:ph type="sldNum" idx="12"/>
-          </p:nvPr>
-        </p:nvSpPr>
-        <p:spPr/>
-        <p:txBody>
-          <a:bodyPr/>
-          <a:p>
-            <a:fld id="{D3F9A5CB-C619-41DF-8AE1-AC941BE6ACB4}" type="slidenum">
-              <a:t>&lt;#&gt;</a:t>
-            </a:fld>
-          </a:p>
-        </p:txBody>
-      </p:sp>
-    </p:spTree>
-  </p:cSld>
-</p:sldLayout>
-</file>
-
-<file path=ppt/slideLayouts/slideLayout148.xml><?xml version="1.0" encoding="utf-8"?>
-<p:sldLayout xmlns:a="http://schemas.openxmlformats.org/drawingml/2006/main" xmlns:p="http://schemas.openxmlformats.org/presentationml/2006/main" xmlns:r="http://schemas.openxmlformats.org/officeDocument/2006/relationships" xmlns:p14="http://schemas.microsoft.com/office/powerpoint/2010/main" xmlns:p15="http://schemas.microsoft.com/office/powerpoint/2012/main" xmlns:mc="http://schemas.openxmlformats.org/markup-compatibility/2006" type="twoObj" preserve="1">
-  <p:cSld name="Title, 2 Content">
-    <p:spTree>
-      <p:nvGrpSpPr>
-        <p:cNvPr id="1" name=""/>
-        <p:cNvGrpSpPr/>
-        <p:nvPr/>
-      </p:nvGrpSpPr>
-      <p:grpSpPr>
-        <a:xfrm>
-          <a:off x="0" y="0"/>
-          <a:ext cx="0" cy="0"/>
-          <a:chOff x="0" y="0"/>
-          <a:chExt cx="0" cy="0"/>
-        </a:xfrm>
-      </p:grpSpPr>
-      <p:sp>
-        <p:nvSpPr>
-          <p:cNvPr id="564" name="PlaceHolder 1"/>
-          <p:cNvSpPr>
-            <a:spLocks noGrp="1"/>
-          </p:cNvSpPr>
-          <p:nvPr>
-            <p:ph type="title"/>
-          </p:nvPr>
-        </p:nvSpPr>
-        <p:spPr>
-          <a:xfrm>
-            <a:off x="457200" y="205200"/>
-            <a:ext cx="8229240" cy="858600"/>
-          </a:xfrm>
-          <a:prstGeom prst="rect">
-            <a:avLst/>
-          </a:prstGeom>
-          <a:noFill/>
-          <a:ln w="0">
-            <a:noFill/>
-          </a:ln>
-        </p:spPr>
-        <p:txBody>
-          <a:bodyPr lIns="0" rIns="0" tIns="0" bIns="0" anchor="ctr">
-            <a:noAutofit/>
-          </a:bodyPr>
-          <a:p>
-            <a:pPr algn="ctr"/>
-            <a:endParaRPr b="0" lang="en-US" sz="4400" spc="-1" strike="noStrike">
-              <a:latin typeface="Arial"/>
-            </a:endParaRPr>
-          </a:p>
-        </p:txBody>
-      </p:sp>
-      <p:sp>
-        <p:nvSpPr>
-          <p:cNvPr id="565" name="PlaceHolder 2"/>
-          <p:cNvSpPr>
-            <a:spLocks noGrp="1"/>
-          </p:cNvSpPr>
-          <p:nvPr>
-            <p:ph/>
-          </p:nvPr>
-        </p:nvSpPr>
-        <p:spPr>
-          <a:xfrm>
-            <a:off x="457200" y="1203480"/>
-            <a:ext cx="4015800" cy="2982960"/>
-          </a:xfrm>
-          <a:prstGeom prst="rect">
-            <a:avLst/>
-          </a:prstGeom>
-          <a:noFill/>
-          <a:ln w="0">
-            <a:noFill/>
-          </a:ln>
-        </p:spPr>
-        <p:txBody>
-          <a:bodyPr lIns="0" rIns="0" tIns="0" bIns="0" anchor="t">
-            <a:normAutofit/>
-          </a:bodyPr>
-          <a:p>
-            <a:endParaRPr b="0" lang="en-US" sz="3200" spc="-1" strike="noStrike">
-              <a:latin typeface="Arial"/>
-            </a:endParaRPr>
-          </a:p>
-        </p:txBody>
-      </p:sp>
-      <p:sp>
-        <p:nvSpPr>
-          <p:cNvPr id="566" name="PlaceHolder 3"/>
-          <p:cNvSpPr>
-            <a:spLocks noGrp="1"/>
-          </p:cNvSpPr>
-          <p:nvPr>
-            <p:ph/>
-          </p:nvPr>
-        </p:nvSpPr>
-        <p:spPr>
-          <a:xfrm>
-            <a:off x="4674240" y="1203480"/>
-            <a:ext cx="4015800" cy="2982960"/>
-          </a:xfrm>
-          <a:prstGeom prst="rect">
-            <a:avLst/>
-          </a:prstGeom>
-          <a:noFill/>
-          <a:ln w="0">
-            <a:noFill/>
-          </a:ln>
-        </p:spPr>
-        <p:txBody>
-          <a:bodyPr lIns="0" rIns="0" tIns="0" bIns="0" anchor="t">
-            <a:normAutofit/>
-          </a:bodyPr>
-          <a:p>
-            <a:endParaRPr b="0" lang="en-US" sz="3200" spc="-1" strike="noStrike">
-              <a:latin typeface="Arial"/>
-            </a:endParaRPr>
-          </a:p>
-        </p:txBody>
-      </p:sp>
-      <p:sp>
-        <p:nvSpPr>
-          <p:cNvPr id="5" name="PlaceHolder 4"/>
-          <p:cNvSpPr>
-            <a:spLocks noGrp="1"/>
-          </p:cNvSpPr>
-          <p:nvPr>
-            <p:ph type="sldNum" idx="12"/>
-          </p:nvPr>
-        </p:nvSpPr>
-        <p:spPr/>
-        <p:txBody>
-          <a:bodyPr/>
-          <a:p>
-            <a:fld id="{BAC6710F-0801-49CE-A93F-6D8B4D423D27}" type="slidenum">
-              <a:t>&lt;#&gt;</a:t>
-            </a:fld>
-          </a:p>
-        </p:txBody>
-      </p:sp>
-    </p:spTree>
-  </p:cSld>
-</p:sldLayout>
-</file>
-
-<file path=ppt/slideLayouts/slideLayout149.xml><?xml version="1.0" encoding="utf-8"?>
-<p:sldLayout xmlns:a="http://schemas.openxmlformats.org/drawingml/2006/main" xmlns:p="http://schemas.openxmlformats.org/presentationml/2006/main" xmlns:r="http://schemas.openxmlformats.org/officeDocument/2006/relationships" xmlns:p14="http://schemas.microsoft.com/office/powerpoint/2010/main" xmlns:p15="http://schemas.microsoft.com/office/powerpoint/2012/main" xmlns:mc="http://schemas.openxmlformats.org/markup-compatibility/2006" type="titleOnly" preserve="1">
-  <p:cSld name="Title Only">
-    <p:spTree>
-      <p:nvGrpSpPr>
-        <p:cNvPr id="1" name=""/>
-        <p:cNvGrpSpPr/>
-        <p:nvPr/>
-      </p:nvGrpSpPr>
-      <p:grpSpPr>
-        <a:xfrm>
-          <a:off x="0" y="0"/>
-          <a:ext cx="0" cy="0"/>
-          <a:chOff x="0" y="0"/>
-          <a:chExt cx="0" cy="0"/>
-        </a:xfrm>
-      </p:grpSpPr>
-      <p:sp>
-        <p:nvSpPr>
-          <p:cNvPr id="567" name="PlaceHolder 1"/>
-          <p:cNvSpPr>
-            <a:spLocks noGrp="1"/>
-          </p:cNvSpPr>
-          <p:nvPr>
-            <p:ph type="title"/>
-          </p:nvPr>
-        </p:nvSpPr>
-        <p:spPr>
-          <a:xfrm>
-            <a:off x="457200" y="205200"/>
-            <a:ext cx="8229240" cy="858600"/>
-          </a:xfrm>
-          <a:prstGeom prst="rect">
-            <a:avLst/>
-          </a:prstGeom>
-          <a:noFill/>
-          <a:ln w="0">
-            <a:noFill/>
-          </a:ln>
-        </p:spPr>
-        <p:txBody>
-          <a:bodyPr lIns="0" rIns="0" tIns="0" bIns="0" anchor="ctr">
-            <a:noAutofit/>
-          </a:bodyPr>
-          <a:p>
-            <a:pPr algn="ctr"/>
-            <a:endParaRPr b="0" lang="en-US" sz="4400" spc="-1" strike="noStrike">
-              <a:latin typeface="Arial"/>
-            </a:endParaRPr>
-          </a:p>
-        </p:txBody>
-      </p:sp>
-      <p:sp>
-        <p:nvSpPr>
-          <p:cNvPr id="3" name="PlaceHolder 2"/>
-          <p:cNvSpPr>
-            <a:spLocks noGrp="1"/>
-          </p:cNvSpPr>
-          <p:nvPr>
-            <p:ph type="sldNum" idx="12"/>
-          </p:nvPr>
-        </p:nvSpPr>
-        <p:spPr/>
-        <p:txBody>
-          <a:bodyPr/>
-          <a:p>
-            <a:fld id="{3C56FC06-D18E-4B00-B3FC-8DCE14EB3422}" type="slidenum">
+            <a:fld id="{5312DE2E-C941-4535-8BD4-724A95D5869C}" type="slidenum">
               <a:t>&lt;#&gt;</a:t>
             </a:fld>
           </a:p>
@@ -8441,1260 +7954,7 @@
         <p:txBody>
           <a:bodyPr/>
           <a:p>
-            <a:fld id="{7AD5BCF8-BE51-4574-A024-632995B52814}" type="slidenum">
-              <a:t>&lt;#&gt;</a:t>
-            </a:fld>
-          </a:p>
-        </p:txBody>
-      </p:sp>
-    </p:spTree>
-  </p:cSld>
-</p:sldLayout>
-</file>
-
-<file path=ppt/slideLayouts/slideLayout150.xml><?xml version="1.0" encoding="utf-8"?>
-<p:sldLayout xmlns:a="http://schemas.openxmlformats.org/drawingml/2006/main" xmlns:p="http://schemas.openxmlformats.org/presentationml/2006/main" xmlns:r="http://schemas.openxmlformats.org/officeDocument/2006/relationships" xmlns:p14="http://schemas.microsoft.com/office/powerpoint/2010/main" xmlns:p15="http://schemas.microsoft.com/office/powerpoint/2012/main" xmlns:mc="http://schemas.openxmlformats.org/markup-compatibility/2006" type="objOnly" preserve="1">
-  <p:cSld name="Centered Text">
-    <p:spTree>
-      <p:nvGrpSpPr>
-        <p:cNvPr id="1" name=""/>
-        <p:cNvGrpSpPr/>
-        <p:nvPr/>
-      </p:nvGrpSpPr>
-      <p:grpSpPr>
-        <a:xfrm>
-          <a:off x="0" y="0"/>
-          <a:ext cx="0" cy="0"/>
-          <a:chOff x="0" y="0"/>
-          <a:chExt cx="0" cy="0"/>
-        </a:xfrm>
-      </p:grpSpPr>
-      <p:sp>
-        <p:nvSpPr>
-          <p:cNvPr id="568" name="PlaceHolder 1"/>
-          <p:cNvSpPr>
-            <a:spLocks noGrp="1"/>
-          </p:cNvSpPr>
-          <p:nvPr>
-            <p:ph type="subTitle"/>
-          </p:nvPr>
-        </p:nvSpPr>
-        <p:spPr>
-          <a:xfrm>
-            <a:off x="457200" y="205200"/>
-            <a:ext cx="8229240" cy="3981240"/>
-          </a:xfrm>
-          <a:prstGeom prst="rect">
-            <a:avLst/>
-          </a:prstGeom>
-          <a:noFill/>
-          <a:ln w="0">
-            <a:noFill/>
-          </a:ln>
-        </p:spPr>
-        <p:txBody>
-          <a:bodyPr lIns="0" rIns="0" tIns="0" bIns="0" anchor="ctr">
-            <a:noAutofit/>
-          </a:bodyPr>
-          <a:p>
-            <a:pPr algn="ctr"/>
-            <a:endParaRPr b="0" lang="en-US" sz="3200" spc="-1" strike="noStrike">
-              <a:latin typeface="Arial"/>
-            </a:endParaRPr>
-          </a:p>
-        </p:txBody>
-      </p:sp>
-      <p:sp>
-        <p:nvSpPr>
-          <p:cNvPr id="3" name="PlaceHolder 2"/>
-          <p:cNvSpPr>
-            <a:spLocks noGrp="1"/>
-          </p:cNvSpPr>
-          <p:nvPr>
-            <p:ph type="sldNum" idx="12"/>
-          </p:nvPr>
-        </p:nvSpPr>
-        <p:spPr/>
-        <p:txBody>
-          <a:bodyPr/>
-          <a:p>
-            <a:fld id="{0B840DAF-8F51-4390-910B-257CEC650EDA}" type="slidenum">
-              <a:t>&lt;#&gt;</a:t>
-            </a:fld>
-          </a:p>
-        </p:txBody>
-      </p:sp>
-    </p:spTree>
-  </p:cSld>
-</p:sldLayout>
-</file>
-
-<file path=ppt/slideLayouts/slideLayout151.xml><?xml version="1.0" encoding="utf-8"?>
-<p:sldLayout xmlns:a="http://schemas.openxmlformats.org/drawingml/2006/main" xmlns:p="http://schemas.openxmlformats.org/presentationml/2006/main" xmlns:r="http://schemas.openxmlformats.org/officeDocument/2006/relationships" xmlns:p14="http://schemas.microsoft.com/office/powerpoint/2010/main" xmlns:p15="http://schemas.microsoft.com/office/powerpoint/2012/main" xmlns:mc="http://schemas.openxmlformats.org/markup-compatibility/2006" type="twoObjAndObj" preserve="1">
-  <p:cSld name="Title, 2 Content and Content">
-    <p:spTree>
-      <p:nvGrpSpPr>
-        <p:cNvPr id="1" name=""/>
-        <p:cNvGrpSpPr/>
-        <p:nvPr/>
-      </p:nvGrpSpPr>
-      <p:grpSpPr>
-        <a:xfrm>
-          <a:off x="0" y="0"/>
-          <a:ext cx="0" cy="0"/>
-          <a:chOff x="0" y="0"/>
-          <a:chExt cx="0" cy="0"/>
-        </a:xfrm>
-      </p:grpSpPr>
-      <p:sp>
-        <p:nvSpPr>
-          <p:cNvPr id="569" name="PlaceHolder 1"/>
-          <p:cNvSpPr>
-            <a:spLocks noGrp="1"/>
-          </p:cNvSpPr>
-          <p:nvPr>
-            <p:ph type="title"/>
-          </p:nvPr>
-        </p:nvSpPr>
-        <p:spPr>
-          <a:xfrm>
-            <a:off x="457200" y="205200"/>
-            <a:ext cx="8229240" cy="858600"/>
-          </a:xfrm>
-          <a:prstGeom prst="rect">
-            <a:avLst/>
-          </a:prstGeom>
-          <a:noFill/>
-          <a:ln w="0">
-            <a:noFill/>
-          </a:ln>
-        </p:spPr>
-        <p:txBody>
-          <a:bodyPr lIns="0" rIns="0" tIns="0" bIns="0" anchor="ctr">
-            <a:noAutofit/>
-          </a:bodyPr>
-          <a:p>
-            <a:pPr algn="ctr"/>
-            <a:endParaRPr b="0" lang="en-US" sz="4400" spc="-1" strike="noStrike">
-              <a:latin typeface="Arial"/>
-            </a:endParaRPr>
-          </a:p>
-        </p:txBody>
-      </p:sp>
-      <p:sp>
-        <p:nvSpPr>
-          <p:cNvPr id="570" name="PlaceHolder 2"/>
-          <p:cNvSpPr>
-            <a:spLocks noGrp="1"/>
-          </p:cNvSpPr>
-          <p:nvPr>
-            <p:ph/>
-          </p:nvPr>
-        </p:nvSpPr>
-        <p:spPr>
-          <a:xfrm>
-            <a:off x="457200" y="1203480"/>
-            <a:ext cx="4015800" cy="1422720"/>
-          </a:xfrm>
-          <a:prstGeom prst="rect">
-            <a:avLst/>
-          </a:prstGeom>
-          <a:noFill/>
-          <a:ln w="0">
-            <a:noFill/>
-          </a:ln>
-        </p:spPr>
-        <p:txBody>
-          <a:bodyPr lIns="0" rIns="0" tIns="0" bIns="0" anchor="t">
-            <a:normAutofit/>
-          </a:bodyPr>
-          <a:p>
-            <a:endParaRPr b="0" lang="en-US" sz="3200" spc="-1" strike="noStrike">
-              <a:latin typeface="Arial"/>
-            </a:endParaRPr>
-          </a:p>
-        </p:txBody>
-      </p:sp>
-      <p:sp>
-        <p:nvSpPr>
-          <p:cNvPr id="571" name="PlaceHolder 3"/>
-          <p:cNvSpPr>
-            <a:spLocks noGrp="1"/>
-          </p:cNvSpPr>
-          <p:nvPr>
-            <p:ph/>
-          </p:nvPr>
-        </p:nvSpPr>
-        <p:spPr>
-          <a:xfrm>
-            <a:off x="4674240" y="1203480"/>
-            <a:ext cx="4015800" cy="2982960"/>
-          </a:xfrm>
-          <a:prstGeom prst="rect">
-            <a:avLst/>
-          </a:prstGeom>
-          <a:noFill/>
-          <a:ln w="0">
-            <a:noFill/>
-          </a:ln>
-        </p:spPr>
-        <p:txBody>
-          <a:bodyPr lIns="0" rIns="0" tIns="0" bIns="0" anchor="t">
-            <a:normAutofit/>
-          </a:bodyPr>
-          <a:p>
-            <a:endParaRPr b="0" lang="en-US" sz="3200" spc="-1" strike="noStrike">
-              <a:latin typeface="Arial"/>
-            </a:endParaRPr>
-          </a:p>
-        </p:txBody>
-      </p:sp>
-      <p:sp>
-        <p:nvSpPr>
-          <p:cNvPr id="572" name="PlaceHolder 4"/>
-          <p:cNvSpPr>
-            <a:spLocks noGrp="1"/>
-          </p:cNvSpPr>
-          <p:nvPr>
-            <p:ph/>
-          </p:nvPr>
-        </p:nvSpPr>
-        <p:spPr>
-          <a:xfrm>
-            <a:off x="457200" y="2761920"/>
-            <a:ext cx="4015800" cy="1422720"/>
-          </a:xfrm>
-          <a:prstGeom prst="rect">
-            <a:avLst/>
-          </a:prstGeom>
-          <a:noFill/>
-          <a:ln w="0">
-            <a:noFill/>
-          </a:ln>
-        </p:spPr>
-        <p:txBody>
-          <a:bodyPr lIns="0" rIns="0" tIns="0" bIns="0" anchor="t">
-            <a:normAutofit/>
-          </a:bodyPr>
-          <a:p>
-            <a:endParaRPr b="0" lang="en-US" sz="3200" spc="-1" strike="noStrike">
-              <a:latin typeface="Arial"/>
-            </a:endParaRPr>
-          </a:p>
-        </p:txBody>
-      </p:sp>
-      <p:sp>
-        <p:nvSpPr>
-          <p:cNvPr id="6" name="PlaceHolder 5"/>
-          <p:cNvSpPr>
-            <a:spLocks noGrp="1"/>
-          </p:cNvSpPr>
-          <p:nvPr>
-            <p:ph type="sldNum" idx="12"/>
-          </p:nvPr>
-        </p:nvSpPr>
-        <p:spPr/>
-        <p:txBody>
-          <a:bodyPr/>
-          <a:p>
-            <a:fld id="{981DAF7E-05D4-4D06-BBF4-7A889EE4F335}" type="slidenum">
-              <a:t>&lt;#&gt;</a:t>
-            </a:fld>
-          </a:p>
-        </p:txBody>
-      </p:sp>
-    </p:spTree>
-  </p:cSld>
-</p:sldLayout>
-</file>
-
-<file path=ppt/slideLayouts/slideLayout152.xml><?xml version="1.0" encoding="utf-8"?>
-<p:sldLayout xmlns:a="http://schemas.openxmlformats.org/drawingml/2006/main" xmlns:p="http://schemas.openxmlformats.org/presentationml/2006/main" xmlns:r="http://schemas.openxmlformats.org/officeDocument/2006/relationships" xmlns:p14="http://schemas.microsoft.com/office/powerpoint/2010/main" xmlns:p15="http://schemas.microsoft.com/office/powerpoint/2012/main" xmlns:mc="http://schemas.openxmlformats.org/markup-compatibility/2006" type="objAndTwoObj" preserve="1">
-  <p:cSld name="Title Content and 2 Content">
-    <p:spTree>
-      <p:nvGrpSpPr>
-        <p:cNvPr id="1" name=""/>
-        <p:cNvGrpSpPr/>
-        <p:nvPr/>
-      </p:nvGrpSpPr>
-      <p:grpSpPr>
-        <a:xfrm>
-          <a:off x="0" y="0"/>
-          <a:ext cx="0" cy="0"/>
-          <a:chOff x="0" y="0"/>
-          <a:chExt cx="0" cy="0"/>
-        </a:xfrm>
-      </p:grpSpPr>
-      <p:sp>
-        <p:nvSpPr>
-          <p:cNvPr id="573" name="PlaceHolder 1"/>
-          <p:cNvSpPr>
-            <a:spLocks noGrp="1"/>
-          </p:cNvSpPr>
-          <p:nvPr>
-            <p:ph type="title"/>
-          </p:nvPr>
-        </p:nvSpPr>
-        <p:spPr>
-          <a:xfrm>
-            <a:off x="457200" y="205200"/>
-            <a:ext cx="8229240" cy="858600"/>
-          </a:xfrm>
-          <a:prstGeom prst="rect">
-            <a:avLst/>
-          </a:prstGeom>
-          <a:noFill/>
-          <a:ln w="0">
-            <a:noFill/>
-          </a:ln>
-        </p:spPr>
-        <p:txBody>
-          <a:bodyPr lIns="0" rIns="0" tIns="0" bIns="0" anchor="ctr">
-            <a:noAutofit/>
-          </a:bodyPr>
-          <a:p>
-            <a:pPr algn="ctr"/>
-            <a:endParaRPr b="0" lang="en-US" sz="4400" spc="-1" strike="noStrike">
-              <a:latin typeface="Arial"/>
-            </a:endParaRPr>
-          </a:p>
-        </p:txBody>
-      </p:sp>
-      <p:sp>
-        <p:nvSpPr>
-          <p:cNvPr id="574" name="PlaceHolder 2"/>
-          <p:cNvSpPr>
-            <a:spLocks noGrp="1"/>
-          </p:cNvSpPr>
-          <p:nvPr>
-            <p:ph/>
-          </p:nvPr>
-        </p:nvSpPr>
-        <p:spPr>
-          <a:xfrm>
-            <a:off x="457200" y="1203480"/>
-            <a:ext cx="4015800" cy="2982960"/>
-          </a:xfrm>
-          <a:prstGeom prst="rect">
-            <a:avLst/>
-          </a:prstGeom>
-          <a:noFill/>
-          <a:ln w="0">
-            <a:noFill/>
-          </a:ln>
-        </p:spPr>
-        <p:txBody>
-          <a:bodyPr lIns="0" rIns="0" tIns="0" bIns="0" anchor="t">
-            <a:normAutofit/>
-          </a:bodyPr>
-          <a:p>
-            <a:endParaRPr b="0" lang="en-US" sz="3200" spc="-1" strike="noStrike">
-              <a:latin typeface="Arial"/>
-            </a:endParaRPr>
-          </a:p>
-        </p:txBody>
-      </p:sp>
-      <p:sp>
-        <p:nvSpPr>
-          <p:cNvPr id="575" name="PlaceHolder 3"/>
-          <p:cNvSpPr>
-            <a:spLocks noGrp="1"/>
-          </p:cNvSpPr>
-          <p:nvPr>
-            <p:ph/>
-          </p:nvPr>
-        </p:nvSpPr>
-        <p:spPr>
-          <a:xfrm>
-            <a:off x="4674240" y="1203480"/>
-            <a:ext cx="4015800" cy="1422720"/>
-          </a:xfrm>
-          <a:prstGeom prst="rect">
-            <a:avLst/>
-          </a:prstGeom>
-          <a:noFill/>
-          <a:ln w="0">
-            <a:noFill/>
-          </a:ln>
-        </p:spPr>
-        <p:txBody>
-          <a:bodyPr lIns="0" rIns="0" tIns="0" bIns="0" anchor="t">
-            <a:normAutofit/>
-          </a:bodyPr>
-          <a:p>
-            <a:endParaRPr b="0" lang="en-US" sz="3200" spc="-1" strike="noStrike">
-              <a:latin typeface="Arial"/>
-            </a:endParaRPr>
-          </a:p>
-        </p:txBody>
-      </p:sp>
-      <p:sp>
-        <p:nvSpPr>
-          <p:cNvPr id="576" name="PlaceHolder 4"/>
-          <p:cNvSpPr>
-            <a:spLocks noGrp="1"/>
-          </p:cNvSpPr>
-          <p:nvPr>
-            <p:ph/>
-          </p:nvPr>
-        </p:nvSpPr>
-        <p:spPr>
-          <a:xfrm>
-            <a:off x="4674240" y="2761920"/>
-            <a:ext cx="4015800" cy="1422720"/>
-          </a:xfrm>
-          <a:prstGeom prst="rect">
-            <a:avLst/>
-          </a:prstGeom>
-          <a:noFill/>
-          <a:ln w="0">
-            <a:noFill/>
-          </a:ln>
-        </p:spPr>
-        <p:txBody>
-          <a:bodyPr lIns="0" rIns="0" tIns="0" bIns="0" anchor="t">
-            <a:normAutofit/>
-          </a:bodyPr>
-          <a:p>
-            <a:endParaRPr b="0" lang="en-US" sz="3200" spc="-1" strike="noStrike">
-              <a:latin typeface="Arial"/>
-            </a:endParaRPr>
-          </a:p>
-        </p:txBody>
-      </p:sp>
-      <p:sp>
-        <p:nvSpPr>
-          <p:cNvPr id="6" name="PlaceHolder 5"/>
-          <p:cNvSpPr>
-            <a:spLocks noGrp="1"/>
-          </p:cNvSpPr>
-          <p:nvPr>
-            <p:ph type="sldNum" idx="12"/>
-          </p:nvPr>
-        </p:nvSpPr>
-        <p:spPr/>
-        <p:txBody>
-          <a:bodyPr/>
-          <a:p>
-            <a:fld id="{27B319DD-315D-49BE-90BE-D82759343DA1}" type="slidenum">
-              <a:t>&lt;#&gt;</a:t>
-            </a:fld>
-          </a:p>
-        </p:txBody>
-      </p:sp>
-    </p:spTree>
-  </p:cSld>
-</p:sldLayout>
-</file>
-
-<file path=ppt/slideLayouts/slideLayout153.xml><?xml version="1.0" encoding="utf-8"?>
-<p:sldLayout xmlns:a="http://schemas.openxmlformats.org/drawingml/2006/main" xmlns:p="http://schemas.openxmlformats.org/presentationml/2006/main" xmlns:r="http://schemas.openxmlformats.org/officeDocument/2006/relationships" xmlns:p14="http://schemas.microsoft.com/office/powerpoint/2010/main" xmlns:p15="http://schemas.microsoft.com/office/powerpoint/2012/main" xmlns:mc="http://schemas.openxmlformats.org/markup-compatibility/2006" type="twoObjOverTx" preserve="1">
-  <p:cSld name="Title, 2 Content over Content">
-    <p:spTree>
-      <p:nvGrpSpPr>
-        <p:cNvPr id="1" name=""/>
-        <p:cNvGrpSpPr/>
-        <p:nvPr/>
-      </p:nvGrpSpPr>
-      <p:grpSpPr>
-        <a:xfrm>
-          <a:off x="0" y="0"/>
-          <a:ext cx="0" cy="0"/>
-          <a:chOff x="0" y="0"/>
-          <a:chExt cx="0" cy="0"/>
-        </a:xfrm>
-      </p:grpSpPr>
-      <p:sp>
-        <p:nvSpPr>
-          <p:cNvPr id="577" name="PlaceHolder 1"/>
-          <p:cNvSpPr>
-            <a:spLocks noGrp="1"/>
-          </p:cNvSpPr>
-          <p:nvPr>
-            <p:ph type="title"/>
-          </p:nvPr>
-        </p:nvSpPr>
-        <p:spPr>
-          <a:xfrm>
-            <a:off x="457200" y="205200"/>
-            <a:ext cx="8229240" cy="858600"/>
-          </a:xfrm>
-          <a:prstGeom prst="rect">
-            <a:avLst/>
-          </a:prstGeom>
-          <a:noFill/>
-          <a:ln w="0">
-            <a:noFill/>
-          </a:ln>
-        </p:spPr>
-        <p:txBody>
-          <a:bodyPr lIns="0" rIns="0" tIns="0" bIns="0" anchor="ctr">
-            <a:noAutofit/>
-          </a:bodyPr>
-          <a:p>
-            <a:pPr algn="ctr"/>
-            <a:endParaRPr b="0" lang="en-US" sz="4400" spc="-1" strike="noStrike">
-              <a:latin typeface="Arial"/>
-            </a:endParaRPr>
-          </a:p>
-        </p:txBody>
-      </p:sp>
-      <p:sp>
-        <p:nvSpPr>
-          <p:cNvPr id="578" name="PlaceHolder 2"/>
-          <p:cNvSpPr>
-            <a:spLocks noGrp="1"/>
-          </p:cNvSpPr>
-          <p:nvPr>
-            <p:ph/>
-          </p:nvPr>
-        </p:nvSpPr>
-        <p:spPr>
-          <a:xfrm>
-            <a:off x="457200" y="1203480"/>
-            <a:ext cx="4015800" cy="1422720"/>
-          </a:xfrm>
-          <a:prstGeom prst="rect">
-            <a:avLst/>
-          </a:prstGeom>
-          <a:noFill/>
-          <a:ln w="0">
-            <a:noFill/>
-          </a:ln>
-        </p:spPr>
-        <p:txBody>
-          <a:bodyPr lIns="0" rIns="0" tIns="0" bIns="0" anchor="t">
-            <a:normAutofit/>
-          </a:bodyPr>
-          <a:p>
-            <a:endParaRPr b="0" lang="en-US" sz="3200" spc="-1" strike="noStrike">
-              <a:latin typeface="Arial"/>
-            </a:endParaRPr>
-          </a:p>
-        </p:txBody>
-      </p:sp>
-      <p:sp>
-        <p:nvSpPr>
-          <p:cNvPr id="579" name="PlaceHolder 3"/>
-          <p:cNvSpPr>
-            <a:spLocks noGrp="1"/>
-          </p:cNvSpPr>
-          <p:nvPr>
-            <p:ph/>
-          </p:nvPr>
-        </p:nvSpPr>
-        <p:spPr>
-          <a:xfrm>
-            <a:off x="4674240" y="1203480"/>
-            <a:ext cx="4015800" cy="1422720"/>
-          </a:xfrm>
-          <a:prstGeom prst="rect">
-            <a:avLst/>
-          </a:prstGeom>
-          <a:noFill/>
-          <a:ln w="0">
-            <a:noFill/>
-          </a:ln>
-        </p:spPr>
-        <p:txBody>
-          <a:bodyPr lIns="0" rIns="0" tIns="0" bIns="0" anchor="t">
-            <a:normAutofit/>
-          </a:bodyPr>
-          <a:p>
-            <a:endParaRPr b="0" lang="en-US" sz="3200" spc="-1" strike="noStrike">
-              <a:latin typeface="Arial"/>
-            </a:endParaRPr>
-          </a:p>
-        </p:txBody>
-      </p:sp>
-      <p:sp>
-        <p:nvSpPr>
-          <p:cNvPr id="580" name="PlaceHolder 4"/>
-          <p:cNvSpPr>
-            <a:spLocks noGrp="1"/>
-          </p:cNvSpPr>
-          <p:nvPr>
-            <p:ph/>
-          </p:nvPr>
-        </p:nvSpPr>
-        <p:spPr>
-          <a:xfrm>
-            <a:off x="457200" y="2761920"/>
-            <a:ext cx="8229240" cy="1422720"/>
-          </a:xfrm>
-          <a:prstGeom prst="rect">
-            <a:avLst/>
-          </a:prstGeom>
-          <a:noFill/>
-          <a:ln w="0">
-            <a:noFill/>
-          </a:ln>
-        </p:spPr>
-        <p:txBody>
-          <a:bodyPr lIns="0" rIns="0" tIns="0" bIns="0" anchor="t">
-            <a:normAutofit/>
-          </a:bodyPr>
-          <a:p>
-            <a:endParaRPr b="0" lang="en-US" sz="3200" spc="-1" strike="noStrike">
-              <a:latin typeface="Arial"/>
-            </a:endParaRPr>
-          </a:p>
-        </p:txBody>
-      </p:sp>
-      <p:sp>
-        <p:nvSpPr>
-          <p:cNvPr id="6" name="PlaceHolder 5"/>
-          <p:cNvSpPr>
-            <a:spLocks noGrp="1"/>
-          </p:cNvSpPr>
-          <p:nvPr>
-            <p:ph type="sldNum" idx="12"/>
-          </p:nvPr>
-        </p:nvSpPr>
-        <p:spPr/>
-        <p:txBody>
-          <a:bodyPr/>
-          <a:p>
-            <a:fld id="{DF49F988-53B2-44F2-B659-70776996AA46}" type="slidenum">
-              <a:t>&lt;#&gt;</a:t>
-            </a:fld>
-          </a:p>
-        </p:txBody>
-      </p:sp>
-    </p:spTree>
-  </p:cSld>
-</p:sldLayout>
-</file>
-
-<file path=ppt/slideLayouts/slideLayout154.xml><?xml version="1.0" encoding="utf-8"?>
-<p:sldLayout xmlns:a="http://schemas.openxmlformats.org/drawingml/2006/main" xmlns:p="http://schemas.openxmlformats.org/presentationml/2006/main" xmlns:r="http://schemas.openxmlformats.org/officeDocument/2006/relationships" xmlns:p14="http://schemas.microsoft.com/office/powerpoint/2010/main" xmlns:p15="http://schemas.microsoft.com/office/powerpoint/2012/main" xmlns:mc="http://schemas.openxmlformats.org/markup-compatibility/2006" type="objOverTx" preserve="1">
-  <p:cSld name="Title, Content over Content">
-    <p:spTree>
-      <p:nvGrpSpPr>
-        <p:cNvPr id="1" name=""/>
-        <p:cNvGrpSpPr/>
-        <p:nvPr/>
-      </p:nvGrpSpPr>
-      <p:grpSpPr>
-        <a:xfrm>
-          <a:off x="0" y="0"/>
-          <a:ext cx="0" cy="0"/>
-          <a:chOff x="0" y="0"/>
-          <a:chExt cx="0" cy="0"/>
-        </a:xfrm>
-      </p:grpSpPr>
-      <p:sp>
-        <p:nvSpPr>
-          <p:cNvPr id="581" name="PlaceHolder 1"/>
-          <p:cNvSpPr>
-            <a:spLocks noGrp="1"/>
-          </p:cNvSpPr>
-          <p:nvPr>
-            <p:ph type="title"/>
-          </p:nvPr>
-        </p:nvSpPr>
-        <p:spPr>
-          <a:xfrm>
-            <a:off x="457200" y="205200"/>
-            <a:ext cx="8229240" cy="858600"/>
-          </a:xfrm>
-          <a:prstGeom prst="rect">
-            <a:avLst/>
-          </a:prstGeom>
-          <a:noFill/>
-          <a:ln w="0">
-            <a:noFill/>
-          </a:ln>
-        </p:spPr>
-        <p:txBody>
-          <a:bodyPr lIns="0" rIns="0" tIns="0" bIns="0" anchor="ctr">
-            <a:noAutofit/>
-          </a:bodyPr>
-          <a:p>
-            <a:pPr algn="ctr"/>
-            <a:endParaRPr b="0" lang="en-US" sz="4400" spc="-1" strike="noStrike">
-              <a:latin typeface="Arial"/>
-            </a:endParaRPr>
-          </a:p>
-        </p:txBody>
-      </p:sp>
-      <p:sp>
-        <p:nvSpPr>
-          <p:cNvPr id="582" name="PlaceHolder 2"/>
-          <p:cNvSpPr>
-            <a:spLocks noGrp="1"/>
-          </p:cNvSpPr>
-          <p:nvPr>
-            <p:ph/>
-          </p:nvPr>
-        </p:nvSpPr>
-        <p:spPr>
-          <a:xfrm>
-            <a:off x="457200" y="1203480"/>
-            <a:ext cx="8229240" cy="1422720"/>
-          </a:xfrm>
-          <a:prstGeom prst="rect">
-            <a:avLst/>
-          </a:prstGeom>
-          <a:noFill/>
-          <a:ln w="0">
-            <a:noFill/>
-          </a:ln>
-        </p:spPr>
-        <p:txBody>
-          <a:bodyPr lIns="0" rIns="0" tIns="0" bIns="0" anchor="t">
-            <a:normAutofit/>
-          </a:bodyPr>
-          <a:p>
-            <a:endParaRPr b="0" lang="en-US" sz="3200" spc="-1" strike="noStrike">
-              <a:latin typeface="Arial"/>
-            </a:endParaRPr>
-          </a:p>
-        </p:txBody>
-      </p:sp>
-      <p:sp>
-        <p:nvSpPr>
-          <p:cNvPr id="583" name="PlaceHolder 3"/>
-          <p:cNvSpPr>
-            <a:spLocks noGrp="1"/>
-          </p:cNvSpPr>
-          <p:nvPr>
-            <p:ph/>
-          </p:nvPr>
-        </p:nvSpPr>
-        <p:spPr>
-          <a:xfrm>
-            <a:off x="457200" y="2761920"/>
-            <a:ext cx="8229240" cy="1422720"/>
-          </a:xfrm>
-          <a:prstGeom prst="rect">
-            <a:avLst/>
-          </a:prstGeom>
-          <a:noFill/>
-          <a:ln w="0">
-            <a:noFill/>
-          </a:ln>
-        </p:spPr>
-        <p:txBody>
-          <a:bodyPr lIns="0" rIns="0" tIns="0" bIns="0" anchor="t">
-            <a:normAutofit/>
-          </a:bodyPr>
-          <a:p>
-            <a:endParaRPr b="0" lang="en-US" sz="3200" spc="-1" strike="noStrike">
-              <a:latin typeface="Arial"/>
-            </a:endParaRPr>
-          </a:p>
-        </p:txBody>
-      </p:sp>
-      <p:sp>
-        <p:nvSpPr>
-          <p:cNvPr id="5" name="PlaceHolder 4"/>
-          <p:cNvSpPr>
-            <a:spLocks noGrp="1"/>
-          </p:cNvSpPr>
-          <p:nvPr>
-            <p:ph type="sldNum" idx="12"/>
-          </p:nvPr>
-        </p:nvSpPr>
-        <p:spPr/>
-        <p:txBody>
-          <a:bodyPr/>
-          <a:p>
-            <a:fld id="{DFC5A172-4680-4A15-B1F1-0C7A6A96FA1F}" type="slidenum">
-              <a:t>&lt;#&gt;</a:t>
-            </a:fld>
-          </a:p>
-        </p:txBody>
-      </p:sp>
-    </p:spTree>
-  </p:cSld>
-</p:sldLayout>
-</file>
-
-<file path=ppt/slideLayouts/slideLayout155.xml><?xml version="1.0" encoding="utf-8"?>
-<p:sldLayout xmlns:a="http://schemas.openxmlformats.org/drawingml/2006/main" xmlns:p="http://schemas.openxmlformats.org/presentationml/2006/main" xmlns:r="http://schemas.openxmlformats.org/officeDocument/2006/relationships" xmlns:p14="http://schemas.microsoft.com/office/powerpoint/2010/main" xmlns:p15="http://schemas.microsoft.com/office/powerpoint/2012/main" xmlns:mc="http://schemas.openxmlformats.org/markup-compatibility/2006" type="fourObj" preserve="1">
-  <p:cSld name="Title, 4 Content">
-    <p:spTree>
-      <p:nvGrpSpPr>
-        <p:cNvPr id="1" name=""/>
-        <p:cNvGrpSpPr/>
-        <p:nvPr/>
-      </p:nvGrpSpPr>
-      <p:grpSpPr>
-        <a:xfrm>
-          <a:off x="0" y="0"/>
-          <a:ext cx="0" cy="0"/>
-          <a:chOff x="0" y="0"/>
-          <a:chExt cx="0" cy="0"/>
-        </a:xfrm>
-      </p:grpSpPr>
-      <p:sp>
-        <p:nvSpPr>
-          <p:cNvPr id="584" name="PlaceHolder 1"/>
-          <p:cNvSpPr>
-            <a:spLocks noGrp="1"/>
-          </p:cNvSpPr>
-          <p:nvPr>
-            <p:ph type="title"/>
-          </p:nvPr>
-        </p:nvSpPr>
-        <p:spPr>
-          <a:xfrm>
-            <a:off x="457200" y="205200"/>
-            <a:ext cx="8229240" cy="858600"/>
-          </a:xfrm>
-          <a:prstGeom prst="rect">
-            <a:avLst/>
-          </a:prstGeom>
-          <a:noFill/>
-          <a:ln w="0">
-            <a:noFill/>
-          </a:ln>
-        </p:spPr>
-        <p:txBody>
-          <a:bodyPr lIns="0" rIns="0" tIns="0" bIns="0" anchor="ctr">
-            <a:noAutofit/>
-          </a:bodyPr>
-          <a:p>
-            <a:pPr algn="ctr"/>
-            <a:endParaRPr b="0" lang="en-US" sz="4400" spc="-1" strike="noStrike">
-              <a:latin typeface="Arial"/>
-            </a:endParaRPr>
-          </a:p>
-        </p:txBody>
-      </p:sp>
-      <p:sp>
-        <p:nvSpPr>
-          <p:cNvPr id="585" name="PlaceHolder 2"/>
-          <p:cNvSpPr>
-            <a:spLocks noGrp="1"/>
-          </p:cNvSpPr>
-          <p:nvPr>
-            <p:ph/>
-          </p:nvPr>
-        </p:nvSpPr>
-        <p:spPr>
-          <a:xfrm>
-            <a:off x="457200" y="1203480"/>
-            <a:ext cx="4015800" cy="1422720"/>
-          </a:xfrm>
-          <a:prstGeom prst="rect">
-            <a:avLst/>
-          </a:prstGeom>
-          <a:noFill/>
-          <a:ln w="0">
-            <a:noFill/>
-          </a:ln>
-        </p:spPr>
-        <p:txBody>
-          <a:bodyPr lIns="0" rIns="0" tIns="0" bIns="0" anchor="t">
-            <a:normAutofit/>
-          </a:bodyPr>
-          <a:p>
-            <a:endParaRPr b="0" lang="en-US" sz="3200" spc="-1" strike="noStrike">
-              <a:latin typeface="Arial"/>
-            </a:endParaRPr>
-          </a:p>
-        </p:txBody>
-      </p:sp>
-      <p:sp>
-        <p:nvSpPr>
-          <p:cNvPr id="586" name="PlaceHolder 3"/>
-          <p:cNvSpPr>
-            <a:spLocks noGrp="1"/>
-          </p:cNvSpPr>
-          <p:nvPr>
-            <p:ph/>
-          </p:nvPr>
-        </p:nvSpPr>
-        <p:spPr>
-          <a:xfrm>
-            <a:off x="4674240" y="1203480"/>
-            <a:ext cx="4015800" cy="1422720"/>
-          </a:xfrm>
-          <a:prstGeom prst="rect">
-            <a:avLst/>
-          </a:prstGeom>
-          <a:noFill/>
-          <a:ln w="0">
-            <a:noFill/>
-          </a:ln>
-        </p:spPr>
-        <p:txBody>
-          <a:bodyPr lIns="0" rIns="0" tIns="0" bIns="0" anchor="t">
-            <a:normAutofit/>
-          </a:bodyPr>
-          <a:p>
-            <a:endParaRPr b="0" lang="en-US" sz="3200" spc="-1" strike="noStrike">
-              <a:latin typeface="Arial"/>
-            </a:endParaRPr>
-          </a:p>
-        </p:txBody>
-      </p:sp>
-      <p:sp>
-        <p:nvSpPr>
-          <p:cNvPr id="587" name="PlaceHolder 4"/>
-          <p:cNvSpPr>
-            <a:spLocks noGrp="1"/>
-          </p:cNvSpPr>
-          <p:nvPr>
-            <p:ph/>
-          </p:nvPr>
-        </p:nvSpPr>
-        <p:spPr>
-          <a:xfrm>
-            <a:off x="457200" y="2761920"/>
-            <a:ext cx="4015800" cy="1422720"/>
-          </a:xfrm>
-          <a:prstGeom prst="rect">
-            <a:avLst/>
-          </a:prstGeom>
-          <a:noFill/>
-          <a:ln w="0">
-            <a:noFill/>
-          </a:ln>
-        </p:spPr>
-        <p:txBody>
-          <a:bodyPr lIns="0" rIns="0" tIns="0" bIns="0" anchor="t">
-            <a:normAutofit/>
-          </a:bodyPr>
-          <a:p>
-            <a:endParaRPr b="0" lang="en-US" sz="3200" spc="-1" strike="noStrike">
-              <a:latin typeface="Arial"/>
-            </a:endParaRPr>
-          </a:p>
-        </p:txBody>
-      </p:sp>
-      <p:sp>
-        <p:nvSpPr>
-          <p:cNvPr id="588" name="PlaceHolder 5"/>
-          <p:cNvSpPr>
-            <a:spLocks noGrp="1"/>
-          </p:cNvSpPr>
-          <p:nvPr>
-            <p:ph/>
-          </p:nvPr>
-        </p:nvSpPr>
-        <p:spPr>
-          <a:xfrm>
-            <a:off x="4674240" y="2761920"/>
-            <a:ext cx="4015800" cy="1422720"/>
-          </a:xfrm>
-          <a:prstGeom prst="rect">
-            <a:avLst/>
-          </a:prstGeom>
-          <a:noFill/>
-          <a:ln w="0">
-            <a:noFill/>
-          </a:ln>
-        </p:spPr>
-        <p:txBody>
-          <a:bodyPr lIns="0" rIns="0" tIns="0" bIns="0" anchor="t">
-            <a:normAutofit/>
-          </a:bodyPr>
-          <a:p>
-            <a:endParaRPr b="0" lang="en-US" sz="3200" spc="-1" strike="noStrike">
-              <a:latin typeface="Arial"/>
-            </a:endParaRPr>
-          </a:p>
-        </p:txBody>
-      </p:sp>
-      <p:sp>
-        <p:nvSpPr>
-          <p:cNvPr id="7" name="PlaceHolder 6"/>
-          <p:cNvSpPr>
-            <a:spLocks noGrp="1"/>
-          </p:cNvSpPr>
-          <p:nvPr>
-            <p:ph type="sldNum" idx="12"/>
-          </p:nvPr>
-        </p:nvSpPr>
-        <p:spPr/>
-        <p:txBody>
-          <a:bodyPr/>
-          <a:p>
-            <a:fld id="{DB80E5F1-857E-47B4-AFBD-91A0E9EAB756}" type="slidenum">
-              <a:t>&lt;#&gt;</a:t>
-            </a:fld>
-          </a:p>
-        </p:txBody>
-      </p:sp>
-    </p:spTree>
-  </p:cSld>
-</p:sldLayout>
-</file>
-
-<file path=ppt/slideLayouts/slideLayout156.xml><?xml version="1.0" encoding="utf-8"?>
-<p:sldLayout xmlns:a="http://schemas.openxmlformats.org/drawingml/2006/main" xmlns:p="http://schemas.openxmlformats.org/presentationml/2006/main" xmlns:r="http://schemas.openxmlformats.org/officeDocument/2006/relationships" xmlns:p14="http://schemas.microsoft.com/office/powerpoint/2010/main" xmlns:p15="http://schemas.microsoft.com/office/powerpoint/2012/main" xmlns:mc="http://schemas.openxmlformats.org/markup-compatibility/2006" type="blank" preserve="1">
-  <p:cSld name="Title, 6 Content">
-    <p:spTree>
-      <p:nvGrpSpPr>
-        <p:cNvPr id="1" name=""/>
-        <p:cNvGrpSpPr/>
-        <p:nvPr/>
-      </p:nvGrpSpPr>
-      <p:grpSpPr>
-        <a:xfrm>
-          <a:off x="0" y="0"/>
-          <a:ext cx="0" cy="0"/>
-          <a:chOff x="0" y="0"/>
-          <a:chExt cx="0" cy="0"/>
-        </a:xfrm>
-      </p:grpSpPr>
-      <p:sp>
-        <p:nvSpPr>
-          <p:cNvPr id="589" name="PlaceHolder 1"/>
-          <p:cNvSpPr>
-            <a:spLocks noGrp="1"/>
-          </p:cNvSpPr>
-          <p:nvPr>
-            <p:ph type="title"/>
-          </p:nvPr>
-        </p:nvSpPr>
-        <p:spPr>
-          <a:xfrm>
-            <a:off x="457200" y="205200"/>
-            <a:ext cx="8229240" cy="858600"/>
-          </a:xfrm>
-          <a:prstGeom prst="rect">
-            <a:avLst/>
-          </a:prstGeom>
-          <a:noFill/>
-          <a:ln w="0">
-            <a:noFill/>
-          </a:ln>
-        </p:spPr>
-        <p:txBody>
-          <a:bodyPr lIns="0" rIns="0" tIns="0" bIns="0" anchor="ctr">
-            <a:noAutofit/>
-          </a:bodyPr>
-          <a:p>
-            <a:pPr algn="ctr"/>
-            <a:endParaRPr b="0" lang="en-US" sz="4400" spc="-1" strike="noStrike">
-              <a:latin typeface="Arial"/>
-            </a:endParaRPr>
-          </a:p>
-        </p:txBody>
-      </p:sp>
-      <p:sp>
-        <p:nvSpPr>
-          <p:cNvPr id="590" name="PlaceHolder 2"/>
-          <p:cNvSpPr>
-            <a:spLocks noGrp="1"/>
-          </p:cNvSpPr>
-          <p:nvPr>
-            <p:ph/>
-          </p:nvPr>
-        </p:nvSpPr>
-        <p:spPr>
-          <a:xfrm>
-            <a:off x="457200" y="1203480"/>
-            <a:ext cx="2649600" cy="1422720"/>
-          </a:xfrm>
-          <a:prstGeom prst="rect">
-            <a:avLst/>
-          </a:prstGeom>
-          <a:noFill/>
-          <a:ln w="0">
-            <a:noFill/>
-          </a:ln>
-        </p:spPr>
-        <p:txBody>
-          <a:bodyPr lIns="0" rIns="0" tIns="0" bIns="0" anchor="t">
-            <a:normAutofit/>
-          </a:bodyPr>
-          <a:p>
-            <a:endParaRPr b="0" lang="en-US" sz="3200" spc="-1" strike="noStrike">
-              <a:latin typeface="Arial"/>
-            </a:endParaRPr>
-          </a:p>
-        </p:txBody>
-      </p:sp>
-      <p:sp>
-        <p:nvSpPr>
-          <p:cNvPr id="591" name="PlaceHolder 3"/>
-          <p:cNvSpPr>
-            <a:spLocks noGrp="1"/>
-          </p:cNvSpPr>
-          <p:nvPr>
-            <p:ph/>
-          </p:nvPr>
-        </p:nvSpPr>
-        <p:spPr>
-          <a:xfrm>
-            <a:off x="3239640" y="1203480"/>
-            <a:ext cx="2649600" cy="1422720"/>
-          </a:xfrm>
-          <a:prstGeom prst="rect">
-            <a:avLst/>
-          </a:prstGeom>
-          <a:noFill/>
-          <a:ln w="0">
-            <a:noFill/>
-          </a:ln>
-        </p:spPr>
-        <p:txBody>
-          <a:bodyPr lIns="0" rIns="0" tIns="0" bIns="0" anchor="t">
-            <a:normAutofit/>
-          </a:bodyPr>
-          <a:p>
-            <a:endParaRPr b="0" lang="en-US" sz="3200" spc="-1" strike="noStrike">
-              <a:latin typeface="Arial"/>
-            </a:endParaRPr>
-          </a:p>
-        </p:txBody>
-      </p:sp>
-      <p:sp>
-        <p:nvSpPr>
-          <p:cNvPr id="592" name="PlaceHolder 4"/>
-          <p:cNvSpPr>
-            <a:spLocks noGrp="1"/>
-          </p:cNvSpPr>
-          <p:nvPr>
-            <p:ph/>
-          </p:nvPr>
-        </p:nvSpPr>
-        <p:spPr>
-          <a:xfrm>
-            <a:off x="6022080" y="1203480"/>
-            <a:ext cx="2649600" cy="1422720"/>
-          </a:xfrm>
-          <a:prstGeom prst="rect">
-            <a:avLst/>
-          </a:prstGeom>
-          <a:noFill/>
-          <a:ln w="0">
-            <a:noFill/>
-          </a:ln>
-        </p:spPr>
-        <p:txBody>
-          <a:bodyPr lIns="0" rIns="0" tIns="0" bIns="0" anchor="t">
-            <a:normAutofit/>
-          </a:bodyPr>
-          <a:p>
-            <a:endParaRPr b="0" lang="en-US" sz="3200" spc="-1" strike="noStrike">
-              <a:latin typeface="Arial"/>
-            </a:endParaRPr>
-          </a:p>
-        </p:txBody>
-      </p:sp>
-      <p:sp>
-        <p:nvSpPr>
-          <p:cNvPr id="593" name="PlaceHolder 5"/>
-          <p:cNvSpPr>
-            <a:spLocks noGrp="1"/>
-          </p:cNvSpPr>
-          <p:nvPr>
-            <p:ph/>
-          </p:nvPr>
-        </p:nvSpPr>
-        <p:spPr>
-          <a:xfrm>
-            <a:off x="457200" y="2761920"/>
-            <a:ext cx="2649600" cy="1422720"/>
-          </a:xfrm>
-          <a:prstGeom prst="rect">
-            <a:avLst/>
-          </a:prstGeom>
-          <a:noFill/>
-          <a:ln w="0">
-            <a:noFill/>
-          </a:ln>
-        </p:spPr>
-        <p:txBody>
-          <a:bodyPr lIns="0" rIns="0" tIns="0" bIns="0" anchor="t">
-            <a:normAutofit/>
-          </a:bodyPr>
-          <a:p>
-            <a:endParaRPr b="0" lang="en-US" sz="3200" spc="-1" strike="noStrike">
-              <a:latin typeface="Arial"/>
-            </a:endParaRPr>
-          </a:p>
-        </p:txBody>
-      </p:sp>
-      <p:sp>
-        <p:nvSpPr>
-          <p:cNvPr id="594" name="PlaceHolder 6"/>
-          <p:cNvSpPr>
-            <a:spLocks noGrp="1"/>
-          </p:cNvSpPr>
-          <p:nvPr>
-            <p:ph/>
-          </p:nvPr>
-        </p:nvSpPr>
-        <p:spPr>
-          <a:xfrm>
-            <a:off x="3239640" y="2761920"/>
-            <a:ext cx="2649600" cy="1422720"/>
-          </a:xfrm>
-          <a:prstGeom prst="rect">
-            <a:avLst/>
-          </a:prstGeom>
-          <a:noFill/>
-          <a:ln w="0">
-            <a:noFill/>
-          </a:ln>
-        </p:spPr>
-        <p:txBody>
-          <a:bodyPr lIns="0" rIns="0" tIns="0" bIns="0" anchor="t">
-            <a:normAutofit/>
-          </a:bodyPr>
-          <a:p>
-            <a:endParaRPr b="0" lang="en-US" sz="3200" spc="-1" strike="noStrike">
-              <a:latin typeface="Arial"/>
-            </a:endParaRPr>
-          </a:p>
-        </p:txBody>
-      </p:sp>
-      <p:sp>
-        <p:nvSpPr>
-          <p:cNvPr id="595" name="PlaceHolder 7"/>
-          <p:cNvSpPr>
-            <a:spLocks noGrp="1"/>
-          </p:cNvSpPr>
-          <p:nvPr>
-            <p:ph/>
-          </p:nvPr>
-        </p:nvSpPr>
-        <p:spPr>
-          <a:xfrm>
-            <a:off x="6022080" y="2761920"/>
-            <a:ext cx="2649600" cy="1422720"/>
-          </a:xfrm>
-          <a:prstGeom prst="rect">
-            <a:avLst/>
-          </a:prstGeom>
-          <a:noFill/>
-          <a:ln w="0">
-            <a:noFill/>
-          </a:ln>
-        </p:spPr>
-        <p:txBody>
-          <a:bodyPr lIns="0" rIns="0" tIns="0" bIns="0" anchor="t">
-            <a:normAutofit/>
-          </a:bodyPr>
-          <a:p>
-            <a:endParaRPr b="0" lang="en-US" sz="3200" spc="-1" strike="noStrike">
-              <a:latin typeface="Arial"/>
-            </a:endParaRPr>
-          </a:p>
-        </p:txBody>
-      </p:sp>
-      <p:sp>
-        <p:nvSpPr>
-          <p:cNvPr id="9" name="PlaceHolder 8"/>
-          <p:cNvSpPr>
-            <a:spLocks noGrp="1"/>
-          </p:cNvSpPr>
-          <p:nvPr>
-            <p:ph type="sldNum" idx="12"/>
-          </p:nvPr>
-        </p:nvSpPr>
-        <p:spPr/>
-        <p:txBody>
-          <a:bodyPr/>
-          <a:p>
-            <a:fld id="{A94B8D8D-0B7F-4A8C-98FD-37373566AE18}" type="slidenum">
+            <a:fld id="{CB6C3F4F-64A5-48AC-ABBA-F93C03FF5F05}" type="slidenum">
               <a:t>&lt;#&gt;</a:t>
             </a:fld>
           </a:p>
@@ -9839,7 +8099,7 @@
         <p:txBody>
           <a:bodyPr/>
           <a:p>
-            <a:fld id="{A7D3886D-6CA4-4398-8718-439D63DFBA6A}" type="slidenum">
+            <a:fld id="{2BCB493F-38A0-4E36-A9E1-4A261486F0BF}" type="slidenum">
               <a:t>&lt;#&gt;</a:t>
             </a:fld>
           </a:p>
@@ -9916,7 +8176,7 @@
         <p:txBody>
           <a:bodyPr/>
           <a:p>
-            <a:fld id="{C2AC3AC2-C07F-4894-8043-1983A0A1C62D}" type="slidenum">
+            <a:fld id="{3BB6D978-C3FC-4A8A-9D50-042D88891652}" type="slidenum">
               <a:t>&lt;#&gt;</a:t>
             </a:fld>
           </a:p>
@@ -9993,7 +8253,7 @@
         <p:txBody>
           <a:bodyPr/>
           <a:p>
-            <a:fld id="{86E55EDC-1CC1-4240-BDD3-7E2E36EDD12C}" type="slidenum">
+            <a:fld id="{3B7D9FFB-6EFE-4CC0-97EF-9DCDC43470F2}" type="slidenum">
               <a:t>&lt;#&gt;</a:t>
             </a:fld>
           </a:p>
@@ -10172,7 +8432,7 @@
         <p:txBody>
           <a:bodyPr/>
           <a:p>
-            <a:fld id="{4F68ABFF-C903-4C33-8B3E-B9C751A0BC45}" type="slidenum">
+            <a:fld id="{BAE78061-0E07-46CD-B3D8-A1AF6917CD99}" type="slidenum">
               <a:t>&lt;#&gt;</a:t>
             </a:fld>
           </a:p>
@@ -10443,7 +8703,7 @@
         <p:txBody>
           <a:bodyPr/>
           <a:p>
-            <a:fld id="{3956A38B-1AA3-48B0-AA6A-3132A7B6A48D}" type="slidenum">
+            <a:fld id="{470AA1DF-DB8E-4F54-BFAE-173132FF0F47}" type="slidenum">
               <a:t>&lt;#&gt;</a:t>
             </a:fld>
           </a:p>
@@ -10622,7 +8882,7 @@
         <p:txBody>
           <a:bodyPr/>
           <a:p>
-            <a:fld id="{85D34C04-406E-403D-8D23-848484D21419}" type="slidenum">
+            <a:fld id="{5B1B7EA4-2220-4EAB-8E00-25C1A9CA1A1F}" type="slidenum">
               <a:t>&lt;#&gt;</a:t>
             </a:fld>
           </a:p>
@@ -10767,7 +9027,7 @@
         <p:txBody>
           <a:bodyPr/>
           <a:p>
-            <a:fld id="{BA26430D-4B92-4B23-B3BC-6A3B61714F76}" type="slidenum">
+            <a:fld id="{C3F44E03-D590-4B4E-B6ED-A56C5C81C4FC}" type="slidenum">
               <a:t>&lt;#&gt;</a:t>
             </a:fld>
           </a:p>
@@ -10980,7 +9240,7 @@
         <p:txBody>
           <a:bodyPr/>
           <a:p>
-            <a:fld id="{C0493C7E-E2C4-4951-8CB8-55FA2491D6EE}" type="slidenum">
+            <a:fld id="{E6808CF2-1EF2-4483-8767-B28B32000EE9}" type="slidenum">
               <a:t>&lt;#&gt;</a:t>
             </a:fld>
           </a:p>
@@ -11261,7 +9521,7 @@
         <p:txBody>
           <a:bodyPr/>
           <a:p>
-            <a:fld id="{B04C9849-3EEC-4974-93E8-3E5D5C226A59}" type="slidenum">
+            <a:fld id="{7C61E0CF-863C-4D92-A5CF-F5C7BE68F060}" type="slidenum">
               <a:t>&lt;#&gt;</a:t>
             </a:fld>
           </a:p>
@@ -11303,7 +9563,7 @@
         <p:txBody>
           <a:bodyPr/>
           <a:p>
-            <a:fld id="{8449F004-6A18-41D9-A678-928EA56B6B21}" type="slidenum">
+            <a:fld id="{417E8DFD-46FE-4C33-B7D3-B43FB541BC57}" type="slidenum">
               <a:t>&lt;#&gt;</a:t>
             </a:fld>
           </a:p>
@@ -11415,7 +9675,7 @@
         <p:txBody>
           <a:bodyPr/>
           <a:p>
-            <a:fld id="{6BA3DBA8-7D6E-4231-97D4-B4D4FA3F4282}" type="slidenum">
+            <a:fld id="{D56909FA-364F-475D-9B21-C3CEAA1C5608}" type="slidenum">
               <a:t>&lt;#&gt;</a:t>
             </a:fld>
           </a:p>
@@ -11526,7 +9786,7 @@
         <p:txBody>
           <a:bodyPr/>
           <a:p>
-            <a:fld id="{E6327B16-2B0F-4084-8AC3-839CF4842799}" type="slidenum">
+            <a:fld id="{9C2F3007-405E-413A-8626-C02E51A69B19}" type="slidenum">
               <a:t>&lt;#&gt;</a:t>
             </a:fld>
           </a:p>
@@ -11671,7 +9931,7 @@
         <p:txBody>
           <a:bodyPr/>
           <a:p>
-            <a:fld id="{4B2DB231-D8A8-4B1C-A340-DE07F1958923}" type="slidenum">
+            <a:fld id="{EA56B26A-59C8-48E0-8297-08C61D60D945}" type="slidenum">
               <a:t>&lt;#&gt;</a:t>
             </a:fld>
           </a:p>
@@ -11748,7 +10008,7 @@
         <p:txBody>
           <a:bodyPr/>
           <a:p>
-            <a:fld id="{4CDA2CD6-EBE8-4906-88AF-06B22488B721}" type="slidenum">
+            <a:fld id="{FCA027E9-7913-424F-B8C9-77FCAE521369}" type="slidenum">
               <a:t>&lt;#&gt;</a:t>
             </a:fld>
           </a:p>
@@ -11916,7 +10176,7 @@
         <p:txBody>
           <a:bodyPr/>
           <a:p>
-            <a:fld id="{B9B79BB2-0515-4FDC-85DB-E710AFCF25C6}" type="slidenum">
+            <a:fld id="{F1A0327A-99D4-44C5-AA8A-498B0BE0CD68}" type="slidenum">
               <a:t>&lt;#&gt;</a:t>
             </a:fld>
           </a:p>
@@ -12095,7 +10355,7 @@
         <p:txBody>
           <a:bodyPr/>
           <a:p>
-            <a:fld id="{D0E335F6-9340-489C-84AD-522C05484781}" type="slidenum">
+            <a:fld id="{B13B431C-422A-4630-9C00-75B928C89970}" type="slidenum">
               <a:t>&lt;#&gt;</a:t>
             </a:fld>
           </a:p>
@@ -12274,7 +10534,7 @@
         <p:txBody>
           <a:bodyPr/>
           <a:p>
-            <a:fld id="{6CF2F115-C0D3-4339-A567-59961CAF540A}" type="slidenum">
+            <a:fld id="{541B5247-71DD-4224-A5E9-A15695D494ED}" type="slidenum">
               <a:t>&lt;#&gt;</a:t>
             </a:fld>
           </a:p>
@@ -12453,7 +10713,7 @@
         <p:txBody>
           <a:bodyPr/>
           <a:p>
-            <a:fld id="{EF67A1C2-8B97-4DB0-8496-7F8839490BEF}" type="slidenum">
+            <a:fld id="{D569487E-6697-49DC-B058-1F7F2D0D3338}" type="slidenum">
               <a:t>&lt;#&gt;</a:t>
             </a:fld>
           </a:p>
@@ -12598,7 +10858,7 @@
         <p:txBody>
           <a:bodyPr/>
           <a:p>
-            <a:fld id="{391D78FC-0376-4328-989E-6FFA7286C8C4}" type="slidenum">
+            <a:fld id="{3B824390-FAC7-4EDC-9F20-F23A613EC7D7}" type="slidenum">
               <a:t>&lt;#&gt;</a:t>
             </a:fld>
           </a:p>
@@ -12811,7 +11071,7 @@
         <p:txBody>
           <a:bodyPr/>
           <a:p>
-            <a:fld id="{C75F72A6-A8DC-43EC-A81C-C3677164A76E}" type="slidenum">
+            <a:fld id="{AF9D3108-FE79-4507-AF20-3465B282E989}" type="slidenum">
               <a:t>&lt;#&gt;</a:t>
             </a:fld>
           </a:p>
@@ -13092,7 +11352,7 @@
         <p:txBody>
           <a:bodyPr/>
           <a:p>
-            <a:fld id="{7D3C6ADA-6E3E-40C0-842F-2581FD597585}" type="slidenum">
+            <a:fld id="{C0AB6E95-E520-4354-803A-D033FA9BC602}" type="slidenum">
               <a:t>&lt;#&gt;</a:t>
             </a:fld>
           </a:p>
@@ -13134,7 +11394,7 @@
         <p:txBody>
           <a:bodyPr/>
           <a:p>
-            <a:fld id="{2E216E5E-DB14-4212-9DD6-ECE3D633E589}" type="slidenum">
+            <a:fld id="{064A4D45-CAF4-40FE-B8A1-52213BF26B24}" type="slidenum">
               <a:t>&lt;#&gt;</a:t>
             </a:fld>
           </a:p>
@@ -13246,7 +11506,7 @@
         <p:txBody>
           <a:bodyPr/>
           <a:p>
-            <a:fld id="{E9D4E8A1-3D02-490F-9E36-4CBE6523661A}" type="slidenum">
+            <a:fld id="{019C0BAF-EE21-4C4B-9728-F11B2D75C08C}" type="slidenum">
               <a:t>&lt;#&gt;</a:t>
             </a:fld>
           </a:p>
@@ -13357,7 +11617,7 @@
         <p:txBody>
           <a:bodyPr/>
           <a:p>
-            <a:fld id="{DF8DB3D1-6B88-4D89-ADA7-8EC49366E4B7}" type="slidenum">
+            <a:fld id="{4C383A60-E8A4-4D92-810B-898525586306}" type="slidenum">
               <a:t>&lt;#&gt;</a:t>
             </a:fld>
           </a:p>
@@ -13627,7 +11887,7 @@
         <p:txBody>
           <a:bodyPr/>
           <a:p>
-            <a:fld id="{351CF143-B6DB-4EDB-AA39-20759CAA7A6D}" type="slidenum">
+            <a:fld id="{40D67C34-EBEF-4829-9B79-94668D228AAD}" type="slidenum">
               <a:t>&lt;#&gt;</a:t>
             </a:fld>
           </a:p>
@@ -13704,7 +11964,7 @@
         <p:txBody>
           <a:bodyPr/>
           <a:p>
-            <a:fld id="{BCAAF239-D6ED-48D1-B3AD-D1000FAFBDC6}" type="slidenum">
+            <a:fld id="{8299A08C-2410-4F97-BE15-9FA5CB58E3C7}" type="slidenum">
               <a:t>&lt;#&gt;</a:t>
             </a:fld>
           </a:p>
@@ -13781,7 +12041,7 @@
         <p:txBody>
           <a:bodyPr/>
           <a:p>
-            <a:fld id="{5159A4DC-FEFD-420B-8ADE-50EFC751FD38}" type="slidenum">
+            <a:fld id="{67F0AF34-9084-44C9-B555-35BEF644599A}" type="slidenum">
               <a:t>&lt;#&gt;</a:t>
             </a:fld>
           </a:p>
@@ -13960,7 +12220,7 @@
         <p:txBody>
           <a:bodyPr/>
           <a:p>
-            <a:fld id="{63067A4C-1F10-4C33-B879-FC25EB0A42CD}" type="slidenum">
+            <a:fld id="{BFE44E12-2DBC-4705-A652-C4E5963DA563}" type="slidenum">
               <a:t>&lt;#&gt;</a:t>
             </a:fld>
           </a:p>
@@ -14139,7 +12399,7 @@
         <p:txBody>
           <a:bodyPr/>
           <a:p>
-            <a:fld id="{3C86B5AA-DA81-435C-AD6C-CBDADA6D31B0}" type="slidenum">
+            <a:fld id="{97684C00-5923-40D9-8DB1-D9B890B37451}" type="slidenum">
               <a:t>&lt;#&gt;</a:t>
             </a:fld>
           </a:p>
@@ -14318,7 +12578,7 @@
         <p:txBody>
           <a:bodyPr/>
           <a:p>
-            <a:fld id="{DC37A936-E78A-4862-853D-F67E88E80838}" type="slidenum">
+            <a:fld id="{B7A852BF-F95C-4235-A6B4-27B486863683}" type="slidenum">
               <a:t>&lt;#&gt;</a:t>
             </a:fld>
           </a:p>
@@ -14463,7 +12723,7 @@
         <p:txBody>
           <a:bodyPr/>
           <a:p>
-            <a:fld id="{8040BDB9-A4D4-4871-8E0E-030F6DC082B8}" type="slidenum">
+            <a:fld id="{544C610A-52BC-4BCF-A05E-BFC0362C3D56}" type="slidenum">
               <a:t>&lt;#&gt;</a:t>
             </a:fld>
           </a:p>
@@ -14676,7 +12936,7 @@
         <p:txBody>
           <a:bodyPr/>
           <a:p>
-            <a:fld id="{E647C25C-7A7E-4148-829A-4906A8E8674C}" type="slidenum">
+            <a:fld id="{FE43D503-6BE3-49BA-82C2-35CB9AFED70A}" type="slidenum">
               <a:t>&lt;#&gt;</a:t>
             </a:fld>
           </a:p>
@@ -14957,7 +13217,7 @@
         <p:txBody>
           <a:bodyPr/>
           <a:p>
-            <a:fld id="{11EC2527-2268-456E-A99A-BFF359B1C356}" type="slidenum">
+            <a:fld id="{53489144-34CE-47D3-B3A3-446B5D814AEC}" type="slidenum">
               <a:t>&lt;#&gt;</a:t>
             </a:fld>
           </a:p>
@@ -14999,7 +13259,7 @@
         <p:txBody>
           <a:bodyPr/>
           <a:p>
-            <a:fld id="{F1A97EB9-A023-4E5B-B916-C1724A84636D}" type="slidenum">
+            <a:fld id="{905B91A9-0238-4C2B-868C-314771A9B1CC}" type="slidenum">
               <a:t>&lt;#&gt;</a:t>
             </a:fld>
           </a:p>
@@ -15168,7 +13428,7 @@
         <p:txBody>
           <a:bodyPr/>
           <a:p>
-            <a:fld id="{D51A01FA-1AF0-4343-8C7B-0487ECCAD1C7}" type="slidenum">
+            <a:fld id="{1340AC70-CC8C-46BF-98B7-ED6E14BCDCA2}" type="slidenum">
               <a:t>&lt;#&gt;</a:t>
             </a:fld>
           </a:p>
@@ -15279,7 +13539,7 @@
         <p:txBody>
           <a:bodyPr/>
           <a:p>
-            <a:fld id="{5994F469-8C3C-40A6-90BA-1ACD1070A985}" type="slidenum">
+            <a:fld id="{7F21BB95-942E-4305-BD1A-A162CED99ABB}" type="slidenum">
               <a:t>&lt;#&gt;</a:t>
             </a:fld>
           </a:p>
@@ -15424,7 +13684,7 @@
         <p:txBody>
           <a:bodyPr/>
           <a:p>
-            <a:fld id="{4A71A2A4-6C19-4DCE-B289-8E1AEC474AAC}" type="slidenum">
+            <a:fld id="{490F1222-F13B-4184-A9D7-63B10A305C83}" type="slidenum">
               <a:t>&lt;#&gt;</a:t>
             </a:fld>
           </a:p>
@@ -15501,7 +13761,7 @@
         <p:txBody>
           <a:bodyPr/>
           <a:p>
-            <a:fld id="{9200A22C-A2E3-4ACF-B07B-8A1C71D8190D}" type="slidenum">
+            <a:fld id="{51262153-6861-4810-A736-75E0B0C38102}" type="slidenum">
               <a:t>&lt;#&gt;</a:t>
             </a:fld>
           </a:p>
@@ -15578,7 +13838,7 @@
         <p:txBody>
           <a:bodyPr/>
           <a:p>
-            <a:fld id="{D1748269-8526-49CA-B5A0-E5B110714110}" type="slidenum">
+            <a:fld id="{BB79C4D0-C394-4ADD-801A-3A72C08694D3}" type="slidenum">
               <a:t>&lt;#&gt;</a:t>
             </a:fld>
           </a:p>
@@ -15757,7 +14017,7 @@
         <p:txBody>
           <a:bodyPr/>
           <a:p>
-            <a:fld id="{7F2B83EF-30B6-4B41-829C-0A745FBF9272}" type="slidenum">
+            <a:fld id="{0A7C990B-727D-404A-B3C7-5237011031DC}" type="slidenum">
               <a:t>&lt;#&gt;</a:t>
             </a:fld>
           </a:p>
@@ -15936,7 +14196,7 @@
         <p:txBody>
           <a:bodyPr/>
           <a:p>
-            <a:fld id="{0407B2F5-2D70-47CF-AC1C-784F2E63D2CC}" type="slidenum">
+            <a:fld id="{D5213C2E-70C6-4431-9BE7-C2BA148C1B4C}" type="slidenum">
               <a:t>&lt;#&gt;</a:t>
             </a:fld>
           </a:p>
@@ -16115,7 +14375,7 @@
         <p:txBody>
           <a:bodyPr/>
           <a:p>
-            <a:fld id="{D2AA0367-2AD6-4B26-B0DC-058AA5ABAF22}" type="slidenum">
+            <a:fld id="{36FF5836-2DE1-4179-B23C-0321DEFB6479}" type="slidenum">
               <a:t>&lt;#&gt;</a:t>
             </a:fld>
           </a:p>
@@ -16260,7 +14520,7 @@
         <p:txBody>
           <a:bodyPr/>
           <a:p>
-            <a:fld id="{4D74C2B1-87E4-4611-8194-EF9FB714B12C}" type="slidenum">
+            <a:fld id="{87CB219D-B7E9-4F39-B0C7-DBD89B275BDB}" type="slidenum">
               <a:t>&lt;#&gt;</a:t>
             </a:fld>
           </a:p>
@@ -16473,7 +14733,7 @@
         <p:txBody>
           <a:bodyPr/>
           <a:p>
-            <a:fld id="{F15B4EF8-8090-45C9-953F-8A1C7E8F6339}" type="slidenum">
+            <a:fld id="{291F4B9B-B8E2-4D9A-B2D2-CC3F52275A7F}" type="slidenum">
               <a:t>&lt;#&gt;</a:t>
             </a:fld>
           </a:p>
@@ -16811,7 +15071,7 @@
         <p:txBody>
           <a:bodyPr/>
           <a:p>
-            <a:fld id="{CCD7A834-AD15-4A72-86F7-BB2482543E0E}" type="slidenum">
+            <a:fld id="{E7841328-0323-49ED-8FA6-7562C0CE24AE}" type="slidenum">
               <a:t>&lt;#&gt;</a:t>
             </a:fld>
           </a:p>
@@ -16853,7 +15113,7 @@
         <p:txBody>
           <a:bodyPr/>
           <a:p>
-            <a:fld id="{A0F50695-474A-4998-ACD7-060B49C0F165}" type="slidenum">
+            <a:fld id="{6BEC8695-2140-452F-9D7D-EB4D95BB8EA2}" type="slidenum">
               <a:t>&lt;#&gt;</a:t>
             </a:fld>
           </a:p>
@@ -16965,7 +15225,7 @@
         <p:txBody>
           <a:bodyPr/>
           <a:p>
-            <a:fld id="{BC02A2E2-1CAD-43F5-A59C-6EDE64B64350}" type="slidenum">
+            <a:fld id="{387E84AF-E600-41ED-8941-FFAE55BF01AA}" type="slidenum">
               <a:t>&lt;#&gt;</a:t>
             </a:fld>
           </a:p>
@@ -17076,7 +15336,7 @@
         <p:txBody>
           <a:bodyPr/>
           <a:p>
-            <a:fld id="{AD3C8192-B32E-47D7-96D4-8253AED5F5EA}" type="slidenum">
+            <a:fld id="{12D65DAC-8C0A-42D2-9101-E75D74713666}" type="slidenum">
               <a:t>&lt;#&gt;</a:t>
             </a:fld>
           </a:p>
@@ -17221,7 +15481,7 @@
         <p:txBody>
           <a:bodyPr/>
           <a:p>
-            <a:fld id="{353273DF-0D06-4D95-A43B-F68E91B02BE9}" type="slidenum">
+            <a:fld id="{B4840259-D8BA-42A5-88D1-3565CDC9C49E}" type="slidenum">
               <a:t>&lt;#&gt;</a:t>
             </a:fld>
           </a:p>
@@ -17298,7 +15558,7 @@
         <p:txBody>
           <a:bodyPr/>
           <a:p>
-            <a:fld id="{F909337B-2BA0-4E97-9306-E76D74F31F41}" type="slidenum">
+            <a:fld id="{F11723E8-A331-41DA-B3F6-95439A76425B}" type="slidenum">
               <a:t>&lt;#&gt;</a:t>
             </a:fld>
           </a:p>
@@ -17375,7 +15635,7 @@
         <p:txBody>
           <a:bodyPr/>
           <a:p>
-            <a:fld id="{92484E6A-AD43-400B-9FB1-4C9174327392}" type="slidenum">
+            <a:fld id="{35E27204-44A7-4DD5-8D61-19EE11486CB9}" type="slidenum">
               <a:t>&lt;#&gt;</a:t>
             </a:fld>
           </a:p>
@@ -17554,7 +15814,7 @@
         <p:txBody>
           <a:bodyPr/>
           <a:p>
-            <a:fld id="{4711C7DB-AAA5-4912-B934-399CBCF29B9E}" type="slidenum">
+            <a:fld id="{CECF8938-509F-46F0-8E3C-17330F27FD3C}" type="slidenum">
               <a:t>&lt;#&gt;</a:t>
             </a:fld>
           </a:p>
@@ -17733,7 +15993,7 @@
         <p:txBody>
           <a:bodyPr/>
           <a:p>
-            <a:fld id="{4762DC6B-DF4C-42CA-B088-9C3DCC424975}" type="slidenum">
+            <a:fld id="{22994B5E-5EF1-4F12-BE9F-CFAE32FFBAC8}" type="slidenum">
               <a:t>&lt;#&gt;</a:t>
             </a:fld>
           </a:p>
@@ -17912,7 +16172,7 @@
         <p:txBody>
           <a:bodyPr/>
           <a:p>
-            <a:fld id="{4B7C1CA0-90C6-494D-A27C-1F3B4D573AAA}" type="slidenum">
+            <a:fld id="{22B7BD7E-B26D-48E3-B544-149F6CFF52CE}" type="slidenum">
               <a:t>&lt;#&gt;</a:t>
             </a:fld>
           </a:p>
@@ -18216,7 +16476,7 @@
         <p:txBody>
           <a:bodyPr/>
           <a:p>
-            <a:fld id="{02491761-DAAB-4045-B6A7-B934E8C462C1}" type="slidenum">
+            <a:fld id="{6C80751C-D220-4699-B14B-CEAF3A2FE1B8}" type="slidenum">
               <a:t>&lt;#&gt;</a:t>
             </a:fld>
           </a:p>
@@ -18429,7 +16689,7 @@
         <p:txBody>
           <a:bodyPr/>
           <a:p>
-            <a:fld id="{6D7FF085-EED7-4810-8B9D-2812833075DC}" type="slidenum">
+            <a:fld id="{A2580D85-04A5-4D60-BE9D-6A4D188E362F}" type="slidenum">
               <a:t>&lt;#&gt;</a:t>
             </a:fld>
           </a:p>
@@ -18710,7 +16970,7 @@
         <p:txBody>
           <a:bodyPr/>
           <a:p>
-            <a:fld id="{403AA6C1-5067-4BE8-8299-B74CCBAB2B66}" type="slidenum">
+            <a:fld id="{154F3C54-562A-405E-BC0A-1B8DD5A3076A}" type="slidenum">
               <a:t>&lt;#&gt;</a:t>
             </a:fld>
           </a:p>
@@ -18752,7 +17012,7 @@
         <p:txBody>
           <a:bodyPr/>
           <a:p>
-            <a:fld id="{2E93D8D9-290F-4156-B2B6-F9A6CF3023C1}" type="slidenum">
+            <a:fld id="{5DB889BF-1F24-4EDC-9583-2B9E1B9E8BB2}" type="slidenum">
               <a:t>&lt;#&gt;</a:t>
             </a:fld>
           </a:p>
@@ -18864,7 +17124,7 @@
         <p:txBody>
           <a:bodyPr/>
           <a:p>
-            <a:fld id="{00F49224-1AA0-4667-BF3F-52D634D2C524}" type="slidenum">
+            <a:fld id="{A2E046BE-F6B4-408B-93E0-5D8D79875634}" type="slidenum">
               <a:t>&lt;#&gt;</a:t>
             </a:fld>
           </a:p>
@@ -18975,7 +17235,7 @@
         <p:txBody>
           <a:bodyPr/>
           <a:p>
-            <a:fld id="{0E1F19D0-0F0C-431C-AD63-E1C19E64D364}" type="slidenum">
+            <a:fld id="{8E5644F7-1B6B-42FA-89E9-1881A258865A}" type="slidenum">
               <a:t>&lt;#&gt;</a:t>
             </a:fld>
           </a:p>
@@ -19120,7 +17380,7 @@
         <p:txBody>
           <a:bodyPr/>
           <a:p>
-            <a:fld id="{FAD652CC-C80B-4EB7-9548-59D0512C3B82}" type="slidenum">
+            <a:fld id="{145C7D49-7C8B-42BB-B2AE-CBCE8DDD7BC1}" type="slidenum">
               <a:t>&lt;#&gt;</a:t>
             </a:fld>
           </a:p>
@@ -19197,7 +17457,7 @@
         <p:txBody>
           <a:bodyPr/>
           <a:p>
-            <a:fld id="{24BC8316-B477-4EFF-9118-FABD447E6F97}" type="slidenum">
+            <a:fld id="{116EB56A-4A8B-4443-AAAA-BB182877BC88}" type="slidenum">
               <a:t>&lt;#&gt;</a:t>
             </a:fld>
           </a:p>
@@ -19274,7 +17534,7 @@
         <p:txBody>
           <a:bodyPr/>
           <a:p>
-            <a:fld id="{0D1FD21A-C024-4881-9568-26DEF497480D}" type="slidenum">
+            <a:fld id="{D6C4B6D2-93D5-4C57-B997-246B6AAAEA1B}" type="slidenum">
               <a:t>&lt;#&gt;</a:t>
             </a:fld>
           </a:p>
@@ -19453,7 +17713,7 @@
         <p:txBody>
           <a:bodyPr/>
           <a:p>
-            <a:fld id="{90563CA0-510C-4A5C-877B-DF33A4340FAC}" type="slidenum">
+            <a:fld id="{E345364C-ADB8-4A10-9384-8A2577D3C3EE}" type="slidenum">
               <a:t>&lt;#&gt;</a:t>
             </a:fld>
           </a:p>
@@ -19791,7 +18051,7 @@
         <p:txBody>
           <a:bodyPr/>
           <a:p>
-            <a:fld id="{123E55FD-1D5B-4BF6-B1A9-C05B5641B03D}" type="slidenum">
+            <a:fld id="{41ED93E1-8598-4C66-B8F0-DBDF08151492}" type="slidenum">
               <a:t>&lt;#&gt;</a:t>
             </a:fld>
           </a:p>
@@ -19970,7 +18230,7 @@
         <p:txBody>
           <a:bodyPr/>
           <a:p>
-            <a:fld id="{A1F7137A-97C7-4F82-8007-3C0054E1E85B}" type="slidenum">
+            <a:fld id="{3DC1650B-1EDD-4DAB-8A51-8A1960CBE82D}" type="slidenum">
               <a:t>&lt;#&gt;</a:t>
             </a:fld>
           </a:p>
@@ -20115,7 +18375,7 @@
         <p:txBody>
           <a:bodyPr/>
           <a:p>
-            <a:fld id="{4EF31FE2-4AC6-4A96-9EB7-5F8175ECA37C}" type="slidenum">
+            <a:fld id="{E0D5EEFD-5F3B-440F-BAD9-610710F24761}" type="slidenum">
               <a:t>&lt;#&gt;</a:t>
             </a:fld>
           </a:p>
@@ -20328,7 +18588,7 @@
         <p:txBody>
           <a:bodyPr/>
           <a:p>
-            <a:fld id="{76249F9D-7598-48E8-BAAA-B208636DE9D7}" type="slidenum">
+            <a:fld id="{F530D78C-7D02-45B7-AC63-6F11075FF74C}" type="slidenum">
               <a:t>&lt;#&gt;</a:t>
             </a:fld>
           </a:p>
@@ -20609,7 +18869,7 @@
         <p:txBody>
           <a:bodyPr/>
           <a:p>
-            <a:fld id="{DCB2D292-6179-4C4D-A56C-056BDEBD9EE4}" type="slidenum">
+            <a:fld id="{DA40A340-D717-4E0C-B1EB-D5314320C08E}" type="slidenum">
               <a:t>&lt;#&gt;</a:t>
             </a:fld>
           </a:p>
@@ -20651,7 +18911,7 @@
         <p:txBody>
           <a:bodyPr/>
           <a:p>
-            <a:fld id="{C44BACDD-EF76-4FCB-B777-1351C2F0B25E}" type="slidenum">
+            <a:fld id="{560FC31B-03FA-448A-AD24-ECEBE5E0D193}" type="slidenum">
               <a:t>&lt;#&gt;</a:t>
             </a:fld>
           </a:p>
@@ -20763,7 +19023,7 @@
         <p:txBody>
           <a:bodyPr/>
           <a:p>
-            <a:fld id="{971B9562-64E9-46C4-B967-578341DDE9E7}" type="slidenum">
+            <a:fld id="{1B5E984C-DF53-41B5-8F4A-8F4F69082D87}" type="slidenum">
               <a:t>&lt;#&gt;</a:t>
             </a:fld>
           </a:p>
@@ -20874,7 +19134,7 @@
         <p:txBody>
           <a:bodyPr/>
           <a:p>
-            <a:fld id="{830A620A-7BC0-4E61-A515-D70D7CA590AB}" type="slidenum">
+            <a:fld id="{60BFBDC9-B3D6-4304-BA20-BC39E3371445}" type="slidenum">
               <a:t>&lt;#&gt;</a:t>
             </a:fld>
           </a:p>
@@ -21019,7 +19279,7 @@
         <p:txBody>
           <a:bodyPr/>
           <a:p>
-            <a:fld id="{D0299EBE-D548-4F1D-81F5-D93F43A99A8A}" type="slidenum">
+            <a:fld id="{50B3A750-C771-4622-B70C-4165469DF98E}" type="slidenum">
               <a:t>&lt;#&gt;</a:t>
             </a:fld>
           </a:p>
@@ -21096,7 +19356,7 @@
         <p:txBody>
           <a:bodyPr/>
           <a:p>
-            <a:fld id="{5ADEA57D-21D8-4E6C-8D6C-56DFCD77E90F}" type="slidenum">
+            <a:fld id="{EB7EC220-7784-4AE1-891C-4D99381D266B}" type="slidenum">
               <a:t>&lt;#&gt;</a:t>
             </a:fld>
           </a:p>
@@ -21332,7 +19592,7 @@
         <p:txBody>
           <a:bodyPr/>
           <a:p>
-            <a:fld id="{C91BE40B-9FB0-48EC-B002-3D69686AC95F}" type="slidenum">
+            <a:fld id="{FC76A920-FB49-4403-922C-262AC17A14BF}" type="slidenum">
               <a:t>&lt;#&gt;</a:t>
             </a:fld>
           </a:p>
@@ -21511,7 +19771,7 @@
         <p:txBody>
           <a:bodyPr/>
           <a:p>
-            <a:fld id="{2F1ACFE8-7174-4837-8863-ADD1647FB68F}" type="slidenum">
+            <a:fld id="{7A64F3A0-BA3A-4687-84B5-12569B0B042C}" type="slidenum">
               <a:t>&lt;#&gt;</a:t>
             </a:fld>
           </a:p>
@@ -21690,7 +19950,7 @@
         <p:txBody>
           <a:bodyPr/>
           <a:p>
-            <a:fld id="{ECC0FAEC-DE0A-4A93-BCB1-45F20B2C3CDB}" type="slidenum">
+            <a:fld id="{40AF9346-D01B-4C18-8FD3-E0BB2DED9F2E}" type="slidenum">
               <a:t>&lt;#&gt;</a:t>
             </a:fld>
           </a:p>
@@ -21869,7 +20129,7 @@
         <p:txBody>
           <a:bodyPr/>
           <a:p>
-            <a:fld id="{168F140F-B524-4FD7-AB3C-5038B75BDD42}" type="slidenum">
+            <a:fld id="{9F71A968-60A6-469C-8907-AF7019F2E643}" type="slidenum">
               <a:t>&lt;#&gt;</a:t>
             </a:fld>
           </a:p>
@@ -22014,7 +20274,7 @@
         <p:txBody>
           <a:bodyPr/>
           <a:p>
-            <a:fld id="{0176F91A-BF1C-4185-9BC9-5D00A8C5C2EE}" type="slidenum">
+            <a:fld id="{C43BD0BF-AF8F-4A42-A7A9-00CE1A8A8C92}" type="slidenum">
               <a:t>&lt;#&gt;</a:t>
             </a:fld>
           </a:p>
@@ -22227,7 +20487,7 @@
         <p:txBody>
           <a:bodyPr/>
           <a:p>
-            <a:fld id="{4D5D919B-A28A-4059-9ADE-E85A95D09F30}" type="slidenum">
+            <a:fld id="{AA34FB40-6690-4F8D-9844-4C3242958F59}" type="slidenum">
               <a:t>&lt;#&gt;</a:t>
             </a:fld>
           </a:p>
@@ -22508,7 +20768,7 @@
         <p:txBody>
           <a:bodyPr/>
           <a:p>
-            <a:fld id="{D6016A51-8D24-4E75-9DC5-7A6DAD232D70}" type="slidenum">
+            <a:fld id="{E207145D-431C-4D37-91F2-AF1B8C7A2BFE}" type="slidenum">
               <a:t>&lt;#&gt;</a:t>
             </a:fld>
           </a:p>
@@ -22550,7 +20810,7 @@
         <p:txBody>
           <a:bodyPr/>
           <a:p>
-            <a:fld id="{EE9D6D30-40DB-417E-A78F-E0A8A458702D}" type="slidenum">
+            <a:fld id="{719B1F3D-8457-4DEE-AE06-38D098BF09D9}" type="slidenum">
               <a:t>&lt;#&gt;</a:t>
             </a:fld>
           </a:p>
@@ -22662,7 +20922,7 @@
         <p:txBody>
           <a:bodyPr/>
           <a:p>
-            <a:fld id="{244AD4A5-3353-4F25-8218-AEE613AD0BE4}" type="slidenum">
+            <a:fld id="{86D6C36E-45DA-40C0-83BA-7DD12DFF2D2E}" type="slidenum">
               <a:t>&lt;#&gt;</a:t>
             </a:fld>
           </a:p>
@@ -22773,7 +21033,7 @@
         <p:txBody>
           <a:bodyPr/>
           <a:p>
-            <a:fld id="{02A92855-80A5-426C-83BA-2DEFCDE0EB58}" type="slidenum">
+            <a:fld id="{5D056ECB-E92A-473D-98D9-D6C7BA493799}" type="slidenum">
               <a:t>&lt;#&gt;</a:t>
             </a:fld>
           </a:p>
@@ -22816,8 +21076,8 @@
         </p:nvSpPr>
         <p:spPr>
           <a:xfrm flipH="1">
-            <a:off x="4680" y="301680"/>
-            <a:ext cx="9149400" cy="4496040"/>
+            <a:off x="3960" y="301680"/>
+            <a:ext cx="9149040" cy="4495680"/>
           </a:xfrm>
           <a:custGeom>
             <a:avLst/>
@@ -22873,7 +21133,7 @@
         <p:spPr>
           <a:xfrm>
             <a:off x="-5760" y="759960"/>
-            <a:ext cx="9143280" cy="3769200"/>
+            <a:ext cx="9142920" cy="3768840"/>
           </a:xfrm>
           <a:custGeom>
             <a:avLst/>
@@ -22929,7 +21189,7 @@
         <p:spPr>
           <a:xfrm>
             <a:off x="0" y="1351080"/>
-            <a:ext cx="9155520" cy="2888280"/>
+            <a:ext cx="9155160" cy="2887920"/>
           </a:xfrm>
           <a:custGeom>
             <a:avLst/>
@@ -22998,14 +21258,13 @@
             <a:noAutofit/>
           </a:bodyPr>
           <a:p>
-            <a:pPr algn="ctr"/>
             <a:r>
-              <a:rPr b="0" lang="en-US" sz="4400" spc="-1" strike="noStrike">
+              <a:rPr b="0" lang="en-US" sz="1800" spc="-1" strike="noStrike">
                 <a:latin typeface="Arial"/>
               </a:rPr>
               <a:t>Click to edit the title text format</a:t>
             </a:r>
-            <a:endParaRPr b="0" lang="en-US" sz="4400" spc="-1" strike="noStrike">
+            <a:endParaRPr b="0" lang="en-US" sz="1800" spc="-1" strike="noStrike">
               <a:latin typeface="Arial"/>
             </a:endParaRPr>
           </a:p>
@@ -23024,7 +21283,7 @@
         <p:spPr>
           <a:xfrm>
             <a:off x="457200" y="1203480"/>
-            <a:ext cx="8229240" cy="2982960"/>
+            <a:ext cx="8228880" cy="2982600"/>
           </a:xfrm>
           <a:prstGeom prst="rect">
             <a:avLst/>
@@ -23051,12 +21310,12 @@
               <a:buChar char=""/>
             </a:pPr>
             <a:r>
-              <a:rPr b="0" lang="en-US" sz="3200" spc="-1" strike="noStrike">
+              <a:rPr b="0" lang="en-US" sz="1800" spc="-1" strike="noStrike">
                 <a:latin typeface="Arial"/>
               </a:rPr>
               <a:t>Click to edit the outline text format</a:t>
             </a:r>
-            <a:endParaRPr b="0" lang="en-US" sz="3200" spc="-1" strike="noStrike">
+            <a:endParaRPr b="0" lang="en-US" sz="1800" spc="-1" strike="noStrike">
               <a:latin typeface="Arial"/>
             </a:endParaRPr>
           </a:p>
@@ -23073,12 +21332,12 @@
               <a:buChar char=""/>
             </a:pPr>
             <a:r>
-              <a:rPr b="0" lang="en-US" sz="2800" spc="-1" strike="noStrike">
+              <a:rPr b="0" lang="en-US" sz="1800" spc="-1" strike="noStrike">
                 <a:latin typeface="Arial"/>
               </a:rPr>
               <a:t>Second Outline Level</a:t>
             </a:r>
-            <a:endParaRPr b="0" lang="en-US" sz="2800" spc="-1" strike="noStrike">
+            <a:endParaRPr b="0" lang="en-US" sz="1800" spc="-1" strike="noStrike">
               <a:latin typeface="Arial"/>
             </a:endParaRPr>
           </a:p>
@@ -23095,12 +21354,12 @@
               <a:buChar char=""/>
             </a:pPr>
             <a:r>
-              <a:rPr b="0" lang="en-US" sz="2400" spc="-1" strike="noStrike">
+              <a:rPr b="0" lang="en-US" sz="1800" spc="-1" strike="noStrike">
                 <a:latin typeface="Arial"/>
               </a:rPr>
               <a:t>Third Outline Level</a:t>
             </a:r>
-            <a:endParaRPr b="0" lang="en-US" sz="2400" spc="-1" strike="noStrike">
+            <a:endParaRPr b="0" lang="en-US" sz="1800" spc="-1" strike="noStrike">
               <a:latin typeface="Arial"/>
             </a:endParaRPr>
           </a:p>
@@ -23117,12 +21376,12 @@
               <a:buChar char=""/>
             </a:pPr>
             <a:r>
-              <a:rPr b="0" lang="en-US" sz="2000" spc="-1" strike="noStrike">
+              <a:rPr b="0" lang="en-US" sz="1800" spc="-1" strike="noStrike">
                 <a:latin typeface="Arial"/>
               </a:rPr>
               <a:t>Fourth Outline Level</a:t>
             </a:r>
-            <a:endParaRPr b="0" lang="en-US" sz="2000" spc="-1" strike="noStrike">
+            <a:endParaRPr b="0" lang="en-US" sz="1800" spc="-1" strike="noStrike">
               <a:latin typeface="Arial"/>
             </a:endParaRPr>
           </a:p>
@@ -23139,12 +21398,12 @@
               <a:buChar char=""/>
             </a:pPr>
             <a:r>
-              <a:rPr b="0" lang="en-US" sz="2000" spc="-1" strike="noStrike">
+              <a:rPr b="0" lang="en-US" sz="1800" spc="-1" strike="noStrike">
                 <a:latin typeface="Arial"/>
               </a:rPr>
               <a:t>Fifth Outline Level</a:t>
             </a:r>
-            <a:endParaRPr b="0" lang="en-US" sz="2000" spc="-1" strike="noStrike">
+            <a:endParaRPr b="0" lang="en-US" sz="1800" spc="-1" strike="noStrike">
               <a:latin typeface="Arial"/>
             </a:endParaRPr>
           </a:p>
@@ -23161,12 +21420,12 @@
               <a:buChar char=""/>
             </a:pPr>
             <a:r>
-              <a:rPr b="0" lang="en-US" sz="2000" spc="-1" strike="noStrike">
+              <a:rPr b="0" lang="en-US" sz="1800" spc="-1" strike="noStrike">
                 <a:latin typeface="Arial"/>
               </a:rPr>
               <a:t>Sixth Outline Level</a:t>
             </a:r>
-            <a:endParaRPr b="0" lang="en-US" sz="2000" spc="-1" strike="noStrike">
+            <a:endParaRPr b="0" lang="en-US" sz="1800" spc="-1" strike="noStrike">
               <a:latin typeface="Arial"/>
             </a:endParaRPr>
           </a:p>
@@ -23183,12 +21442,12 @@
               <a:buChar char=""/>
             </a:pPr>
             <a:r>
-              <a:rPr b="0" lang="en-US" sz="2000" spc="-1" strike="noStrike">
+              <a:rPr b="0" lang="en-US" sz="1800" spc="-1" strike="noStrike">
                 <a:latin typeface="Arial"/>
               </a:rPr>
               <a:t>Seventh Outline Level</a:t>
             </a:r>
-            <a:endParaRPr b="0" lang="en-US" sz="2000" spc="-1" strike="noStrike">
+            <a:endParaRPr b="0" lang="en-US" sz="1800" spc="-1" strike="noStrike">
               <a:latin typeface="Arial"/>
             </a:endParaRPr>
           </a:p>
@@ -23247,9 +21506,9 @@
         <p:grpSpPr>
           <a:xfrm>
             <a:off x="-6120" y="0"/>
-            <a:ext cx="9167400" cy="5162400"/>
+            <a:ext cx="9167040" cy="5162040"/>
             <a:chOff x="-6120" y="0"/>
-            <a:chExt cx="9167400" cy="5162400"/>
+            <a:chExt cx="9167040" cy="5162040"/>
           </a:xfrm>
         </p:grpSpPr>
         <p:sp>
@@ -23261,7 +21520,7 @@
           <p:spPr>
             <a:xfrm>
               <a:off x="0" y="0"/>
-              <a:ext cx="8552160" cy="1332360"/>
+              <a:ext cx="8551800" cy="1332000"/>
             </a:xfrm>
             <a:custGeom>
               <a:avLst/>
@@ -23306,7 +21565,7 @@
           <p:spPr>
             <a:xfrm>
               <a:off x="2563560" y="0"/>
-              <a:ext cx="6579720" cy="1271880"/>
+              <a:ext cx="6579360" cy="1271520"/>
             </a:xfrm>
             <a:custGeom>
               <a:avLst/>
@@ -23356,7 +21615,7 @@
           <p:spPr>
             <a:xfrm>
               <a:off x="-6120" y="0"/>
-              <a:ext cx="7297560" cy="1470960"/>
+              <a:ext cx="7297200" cy="1470600"/>
             </a:xfrm>
             <a:custGeom>
               <a:avLst/>
@@ -23406,7 +21665,7 @@
           <p:spPr>
             <a:xfrm>
               <a:off x="3596040" y="4667040"/>
-              <a:ext cx="5090040" cy="475920"/>
+              <a:ext cx="5089680" cy="475560"/>
             </a:xfrm>
             <a:custGeom>
               <a:avLst/>
@@ -23451,7 +21710,7 @@
           <p:spPr>
             <a:xfrm>
               <a:off x="5524920" y="4692600"/>
-              <a:ext cx="3636360" cy="469800"/>
+              <a:ext cx="3636000" cy="469440"/>
             </a:xfrm>
             <a:custGeom>
               <a:avLst/>
@@ -23498,7 +21757,7 @@
           <p:spPr>
             <a:xfrm>
               <a:off x="7521480" y="4023000"/>
-              <a:ext cx="1634040" cy="1139400"/>
+              <a:ext cx="1633680" cy="1139040"/>
             </a:xfrm>
             <a:custGeom>
               <a:avLst/>
@@ -23544,13 +21803,82 @@
             <a:spLocks noGrp="1"/>
           </p:cNvSpPr>
           <p:nvPr>
+            <p:ph type="sldNum" idx="9"/>
+          </p:nvPr>
+        </p:nvSpPr>
+        <p:spPr>
+          <a:xfrm>
+            <a:off x="27000" y="4749840"/>
+            <a:ext cx="547560" cy="392400"/>
+          </a:xfrm>
+          <a:prstGeom prst="rect">
+            <a:avLst/>
+          </a:prstGeom>
+          <a:noFill/>
+          <a:ln w="0">
+            <a:noFill/>
+          </a:ln>
+        </p:spPr>
+        <p:txBody>
+          <a:bodyPr lIns="90000" rIns="90000" tIns="91440" bIns="91440" anchor="t">
+            <a:noAutofit/>
+          </a:bodyPr>
+          <a:lstStyle>
+            <a:lvl1pPr>
+              <a:lnSpc>
+                <a:spcPct val="100000"/>
+              </a:lnSpc>
+              <a:tabLst>
+                <a:tab algn="l" pos="0"/>
+              </a:tabLst>
+              <a:defRPr b="0" lang="en" sz="1200" spc="-1" strike="noStrike">
+                <a:solidFill>
+                  <a:srgbClr val="00ae9d"/>
+                </a:solidFill>
+                <a:latin typeface="Karla"/>
+                <a:ea typeface="Karla"/>
+              </a:defRPr>
+            </a:lvl1pPr>
+          </a:lstStyle>
+          <a:p>
+            <a:pPr>
+              <a:lnSpc>
+                <a:spcPct val="100000"/>
+              </a:lnSpc>
+              <a:tabLst>
+                <a:tab algn="l" pos="0"/>
+              </a:tabLst>
+            </a:pPr>
+            <a:fld id="{933C57AE-28F3-430B-837A-4BD8C88EBA78}" type="slidenum">
+              <a:rPr b="0" lang="en" sz="1200" spc="-1" strike="noStrike">
+                <a:solidFill>
+                  <a:srgbClr val="00ae9d"/>
+                </a:solidFill>
+                <a:latin typeface="Karla"/>
+                <a:ea typeface="Karla"/>
+              </a:rPr>
+              <a:t>&lt;number&gt;</a:t>
+            </a:fld>
+            <a:endParaRPr b="0" lang="en-US" sz="1200" spc="-1" strike="noStrike">
+              <a:latin typeface="Times New Roman"/>
+            </a:endParaRPr>
+          </a:p>
+        </p:txBody>
+      </p:sp>
+      <p:sp>
+        <p:nvSpPr>
+          <p:cNvPr id="420" name="PlaceHolder 2"/>
+          <p:cNvSpPr>
+            <a:spLocks noGrp="1"/>
+          </p:cNvSpPr>
+          <p:nvPr>
             <p:ph type="title"/>
           </p:nvPr>
         </p:nvSpPr>
         <p:spPr>
           <a:xfrm>
             <a:off x="457200" y="205200"/>
-            <a:ext cx="8228880" cy="858240"/>
+            <a:ext cx="8229240" cy="858600"/>
           </a:xfrm>
           <a:prstGeom prst="rect">
             <a:avLst/>
@@ -23580,7 +21908,7 @@
       </p:sp>
       <p:sp>
         <p:nvSpPr>
-          <p:cNvPr id="420" name="PlaceHolder 2"/>
+          <p:cNvPr id="421" name="PlaceHolder 3"/>
           <p:cNvSpPr>
             <a:spLocks noGrp="1"/>
           </p:cNvSpPr>
@@ -23591,7 +21919,7 @@
         <p:spPr>
           <a:xfrm>
             <a:off x="457200" y="1203480"/>
-            <a:ext cx="8228880" cy="2982600"/>
+            <a:ext cx="8229240" cy="2982960"/>
           </a:xfrm>
           <a:prstGeom prst="rect">
             <a:avLst/>
@@ -23757,75 +22085,6 @@
             </a:r>
             <a:endParaRPr b="0" lang="en-US" sz="2000" spc="-1" strike="noStrike">
               <a:latin typeface="Arial"/>
-            </a:endParaRPr>
-          </a:p>
-        </p:txBody>
-      </p:sp>
-      <p:sp>
-        <p:nvSpPr>
-          <p:cNvPr id="421" name="PlaceHolder 3"/>
-          <p:cNvSpPr>
-            <a:spLocks noGrp="1"/>
-          </p:cNvSpPr>
-          <p:nvPr>
-            <p:ph type="sldNum" idx="9"/>
-          </p:nvPr>
-        </p:nvSpPr>
-        <p:spPr>
-          <a:xfrm>
-            <a:off x="27000" y="4749840"/>
-            <a:ext cx="547920" cy="392760"/>
-          </a:xfrm>
-          <a:prstGeom prst="rect">
-            <a:avLst/>
-          </a:prstGeom>
-          <a:noFill/>
-          <a:ln w="0">
-            <a:noFill/>
-          </a:ln>
-        </p:spPr>
-        <p:txBody>
-          <a:bodyPr lIns="90000" rIns="90000" tIns="91440" bIns="91440" anchor="t">
-            <a:noAutofit/>
-          </a:bodyPr>
-          <a:lstStyle>
-            <a:lvl1pPr>
-              <a:lnSpc>
-                <a:spcPct val="100000"/>
-              </a:lnSpc>
-              <a:tabLst>
-                <a:tab algn="l" pos="0"/>
-              </a:tabLst>
-              <a:defRPr b="0" lang="en" sz="1200" spc="-1" strike="noStrike">
-                <a:solidFill>
-                  <a:srgbClr val="00ae9d"/>
-                </a:solidFill>
-                <a:latin typeface="Karla"/>
-                <a:ea typeface="Karla"/>
-              </a:defRPr>
-            </a:lvl1pPr>
-          </a:lstStyle>
-          <a:p>
-            <a:pPr>
-              <a:lnSpc>
-                <a:spcPct val="100000"/>
-              </a:lnSpc>
-              <a:tabLst>
-                <a:tab algn="l" pos="0"/>
-              </a:tabLst>
-            </a:pPr>
-            <a:fld id="{2B5573CB-D1BA-4ED3-B09B-3EC46437F153}" type="slidenum">
-              <a:rPr b="0" lang="en" sz="1200" spc="-1" strike="noStrike">
-                <a:solidFill>
-                  <a:srgbClr val="00ae9d"/>
-                </a:solidFill>
-                <a:latin typeface="Karla"/>
-                <a:ea typeface="Karla"/>
-              </a:rPr>
-              <a:t>&lt;number&gt;</a:t>
-            </a:fld>
-            <a:endParaRPr b="0" lang="en-US" sz="1200" spc="-1" strike="noStrike">
-              <a:latin typeface="Times New Roman"/>
             </a:endParaRPr>
           </a:p>
         </p:txBody>
@@ -23883,9 +22142,9 @@
         <p:grpSpPr>
           <a:xfrm>
             <a:off x="-6120" y="0"/>
-            <a:ext cx="9167400" cy="5162400"/>
+            <a:ext cx="9167040" cy="5162040"/>
             <a:chOff x="-6120" y="0"/>
-            <a:chExt cx="9167400" cy="5162400"/>
+            <a:chExt cx="9167040" cy="5162040"/>
           </a:xfrm>
         </p:grpSpPr>
         <p:sp>
@@ -23897,7 +22156,7 @@
           <p:spPr>
             <a:xfrm>
               <a:off x="0" y="0"/>
-              <a:ext cx="8552160" cy="1332360"/>
+              <a:ext cx="8551800" cy="1332000"/>
             </a:xfrm>
             <a:custGeom>
               <a:avLst/>
@@ -23942,7 +22201,7 @@
           <p:spPr>
             <a:xfrm>
               <a:off x="2563560" y="0"/>
-              <a:ext cx="6579720" cy="1271880"/>
+              <a:ext cx="6579360" cy="1271520"/>
             </a:xfrm>
             <a:custGeom>
               <a:avLst/>
@@ -23992,7 +22251,7 @@
           <p:spPr>
             <a:xfrm>
               <a:off x="-6120" y="0"/>
-              <a:ext cx="7297560" cy="1470960"/>
+              <a:ext cx="7297200" cy="1470600"/>
             </a:xfrm>
             <a:custGeom>
               <a:avLst/>
@@ -24042,7 +22301,7 @@
           <p:spPr>
             <a:xfrm>
               <a:off x="3596040" y="4667040"/>
-              <a:ext cx="5090040" cy="475920"/>
+              <a:ext cx="5089680" cy="475560"/>
             </a:xfrm>
             <a:custGeom>
               <a:avLst/>
@@ -24087,7 +22346,7 @@
           <p:spPr>
             <a:xfrm>
               <a:off x="5524920" y="4692600"/>
-              <a:ext cx="3636360" cy="469800"/>
+              <a:ext cx="3636000" cy="469440"/>
             </a:xfrm>
             <a:custGeom>
               <a:avLst/>
@@ -24134,7 +22393,7 @@
           <p:spPr>
             <a:xfrm>
               <a:off x="7521480" y="4023000"/>
-              <a:ext cx="1634040" cy="1139400"/>
+              <a:ext cx="1633680" cy="1139040"/>
             </a:xfrm>
             <a:custGeom>
               <a:avLst/>
@@ -24180,13 +22439,82 @@
             <a:spLocks noGrp="1"/>
           </p:cNvSpPr>
           <p:nvPr>
+            <p:ph type="sldNum" idx="10"/>
+          </p:nvPr>
+        </p:nvSpPr>
+        <p:spPr>
+          <a:xfrm>
+            <a:off x="27000" y="4749840"/>
+            <a:ext cx="547560" cy="392400"/>
+          </a:xfrm>
+          <a:prstGeom prst="rect">
+            <a:avLst/>
+          </a:prstGeom>
+          <a:noFill/>
+          <a:ln w="0">
+            <a:noFill/>
+          </a:ln>
+        </p:spPr>
+        <p:txBody>
+          <a:bodyPr lIns="90000" rIns="90000" tIns="91440" bIns="91440" anchor="t">
+            <a:noAutofit/>
+          </a:bodyPr>
+          <a:lstStyle>
+            <a:lvl1pPr>
+              <a:lnSpc>
+                <a:spcPct val="100000"/>
+              </a:lnSpc>
+              <a:tabLst>
+                <a:tab algn="l" pos="0"/>
+              </a:tabLst>
+              <a:defRPr b="0" lang="en" sz="1200" spc="-1" strike="noStrike">
+                <a:solidFill>
+                  <a:srgbClr val="00ae9d"/>
+                </a:solidFill>
+                <a:latin typeface="Karla"/>
+                <a:ea typeface="Karla"/>
+              </a:defRPr>
+            </a:lvl1pPr>
+          </a:lstStyle>
+          <a:p>
+            <a:pPr>
+              <a:lnSpc>
+                <a:spcPct val="100000"/>
+              </a:lnSpc>
+              <a:tabLst>
+                <a:tab algn="l" pos="0"/>
+              </a:tabLst>
+            </a:pPr>
+            <a:fld id="{22C4871D-7AF7-4365-8797-3D31BBF33ECF}" type="slidenum">
+              <a:rPr b="0" lang="en" sz="1200" spc="-1" strike="noStrike">
+                <a:solidFill>
+                  <a:srgbClr val="00ae9d"/>
+                </a:solidFill>
+                <a:latin typeface="Karla"/>
+                <a:ea typeface="Karla"/>
+              </a:rPr>
+              <a:t>&lt;number&gt;</a:t>
+            </a:fld>
+            <a:endParaRPr b="0" lang="en-US" sz="1200" spc="-1" strike="noStrike">
+              <a:latin typeface="Times New Roman"/>
+            </a:endParaRPr>
+          </a:p>
+        </p:txBody>
+      </p:sp>
+      <p:sp>
+        <p:nvSpPr>
+          <p:cNvPr id="466" name="PlaceHolder 2"/>
+          <p:cNvSpPr>
+            <a:spLocks noGrp="1"/>
+          </p:cNvSpPr>
+          <p:nvPr>
             <p:ph type="title"/>
           </p:nvPr>
         </p:nvSpPr>
         <p:spPr>
           <a:xfrm>
             <a:off x="457200" y="205200"/>
-            <a:ext cx="8228880" cy="858240"/>
+            <a:ext cx="8229240" cy="858600"/>
           </a:xfrm>
           <a:prstGeom prst="rect">
             <a:avLst/>
@@ -24216,7 +22544,7 @@
       </p:sp>
       <p:sp>
         <p:nvSpPr>
-          <p:cNvPr id="466" name="PlaceHolder 2"/>
+          <p:cNvPr id="467" name="PlaceHolder 3"/>
           <p:cNvSpPr>
             <a:spLocks noGrp="1"/>
           </p:cNvSpPr>
@@ -24227,7 +22555,7 @@
         <p:spPr>
           <a:xfrm>
             <a:off x="457200" y="1203480"/>
-            <a:ext cx="8228880" cy="2982600"/>
+            <a:ext cx="8229240" cy="2982960"/>
           </a:xfrm>
           <a:prstGeom prst="rect">
             <a:avLst/>
@@ -24393,75 +22721,6 @@
             </a:r>
             <a:endParaRPr b="0" lang="en-US" sz="2000" spc="-1" strike="noStrike">
               <a:latin typeface="Arial"/>
-            </a:endParaRPr>
-          </a:p>
-        </p:txBody>
-      </p:sp>
-      <p:sp>
-        <p:nvSpPr>
-          <p:cNvPr id="467" name="PlaceHolder 3"/>
-          <p:cNvSpPr>
-            <a:spLocks noGrp="1"/>
-          </p:cNvSpPr>
-          <p:nvPr>
-            <p:ph type="sldNum" idx="10"/>
-          </p:nvPr>
-        </p:nvSpPr>
-        <p:spPr>
-          <a:xfrm>
-            <a:off x="27000" y="4749840"/>
-            <a:ext cx="547920" cy="392760"/>
-          </a:xfrm>
-          <a:prstGeom prst="rect">
-            <a:avLst/>
-          </a:prstGeom>
-          <a:noFill/>
-          <a:ln w="0">
-            <a:noFill/>
-          </a:ln>
-        </p:spPr>
-        <p:txBody>
-          <a:bodyPr lIns="90000" rIns="90000" tIns="91440" bIns="91440" anchor="t">
-            <a:noAutofit/>
-          </a:bodyPr>
-          <a:lstStyle>
-            <a:lvl1pPr>
-              <a:lnSpc>
-                <a:spcPct val="100000"/>
-              </a:lnSpc>
-              <a:tabLst>
-                <a:tab algn="l" pos="0"/>
-              </a:tabLst>
-              <a:defRPr b="0" lang="en" sz="1200" spc="-1" strike="noStrike">
-                <a:solidFill>
-                  <a:srgbClr val="00ae9d"/>
-                </a:solidFill>
-                <a:latin typeface="Karla"/>
-                <a:ea typeface="Karla"/>
-              </a:defRPr>
-            </a:lvl1pPr>
-          </a:lstStyle>
-          <a:p>
-            <a:pPr>
-              <a:lnSpc>
-                <a:spcPct val="100000"/>
-              </a:lnSpc>
-              <a:tabLst>
-                <a:tab algn="l" pos="0"/>
-              </a:tabLst>
-            </a:pPr>
-            <a:fld id="{AAA3AC66-5384-4D9E-8DF7-55BFC2CA1BEB}" type="slidenum">
-              <a:rPr b="0" lang="en" sz="1200" spc="-1" strike="noStrike">
-                <a:solidFill>
-                  <a:srgbClr val="00ae9d"/>
-                </a:solidFill>
-                <a:latin typeface="Karla"/>
-                <a:ea typeface="Karla"/>
-              </a:rPr>
-              <a:t>&lt;number&gt;</a:t>
-            </a:fld>
-            <a:endParaRPr b="0" lang="en-US" sz="1200" spc="-1" strike="noStrike">
-              <a:latin typeface="Times New Roman"/>
             </a:endParaRPr>
           </a:p>
         </p:txBody>
@@ -24519,9 +22778,9 @@
         <p:grpSpPr>
           <a:xfrm>
             <a:off x="-6120" y="0"/>
-            <a:ext cx="9167400" cy="5162400"/>
+            <a:ext cx="9167040" cy="5162040"/>
             <a:chOff x="-6120" y="0"/>
-            <a:chExt cx="9167400" cy="5162400"/>
+            <a:chExt cx="9167040" cy="5162040"/>
           </a:xfrm>
         </p:grpSpPr>
         <p:sp>
@@ -24533,7 +22792,7 @@
           <p:spPr>
             <a:xfrm>
               <a:off x="0" y="0"/>
-              <a:ext cx="8552160" cy="1332360"/>
+              <a:ext cx="8551800" cy="1332000"/>
             </a:xfrm>
             <a:custGeom>
               <a:avLst/>
@@ -24578,7 +22837,7 @@
           <p:spPr>
             <a:xfrm>
               <a:off x="2563560" y="0"/>
-              <a:ext cx="6579720" cy="1271880"/>
+              <a:ext cx="6579360" cy="1271520"/>
             </a:xfrm>
             <a:custGeom>
               <a:avLst/>
@@ -24628,7 +22887,7 @@
           <p:spPr>
             <a:xfrm>
               <a:off x="-6120" y="0"/>
-              <a:ext cx="7297560" cy="1470960"/>
+              <a:ext cx="7297200" cy="1470600"/>
             </a:xfrm>
             <a:custGeom>
               <a:avLst/>
@@ -24678,7 +22937,7 @@
           <p:spPr>
             <a:xfrm>
               <a:off x="3596040" y="4667040"/>
-              <a:ext cx="5090040" cy="475920"/>
+              <a:ext cx="5089680" cy="475560"/>
             </a:xfrm>
             <a:custGeom>
               <a:avLst/>
@@ -24723,7 +22982,7 @@
           <p:spPr>
             <a:xfrm>
               <a:off x="5524920" y="4692600"/>
-              <a:ext cx="3636360" cy="469800"/>
+              <a:ext cx="3636000" cy="469440"/>
             </a:xfrm>
             <a:custGeom>
               <a:avLst/>
@@ -24770,7 +23029,7 @@
           <p:spPr>
             <a:xfrm>
               <a:off x="7521480" y="4023000"/>
-              <a:ext cx="1634040" cy="1139400"/>
+              <a:ext cx="1633680" cy="1139040"/>
             </a:xfrm>
             <a:custGeom>
               <a:avLst/>
@@ -24816,13 +23075,82 @@
             <a:spLocks noGrp="1"/>
           </p:cNvSpPr>
           <p:nvPr>
+            <p:ph type="sldNum" idx="11"/>
+          </p:nvPr>
+        </p:nvSpPr>
+        <p:spPr>
+          <a:xfrm>
+            <a:off x="27000" y="4749840"/>
+            <a:ext cx="547560" cy="392400"/>
+          </a:xfrm>
+          <a:prstGeom prst="rect">
+            <a:avLst/>
+          </a:prstGeom>
+          <a:noFill/>
+          <a:ln w="0">
+            <a:noFill/>
+          </a:ln>
+        </p:spPr>
+        <p:txBody>
+          <a:bodyPr lIns="90000" rIns="90000" tIns="91440" bIns="91440" anchor="t">
+            <a:noAutofit/>
+          </a:bodyPr>
+          <a:lstStyle>
+            <a:lvl1pPr>
+              <a:lnSpc>
+                <a:spcPct val="100000"/>
+              </a:lnSpc>
+              <a:tabLst>
+                <a:tab algn="l" pos="0"/>
+              </a:tabLst>
+              <a:defRPr b="0" lang="en" sz="1200" spc="-1" strike="noStrike">
+                <a:solidFill>
+                  <a:srgbClr val="00ae9d"/>
+                </a:solidFill>
+                <a:latin typeface="Karla"/>
+                <a:ea typeface="Karla"/>
+              </a:defRPr>
+            </a:lvl1pPr>
+          </a:lstStyle>
+          <a:p>
+            <a:pPr>
+              <a:lnSpc>
+                <a:spcPct val="100000"/>
+              </a:lnSpc>
+              <a:tabLst>
+                <a:tab algn="l" pos="0"/>
+              </a:tabLst>
+            </a:pPr>
+            <a:fld id="{50652F5B-EA2C-4388-9C56-EFBDC2E1040A}" type="slidenum">
+              <a:rPr b="0" lang="en" sz="1200" spc="-1" strike="noStrike">
+                <a:solidFill>
+                  <a:srgbClr val="00ae9d"/>
+                </a:solidFill>
+                <a:latin typeface="Karla"/>
+                <a:ea typeface="Karla"/>
+              </a:rPr>
+              <a:t>&lt;number&gt;</a:t>
+            </a:fld>
+            <a:endParaRPr b="0" lang="en-US" sz="1200" spc="-1" strike="noStrike">
+              <a:latin typeface="Times New Roman"/>
+            </a:endParaRPr>
+          </a:p>
+        </p:txBody>
+      </p:sp>
+      <p:sp>
+        <p:nvSpPr>
+          <p:cNvPr id="512" name="PlaceHolder 2"/>
+          <p:cNvSpPr>
+            <a:spLocks noGrp="1"/>
+          </p:cNvSpPr>
+          <p:nvPr>
             <p:ph type="title"/>
           </p:nvPr>
         </p:nvSpPr>
         <p:spPr>
           <a:xfrm>
             <a:off x="457200" y="205200"/>
-            <a:ext cx="8228880" cy="858240"/>
+            <a:ext cx="8229240" cy="858600"/>
           </a:xfrm>
           <a:prstGeom prst="rect">
             <a:avLst/>
@@ -24852,7 +23180,7 @@
       </p:sp>
       <p:sp>
         <p:nvSpPr>
-          <p:cNvPr id="512" name="PlaceHolder 2"/>
+          <p:cNvPr id="513" name="PlaceHolder 3"/>
           <p:cNvSpPr>
             <a:spLocks noGrp="1"/>
           </p:cNvSpPr>
@@ -24863,7 +23191,7 @@
         <p:spPr>
           <a:xfrm>
             <a:off x="457200" y="1203480"/>
-            <a:ext cx="8228880" cy="2982600"/>
+            <a:ext cx="8229240" cy="2982960"/>
           </a:xfrm>
           <a:prstGeom prst="rect">
             <a:avLst/>
@@ -25033,75 +23361,6 @@
           </a:p>
         </p:txBody>
       </p:sp>
-      <p:sp>
-        <p:nvSpPr>
-          <p:cNvPr id="513" name="PlaceHolder 3"/>
-          <p:cNvSpPr>
-            <a:spLocks noGrp="1"/>
-          </p:cNvSpPr>
-          <p:nvPr>
-            <p:ph type="sldNum" idx="11"/>
-          </p:nvPr>
-        </p:nvSpPr>
-        <p:spPr>
-          <a:xfrm>
-            <a:off x="27000" y="4749840"/>
-            <a:ext cx="547920" cy="392760"/>
-          </a:xfrm>
-          <a:prstGeom prst="rect">
-            <a:avLst/>
-          </a:prstGeom>
-          <a:noFill/>
-          <a:ln w="0">
-            <a:noFill/>
-          </a:ln>
-        </p:spPr>
-        <p:txBody>
-          <a:bodyPr lIns="90000" rIns="90000" tIns="91440" bIns="91440" anchor="t">
-            <a:noAutofit/>
-          </a:bodyPr>
-          <a:lstStyle>
-            <a:lvl1pPr>
-              <a:lnSpc>
-                <a:spcPct val="100000"/>
-              </a:lnSpc>
-              <a:tabLst>
-                <a:tab algn="l" pos="0"/>
-              </a:tabLst>
-              <a:defRPr b="0" lang="en" sz="1200" spc="-1" strike="noStrike">
-                <a:solidFill>
-                  <a:srgbClr val="00ae9d"/>
-                </a:solidFill>
-                <a:latin typeface="Karla"/>
-                <a:ea typeface="Karla"/>
-              </a:defRPr>
-            </a:lvl1pPr>
-          </a:lstStyle>
-          <a:p>
-            <a:pPr>
-              <a:lnSpc>
-                <a:spcPct val="100000"/>
-              </a:lnSpc>
-              <a:tabLst>
-                <a:tab algn="l" pos="0"/>
-              </a:tabLst>
-            </a:pPr>
-            <a:fld id="{E8CF582A-9935-4E0C-803B-E6F2D2C55592}" type="slidenum">
-              <a:rPr b="0" lang="en" sz="1200" spc="-1" strike="noStrike">
-                <a:solidFill>
-                  <a:srgbClr val="00ae9d"/>
-                </a:solidFill>
-                <a:latin typeface="Karla"/>
-                <a:ea typeface="Karla"/>
-              </a:rPr>
-              <a:t>&lt;number&gt;</a:t>
-            </a:fld>
-            <a:endParaRPr b="0" lang="en-US" sz="1200" spc="-1" strike="noStrike">
-              <a:latin typeface="Times New Roman"/>
-            </a:endParaRPr>
-          </a:p>
-        </p:txBody>
-      </p:sp>
     </p:spTree>
   </p:cSld>
   <p:clrMap bg1="lt1" bg2="lt2" tx1="dk1" tx2="dk2" accent1="accent1" accent2="accent2" accent3="accent3" accent4="accent4" accent5="accent5" accent6="accent6" hlink="hlink" folHlink="folHlink"/>
@@ -25118,642 +23377,6 @@
     <p:sldLayoutId id="2147483801" r:id="rId11"/>
     <p:sldLayoutId id="2147483802" r:id="rId12"/>
     <p:sldLayoutId id="2147483803" r:id="rId13"/>
-  </p:sldLayoutIdLst>
-</p:sldMaster>
-</file>
-
-<file path=ppt/slideMasters/slideMaster13.xml><?xml version="1.0" encoding="utf-8"?>
-<p:sldMaster xmlns:a="http://schemas.openxmlformats.org/drawingml/2006/main" xmlns:p="http://schemas.openxmlformats.org/presentationml/2006/main" xmlns:r="http://schemas.openxmlformats.org/officeDocument/2006/relationships" xmlns:p14="http://schemas.microsoft.com/office/powerpoint/2010/main" xmlns:p15="http://schemas.microsoft.com/office/powerpoint/2012/main" xmlns:mc="http://schemas.openxmlformats.org/markup-compatibility/2006">
-  <p:cSld>
-    <p:bg>
-      <p:bgPr>
-        <a:solidFill>
-          <a:srgbClr val="ffffff"/>
-        </a:solidFill>
-      </p:bgPr>
-    </p:bg>
-    <p:spTree>
-      <p:nvGrpSpPr>
-        <p:cNvPr id="1" name=""/>
-        <p:cNvGrpSpPr/>
-        <p:nvPr/>
-      </p:nvGrpSpPr>
-      <p:grpSpPr>
-        <a:xfrm>
-          <a:off x="0" y="0"/>
-          <a:ext cx="0" cy="0"/>
-          <a:chOff x="0" y="0"/>
-          <a:chExt cx="0" cy="0"/>
-        </a:xfrm>
-      </p:grpSpPr>
-      <p:grpSp>
-        <p:nvGrpSpPr>
-          <p:cNvPr id="550" name="Google Shape;30;p5"/>
-          <p:cNvGrpSpPr/>
-          <p:nvPr/>
-        </p:nvGrpSpPr>
-        <p:grpSpPr>
-          <a:xfrm>
-            <a:off x="-6120" y="0"/>
-            <a:ext cx="9167400" cy="5162400"/>
-            <a:chOff x="-6120" y="0"/>
-            <a:chExt cx="9167400" cy="5162400"/>
-          </a:xfrm>
-        </p:grpSpPr>
-        <p:sp>
-          <p:nvSpPr>
-            <p:cNvPr id="551" name="Google Shape;31;p5"/>
-            <p:cNvSpPr/>
-            <p:nvPr/>
-          </p:nvSpPr>
-          <p:spPr>
-            <a:xfrm>
-              <a:off x="0" y="0"/>
-              <a:ext cx="8552160" cy="1332360"/>
-            </a:xfrm>
-            <a:custGeom>
-              <a:avLst/>
-              <a:gdLst/>
-              <a:ahLst/>
-              <a:rect l="l" t="t" r="r" b="b"/>
-              <a:pathLst>
-                <a:path w="342116" h="53320">
-                  <a:moveTo>
-                    <a:pt x="0" y="0"/>
-                  </a:moveTo>
-                  <a:lnTo>
-                    <a:pt x="0" y="53320"/>
-                  </a:lnTo>
-                  <a:lnTo>
-                    <a:pt x="342116" y="0"/>
-                  </a:lnTo>
-                  <a:close/>
-                </a:path>
-              </a:pathLst>
-            </a:custGeom>
-            <a:solidFill>
-              <a:srgbClr val="004c52"/>
-            </a:solidFill>
-            <a:ln w="0">
-              <a:noFill/>
-            </a:ln>
-          </p:spPr>
-          <p:style>
-            <a:lnRef idx="0"/>
-            <a:fillRef idx="0"/>
-            <a:effectRef idx="0"/>
-            <a:fontRef idx="minor"/>
-          </p:style>
-        </p:sp>
-        <p:sp>
-          <p:nvSpPr>
-            <p:cNvPr id="552" name="Google Shape;32;p5"/>
-            <p:cNvSpPr/>
-            <p:nvPr/>
-          </p:nvSpPr>
-          <p:spPr>
-            <a:xfrm>
-              <a:off x="2563560" y="0"/>
-              <a:ext cx="6579720" cy="1271880"/>
-            </a:xfrm>
-            <a:custGeom>
-              <a:avLst/>
-              <a:gdLst/>
-              <a:ahLst/>
-              <a:rect l="l" t="t" r="r" b="b"/>
-              <a:pathLst>
-                <a:path w="263222" h="50907">
-                  <a:moveTo>
-                    <a:pt x="0" y="0"/>
-                  </a:moveTo>
-                  <a:lnTo>
-                    <a:pt x="217381" y="50907"/>
-                  </a:lnTo>
-                  <a:lnTo>
-                    <a:pt x="263222" y="10133"/>
-                  </a:lnTo>
-                  <a:lnTo>
-                    <a:pt x="263222" y="0"/>
-                  </a:lnTo>
-                  <a:close/>
-                </a:path>
-              </a:pathLst>
-            </a:custGeom>
-            <a:solidFill>
-              <a:srgbClr val="00ae9d">
-                <a:alpha val="83000"/>
-              </a:srgbClr>
-            </a:solidFill>
-            <a:ln w="0">
-              <a:noFill/>
-            </a:ln>
-          </p:spPr>
-          <p:style>
-            <a:lnRef idx="0"/>
-            <a:fillRef idx="0"/>
-            <a:effectRef idx="0"/>
-            <a:fontRef idx="minor"/>
-          </p:style>
-        </p:sp>
-        <p:sp>
-          <p:nvSpPr>
-            <p:cNvPr id="553" name="Google Shape;33;p5"/>
-            <p:cNvSpPr/>
-            <p:nvPr/>
-          </p:nvSpPr>
-          <p:spPr>
-            <a:xfrm>
-              <a:off x="-6120" y="0"/>
-              <a:ext cx="7297560" cy="1470960"/>
-            </a:xfrm>
-            <a:custGeom>
-              <a:avLst/>
-              <a:gdLst/>
-              <a:ahLst/>
-              <a:rect l="l" t="t" r="r" b="b"/>
-              <a:pathLst>
-                <a:path w="291932" h="58628">
-                  <a:moveTo>
-                    <a:pt x="0" y="18578"/>
-                  </a:moveTo>
-                  <a:lnTo>
-                    <a:pt x="241" y="34019"/>
-                  </a:lnTo>
-                  <a:lnTo>
-                    <a:pt x="221482" y="58628"/>
-                  </a:lnTo>
-                  <a:lnTo>
-                    <a:pt x="291932" y="0"/>
-                  </a:lnTo>
-                  <a:close/>
-                </a:path>
-              </a:pathLst>
-            </a:custGeom>
-            <a:solidFill>
-              <a:srgbClr val="abe33f">
-                <a:alpha val="81000"/>
-              </a:srgbClr>
-            </a:solidFill>
-            <a:ln w="0">
-              <a:noFill/>
-            </a:ln>
-          </p:spPr>
-          <p:style>
-            <a:lnRef idx="0"/>
-            <a:fillRef idx="0"/>
-            <a:effectRef idx="0"/>
-            <a:fontRef idx="minor"/>
-          </p:style>
-        </p:sp>
-        <p:sp>
-          <p:nvSpPr>
-            <p:cNvPr id="554" name="Google Shape;34;p5"/>
-            <p:cNvSpPr/>
-            <p:nvPr/>
-          </p:nvSpPr>
-          <p:spPr>
-            <a:xfrm>
-              <a:off x="3596040" y="4667040"/>
-              <a:ext cx="5090040" cy="475920"/>
-            </a:xfrm>
-            <a:custGeom>
-              <a:avLst/>
-              <a:gdLst/>
-              <a:ahLst/>
-              <a:rect l="l" t="t" r="r" b="b"/>
-              <a:pathLst>
-                <a:path w="203628" h="19060">
-                  <a:moveTo>
-                    <a:pt x="0" y="19060"/>
-                  </a:moveTo>
-                  <a:lnTo>
-                    <a:pt x="203628" y="19060"/>
-                  </a:lnTo>
-                  <a:lnTo>
-                    <a:pt x="157305" y="0"/>
-                  </a:lnTo>
-                  <a:close/>
-                </a:path>
-              </a:pathLst>
-            </a:custGeom>
-            <a:solidFill>
-              <a:srgbClr val="004c52"/>
-            </a:solidFill>
-            <a:ln w="0">
-              <a:noFill/>
-            </a:ln>
-          </p:spPr>
-          <p:style>
-            <a:lnRef idx="0"/>
-            <a:fillRef idx="0"/>
-            <a:effectRef idx="0"/>
-            <a:fontRef idx="minor"/>
-          </p:style>
-        </p:sp>
-        <p:sp>
-          <p:nvSpPr>
-            <p:cNvPr id="555" name="Google Shape;35;p5"/>
-            <p:cNvSpPr/>
-            <p:nvPr/>
-          </p:nvSpPr>
-          <p:spPr>
-            <a:xfrm>
-              <a:off x="5524920" y="4692600"/>
-              <a:ext cx="3636360" cy="469800"/>
-            </a:xfrm>
-            <a:custGeom>
-              <a:avLst/>
-              <a:gdLst/>
-              <a:ahLst/>
-              <a:rect l="l" t="t" r="r" b="b"/>
-              <a:pathLst>
-                <a:path w="145484" h="18819">
-                  <a:moveTo>
-                    <a:pt x="145484" y="0"/>
-                  </a:moveTo>
-                  <a:lnTo>
-                    <a:pt x="145484" y="18819"/>
-                  </a:lnTo>
-                  <a:lnTo>
-                    <a:pt x="0" y="18819"/>
-                  </a:lnTo>
-                  <a:close/>
-                </a:path>
-              </a:pathLst>
-            </a:custGeom>
-            <a:solidFill>
-              <a:srgbClr val="00ae9d">
-                <a:alpha val="83000"/>
-              </a:srgbClr>
-            </a:solidFill>
-            <a:ln w="0">
-              <a:noFill/>
-            </a:ln>
-          </p:spPr>
-          <p:style>
-            <a:lnRef idx="0"/>
-            <a:fillRef idx="0"/>
-            <a:effectRef idx="0"/>
-            <a:fontRef idx="minor"/>
-          </p:style>
-        </p:sp>
-        <p:sp>
-          <p:nvSpPr>
-            <p:cNvPr id="556" name="Google Shape;36;p5"/>
-            <p:cNvSpPr/>
-            <p:nvPr/>
-          </p:nvSpPr>
-          <p:spPr>
-            <a:xfrm>
-              <a:off x="7521480" y="4023000"/>
-              <a:ext cx="1634040" cy="1139400"/>
-            </a:xfrm>
-            <a:custGeom>
-              <a:avLst/>
-              <a:gdLst/>
-              <a:ahLst/>
-              <a:rect l="l" t="t" r="r" b="b"/>
-              <a:pathLst>
-                <a:path w="65384" h="45599">
-                  <a:moveTo>
-                    <a:pt x="65384" y="27022"/>
-                  </a:moveTo>
-                  <a:lnTo>
-                    <a:pt x="65384" y="0"/>
-                  </a:lnTo>
-                  <a:lnTo>
-                    <a:pt x="0" y="45599"/>
-                  </a:lnTo>
-                  <a:close/>
-                </a:path>
-              </a:pathLst>
-            </a:custGeom>
-            <a:solidFill>
-              <a:srgbClr val="abe33f">
-                <a:alpha val="81000"/>
-              </a:srgbClr>
-            </a:solidFill>
-            <a:ln w="0">
-              <a:noFill/>
-            </a:ln>
-          </p:spPr>
-          <p:style>
-            <a:lnRef idx="0"/>
-            <a:fillRef idx="0"/>
-            <a:effectRef idx="0"/>
-            <a:fontRef idx="minor"/>
-          </p:style>
-        </p:sp>
-      </p:grpSp>
-      <p:sp>
-        <p:nvSpPr>
-          <p:cNvPr id="557" name="PlaceHolder 1"/>
-          <p:cNvSpPr>
-            <a:spLocks noGrp="1"/>
-          </p:cNvSpPr>
-          <p:nvPr>
-            <p:ph type="title"/>
-          </p:nvPr>
-        </p:nvSpPr>
-        <p:spPr>
-          <a:xfrm>
-            <a:off x="457200" y="205200"/>
-            <a:ext cx="8228880" cy="858240"/>
-          </a:xfrm>
-          <a:prstGeom prst="rect">
-            <a:avLst/>
-          </a:prstGeom>
-          <a:noFill/>
-          <a:ln w="0">
-            <a:noFill/>
-          </a:ln>
-        </p:spPr>
-        <p:txBody>
-          <a:bodyPr lIns="0" rIns="0" tIns="0" bIns="0" anchor="ctr">
-            <a:noAutofit/>
-          </a:bodyPr>
-          <a:p>
-            <a:pPr algn="ctr"/>
-            <a:r>
-              <a:rPr b="0" lang="en-US" sz="4400" spc="-1" strike="noStrike">
-                <a:latin typeface="Arial"/>
-              </a:rPr>
-              <a:t>Click to edit the title text format</a:t>
-            </a:r>
-            <a:endParaRPr b="0" lang="en-US" sz="4400" spc="-1" strike="noStrike">
-              <a:latin typeface="Arial"/>
-            </a:endParaRPr>
-          </a:p>
-        </p:txBody>
-      </p:sp>
-      <p:sp>
-        <p:nvSpPr>
-          <p:cNvPr id="558" name="PlaceHolder 2"/>
-          <p:cNvSpPr>
-            <a:spLocks noGrp="1"/>
-          </p:cNvSpPr>
-          <p:nvPr>
-            <p:ph type="body"/>
-          </p:nvPr>
-        </p:nvSpPr>
-        <p:spPr>
-          <a:xfrm>
-            <a:off x="457200" y="1203480"/>
-            <a:ext cx="8228880" cy="2982600"/>
-          </a:xfrm>
-          <a:prstGeom prst="rect">
-            <a:avLst/>
-          </a:prstGeom>
-          <a:noFill/>
-          <a:ln w="0">
-            <a:noFill/>
-          </a:ln>
-        </p:spPr>
-        <p:txBody>
-          <a:bodyPr lIns="0" rIns="0" tIns="0" bIns="0" anchor="t">
-            <a:normAutofit/>
-          </a:bodyPr>
-          <a:p>
-            <a:pPr marL="432000" indent="-324000">
-              <a:spcBef>
-                <a:spcPts val="1417"/>
-              </a:spcBef>
-              <a:buClr>
-                <a:srgbClr val="000000"/>
-              </a:buClr>
-              <a:buSzPct val="45000"/>
-              <a:buFont typeface="Wingdings" charset="2"/>
-              <a:buChar char=""/>
-            </a:pPr>
-            <a:r>
-              <a:rPr b="0" lang="en-US" sz="3200" spc="-1" strike="noStrike">
-                <a:latin typeface="Arial"/>
-              </a:rPr>
-              <a:t>Click to edit the outline text format</a:t>
-            </a:r>
-            <a:endParaRPr b="0" lang="en-US" sz="3200" spc="-1" strike="noStrike">
-              <a:latin typeface="Arial"/>
-            </a:endParaRPr>
-          </a:p>
-          <a:p>
-            <a:pPr lvl="1" marL="864000" indent="-324000">
-              <a:spcBef>
-                <a:spcPts val="1134"/>
-              </a:spcBef>
-              <a:buClr>
-                <a:srgbClr val="000000"/>
-              </a:buClr>
-              <a:buSzPct val="75000"/>
-              <a:buFont typeface="Symbol" charset="2"/>
-              <a:buChar char=""/>
-            </a:pPr>
-            <a:r>
-              <a:rPr b="0" lang="en-US" sz="2800" spc="-1" strike="noStrike">
-                <a:latin typeface="Arial"/>
-              </a:rPr>
-              <a:t>Second Outline Level</a:t>
-            </a:r>
-            <a:endParaRPr b="0" lang="en-US" sz="2800" spc="-1" strike="noStrike">
-              <a:latin typeface="Arial"/>
-            </a:endParaRPr>
-          </a:p>
-          <a:p>
-            <a:pPr lvl="2" marL="1296000" indent="-288000">
-              <a:spcBef>
-                <a:spcPts val="850"/>
-              </a:spcBef>
-              <a:buClr>
-                <a:srgbClr val="000000"/>
-              </a:buClr>
-              <a:buSzPct val="45000"/>
-              <a:buFont typeface="Wingdings" charset="2"/>
-              <a:buChar char=""/>
-            </a:pPr>
-            <a:r>
-              <a:rPr b="0" lang="en-US" sz="2400" spc="-1" strike="noStrike">
-                <a:latin typeface="Arial"/>
-              </a:rPr>
-              <a:t>Third Outline Level</a:t>
-            </a:r>
-            <a:endParaRPr b="0" lang="en-US" sz="2400" spc="-1" strike="noStrike">
-              <a:latin typeface="Arial"/>
-            </a:endParaRPr>
-          </a:p>
-          <a:p>
-            <a:pPr lvl="3" marL="1728000" indent="-216000">
-              <a:spcBef>
-                <a:spcPts val="567"/>
-              </a:spcBef>
-              <a:buClr>
-                <a:srgbClr val="000000"/>
-              </a:buClr>
-              <a:buSzPct val="75000"/>
-              <a:buFont typeface="Symbol" charset="2"/>
-              <a:buChar char=""/>
-            </a:pPr>
-            <a:r>
-              <a:rPr b="0" lang="en-US" sz="2000" spc="-1" strike="noStrike">
-                <a:latin typeface="Arial"/>
-              </a:rPr>
-              <a:t>Fourth Outline Level</a:t>
-            </a:r>
-            <a:endParaRPr b="0" lang="en-US" sz="2000" spc="-1" strike="noStrike">
-              <a:latin typeface="Arial"/>
-            </a:endParaRPr>
-          </a:p>
-          <a:p>
-            <a:pPr lvl="4" marL="2160000" indent="-216000">
-              <a:spcBef>
-                <a:spcPts val="283"/>
-              </a:spcBef>
-              <a:buClr>
-                <a:srgbClr val="000000"/>
-              </a:buClr>
-              <a:buSzPct val="45000"/>
-              <a:buFont typeface="Wingdings" charset="2"/>
-              <a:buChar char=""/>
-            </a:pPr>
-            <a:r>
-              <a:rPr b="0" lang="en-US" sz="2000" spc="-1" strike="noStrike">
-                <a:latin typeface="Arial"/>
-              </a:rPr>
-              <a:t>Fifth Outline Level</a:t>
-            </a:r>
-            <a:endParaRPr b="0" lang="en-US" sz="2000" spc="-1" strike="noStrike">
-              <a:latin typeface="Arial"/>
-            </a:endParaRPr>
-          </a:p>
-          <a:p>
-            <a:pPr lvl="5" marL="2592000" indent="-216000">
-              <a:spcBef>
-                <a:spcPts val="283"/>
-              </a:spcBef>
-              <a:buClr>
-                <a:srgbClr val="000000"/>
-              </a:buClr>
-              <a:buSzPct val="45000"/>
-              <a:buFont typeface="Wingdings" charset="2"/>
-              <a:buChar char=""/>
-            </a:pPr>
-            <a:r>
-              <a:rPr b="0" lang="en-US" sz="2000" spc="-1" strike="noStrike">
-                <a:latin typeface="Arial"/>
-              </a:rPr>
-              <a:t>Sixth Outline Level</a:t>
-            </a:r>
-            <a:endParaRPr b="0" lang="en-US" sz="2000" spc="-1" strike="noStrike">
-              <a:latin typeface="Arial"/>
-            </a:endParaRPr>
-          </a:p>
-          <a:p>
-            <a:pPr lvl="6" marL="3024000" indent="-216000">
-              <a:spcBef>
-                <a:spcPts val="283"/>
-              </a:spcBef>
-              <a:buClr>
-                <a:srgbClr val="000000"/>
-              </a:buClr>
-              <a:buSzPct val="45000"/>
-              <a:buFont typeface="Wingdings" charset="2"/>
-              <a:buChar char=""/>
-            </a:pPr>
-            <a:r>
-              <a:rPr b="0" lang="en-US" sz="2000" spc="-1" strike="noStrike">
-                <a:latin typeface="Arial"/>
-              </a:rPr>
-              <a:t>Seventh Outline Level</a:t>
-            </a:r>
-            <a:endParaRPr b="0" lang="en-US" sz="2000" spc="-1" strike="noStrike">
-              <a:latin typeface="Arial"/>
-            </a:endParaRPr>
-          </a:p>
-        </p:txBody>
-      </p:sp>
-      <p:sp>
-        <p:nvSpPr>
-          <p:cNvPr id="559" name="PlaceHolder 3"/>
-          <p:cNvSpPr>
-            <a:spLocks noGrp="1"/>
-          </p:cNvSpPr>
-          <p:nvPr>
-            <p:ph type="sldNum" idx="12"/>
-          </p:nvPr>
-        </p:nvSpPr>
-        <p:spPr>
-          <a:xfrm>
-            <a:off x="27000" y="4749840"/>
-            <a:ext cx="547920" cy="392760"/>
-          </a:xfrm>
-          <a:prstGeom prst="rect">
-            <a:avLst/>
-          </a:prstGeom>
-          <a:noFill/>
-          <a:ln w="0">
-            <a:noFill/>
-          </a:ln>
-        </p:spPr>
-        <p:txBody>
-          <a:bodyPr lIns="90000" rIns="90000" tIns="91440" bIns="91440" anchor="t">
-            <a:noAutofit/>
-          </a:bodyPr>
-          <a:lstStyle>
-            <a:lvl1pPr>
-              <a:lnSpc>
-                <a:spcPct val="100000"/>
-              </a:lnSpc>
-              <a:tabLst>
-                <a:tab algn="l" pos="0"/>
-              </a:tabLst>
-              <a:defRPr b="0" lang="en" sz="1200" spc="-1" strike="noStrike">
-                <a:solidFill>
-                  <a:srgbClr val="00ae9d"/>
-                </a:solidFill>
-                <a:latin typeface="Karla"/>
-                <a:ea typeface="Karla"/>
-              </a:defRPr>
-            </a:lvl1pPr>
-          </a:lstStyle>
-          <a:p>
-            <a:pPr>
-              <a:lnSpc>
-                <a:spcPct val="100000"/>
-              </a:lnSpc>
-              <a:tabLst>
-                <a:tab algn="l" pos="0"/>
-              </a:tabLst>
-            </a:pPr>
-            <a:fld id="{E40AE21E-6E8C-4090-86F9-F68C2B0BB1C0}" type="slidenum">
-              <a:rPr b="0" lang="en" sz="1200" spc="-1" strike="noStrike">
-                <a:solidFill>
-                  <a:srgbClr val="00ae9d"/>
-                </a:solidFill>
-                <a:latin typeface="Karla"/>
-                <a:ea typeface="Karla"/>
-              </a:rPr>
-              <a:t>&lt;number&gt;</a:t>
-            </a:fld>
-            <a:endParaRPr b="0" lang="en-US" sz="1200" spc="-1" strike="noStrike">
-              <a:latin typeface="Times New Roman"/>
-            </a:endParaRPr>
-          </a:p>
-        </p:txBody>
-      </p:sp>
-    </p:spTree>
-  </p:cSld>
-  <p:clrMap bg1="lt1" bg2="lt2" tx1="dk1" tx2="dk2" accent1="accent1" accent2="accent2" accent3="accent3" accent4="accent4" accent5="accent5" accent6="accent6" hlink="hlink" folHlink="folHlink"/>
-  <p:sldLayoutIdLst>
-    <p:sldLayoutId id="2147483805" r:id="rId2"/>
-    <p:sldLayoutId id="2147483806" r:id="rId3"/>
-    <p:sldLayoutId id="2147483807" r:id="rId4"/>
-    <p:sldLayoutId id="2147483808" r:id="rId5"/>
-    <p:sldLayoutId id="2147483809" r:id="rId6"/>
-    <p:sldLayoutId id="2147483810" r:id="rId7"/>
-    <p:sldLayoutId id="2147483811" r:id="rId8"/>
-    <p:sldLayoutId id="2147483812" r:id="rId9"/>
-    <p:sldLayoutId id="2147483813" r:id="rId10"/>
-    <p:sldLayoutId id="2147483814" r:id="rId11"/>
-    <p:sldLayoutId id="2147483815" r:id="rId12"/>
-    <p:sldLayoutId id="2147483816" r:id="rId13"/>
   </p:sldLayoutIdLst>
 </p:sldMaster>
 </file>
@@ -25791,9 +23414,9 @@
         <p:grpSpPr>
           <a:xfrm>
             <a:off x="-6120" y="0"/>
-            <a:ext cx="9167400" cy="5162400"/>
+            <a:ext cx="9167040" cy="5162040"/>
             <a:chOff x="-6120" y="0"/>
-            <a:chExt cx="9167400" cy="5162400"/>
+            <a:chExt cx="9167040" cy="5162040"/>
           </a:xfrm>
         </p:grpSpPr>
         <p:sp>
@@ -25805,7 +23428,7 @@
           <p:spPr>
             <a:xfrm>
               <a:off x="0" y="0"/>
-              <a:ext cx="8552160" cy="1332360"/>
+              <a:ext cx="8551800" cy="1332000"/>
             </a:xfrm>
             <a:custGeom>
               <a:avLst/>
@@ -25850,7 +23473,7 @@
           <p:spPr>
             <a:xfrm>
               <a:off x="2563560" y="0"/>
-              <a:ext cx="6579720" cy="1271880"/>
+              <a:ext cx="6579360" cy="1271520"/>
             </a:xfrm>
             <a:custGeom>
               <a:avLst/>
@@ -25900,7 +23523,7 @@
           <p:spPr>
             <a:xfrm>
               <a:off x="-6120" y="0"/>
-              <a:ext cx="7297560" cy="1470960"/>
+              <a:ext cx="7297200" cy="1470600"/>
             </a:xfrm>
             <a:custGeom>
               <a:avLst/>
@@ -25950,7 +23573,7 @@
           <p:spPr>
             <a:xfrm>
               <a:off x="3596040" y="4667040"/>
-              <a:ext cx="5090040" cy="475920"/>
+              <a:ext cx="5089680" cy="475560"/>
             </a:xfrm>
             <a:custGeom>
               <a:avLst/>
@@ -25995,7 +23618,7 @@
           <p:spPr>
             <a:xfrm>
               <a:off x="5524920" y="4692600"/>
-              <a:ext cx="3636360" cy="469800"/>
+              <a:ext cx="3636000" cy="469440"/>
             </a:xfrm>
             <a:custGeom>
               <a:avLst/>
@@ -26042,7 +23665,7 @@
           <p:spPr>
             <a:xfrm>
               <a:off x="7521480" y="4023000"/>
-              <a:ext cx="1634040" cy="1139400"/>
+              <a:ext cx="1633680" cy="1139040"/>
             </a:xfrm>
             <a:custGeom>
               <a:avLst/>
@@ -26088,13 +23711,82 @@
             <a:spLocks noGrp="1"/>
           </p:cNvSpPr>
           <p:nvPr>
+            <p:ph type="sldNum" idx="1"/>
+          </p:nvPr>
+        </p:nvSpPr>
+        <p:spPr>
+          <a:xfrm>
+            <a:off x="27000" y="4749840"/>
+            <a:ext cx="547560" cy="392400"/>
+          </a:xfrm>
+          <a:prstGeom prst="rect">
+            <a:avLst/>
+          </a:prstGeom>
+          <a:noFill/>
+          <a:ln w="0">
+            <a:noFill/>
+          </a:ln>
+        </p:spPr>
+        <p:txBody>
+          <a:bodyPr lIns="90000" rIns="90000" tIns="91440" bIns="91440" anchor="t">
+            <a:noAutofit/>
+          </a:bodyPr>
+          <a:lstStyle>
+            <a:lvl1pPr>
+              <a:lnSpc>
+                <a:spcPct val="100000"/>
+              </a:lnSpc>
+              <a:tabLst>
+                <a:tab algn="l" pos="0"/>
+              </a:tabLst>
+              <a:defRPr b="0" lang="en" sz="1200" spc="-1" strike="noStrike">
+                <a:solidFill>
+                  <a:srgbClr val="00ae9d"/>
+                </a:solidFill>
+                <a:latin typeface="Karla"/>
+                <a:ea typeface="Karla"/>
+              </a:defRPr>
+            </a:lvl1pPr>
+          </a:lstStyle>
+          <a:p>
+            <a:pPr>
+              <a:lnSpc>
+                <a:spcPct val="100000"/>
+              </a:lnSpc>
+              <a:tabLst>
+                <a:tab algn="l" pos="0"/>
+              </a:tabLst>
+            </a:pPr>
+            <a:fld id="{916337DD-7DCE-4671-8941-2E0D15A6DF60}" type="slidenum">
+              <a:rPr b="0" lang="en" sz="1200" spc="-1" strike="noStrike">
+                <a:solidFill>
+                  <a:srgbClr val="00ae9d"/>
+                </a:solidFill>
+                <a:latin typeface="Karla"/>
+                <a:ea typeface="Karla"/>
+              </a:rPr>
+              <a:t>&lt;number&gt;</a:t>
+            </a:fld>
+            <a:endParaRPr b="0" lang="en-US" sz="1200" spc="-1" strike="noStrike">
+              <a:latin typeface="Times New Roman"/>
+            </a:endParaRPr>
+          </a:p>
+        </p:txBody>
+      </p:sp>
+      <p:sp>
+        <p:nvSpPr>
+          <p:cNvPr id="49" name="PlaceHolder 2"/>
+          <p:cNvSpPr>
+            <a:spLocks noGrp="1"/>
+          </p:cNvSpPr>
+          <p:nvPr>
             <p:ph type="title"/>
           </p:nvPr>
         </p:nvSpPr>
         <p:spPr>
           <a:xfrm>
             <a:off x="457200" y="205200"/>
-            <a:ext cx="8228880" cy="858240"/>
+            <a:ext cx="8229240" cy="858600"/>
           </a:xfrm>
           <a:prstGeom prst="rect">
             <a:avLst/>
@@ -26124,7 +23816,7 @@
       </p:sp>
       <p:sp>
         <p:nvSpPr>
-          <p:cNvPr id="49" name="PlaceHolder 2"/>
+          <p:cNvPr id="50" name="PlaceHolder 3"/>
           <p:cNvSpPr>
             <a:spLocks noGrp="1"/>
           </p:cNvSpPr>
@@ -26135,7 +23827,7 @@
         <p:spPr>
           <a:xfrm>
             <a:off x="457200" y="1203480"/>
-            <a:ext cx="8228880" cy="2982600"/>
+            <a:ext cx="8229240" cy="2982960"/>
           </a:xfrm>
           <a:prstGeom prst="rect">
             <a:avLst/>
@@ -26301,75 +23993,6 @@
             </a:r>
             <a:endParaRPr b="0" lang="en-US" sz="2000" spc="-1" strike="noStrike">
               <a:latin typeface="Arial"/>
-            </a:endParaRPr>
-          </a:p>
-        </p:txBody>
-      </p:sp>
-      <p:sp>
-        <p:nvSpPr>
-          <p:cNvPr id="50" name="PlaceHolder 3"/>
-          <p:cNvSpPr>
-            <a:spLocks noGrp="1"/>
-          </p:cNvSpPr>
-          <p:nvPr>
-            <p:ph type="sldNum" idx="1"/>
-          </p:nvPr>
-        </p:nvSpPr>
-        <p:spPr>
-          <a:xfrm>
-            <a:off x="27000" y="4749840"/>
-            <a:ext cx="547920" cy="392760"/>
-          </a:xfrm>
-          <a:prstGeom prst="rect">
-            <a:avLst/>
-          </a:prstGeom>
-          <a:noFill/>
-          <a:ln w="0">
-            <a:noFill/>
-          </a:ln>
-        </p:spPr>
-        <p:txBody>
-          <a:bodyPr lIns="90000" rIns="90000" tIns="91440" bIns="91440" anchor="t">
-            <a:noAutofit/>
-          </a:bodyPr>
-          <a:lstStyle>
-            <a:lvl1pPr>
-              <a:lnSpc>
-                <a:spcPct val="100000"/>
-              </a:lnSpc>
-              <a:tabLst>
-                <a:tab algn="l" pos="0"/>
-              </a:tabLst>
-              <a:defRPr b="0" lang="en" sz="1200" spc="-1" strike="noStrike">
-                <a:solidFill>
-                  <a:srgbClr val="00ae9d"/>
-                </a:solidFill>
-                <a:latin typeface="Karla"/>
-                <a:ea typeface="Karla"/>
-              </a:defRPr>
-            </a:lvl1pPr>
-          </a:lstStyle>
-          <a:p>
-            <a:pPr>
-              <a:lnSpc>
-                <a:spcPct val="100000"/>
-              </a:lnSpc>
-              <a:tabLst>
-                <a:tab algn="l" pos="0"/>
-              </a:tabLst>
-            </a:pPr>
-            <a:fld id="{A5FBF880-8278-4887-BBFF-CC89F1A40371}" type="slidenum">
-              <a:rPr b="0" lang="en" sz="1200" spc="-1" strike="noStrike">
-                <a:solidFill>
-                  <a:srgbClr val="00ae9d"/>
-                </a:solidFill>
-                <a:latin typeface="Karla"/>
-                <a:ea typeface="Karla"/>
-              </a:rPr>
-              <a:t>&lt;number&gt;</a:t>
-            </a:fld>
-            <a:endParaRPr b="0" lang="en-US" sz="1200" spc="-1" strike="noStrike">
-              <a:latin typeface="Times New Roman"/>
             </a:endParaRPr>
           </a:p>
         </p:txBody>
@@ -26427,9 +24050,9 @@
         <p:grpSpPr>
           <a:xfrm>
             <a:off x="-6120" y="0"/>
-            <a:ext cx="9167400" cy="5162400"/>
+            <a:ext cx="9167040" cy="5162040"/>
             <a:chOff x="-6120" y="0"/>
-            <a:chExt cx="9167400" cy="5162400"/>
+            <a:chExt cx="9167040" cy="5162040"/>
           </a:xfrm>
         </p:grpSpPr>
         <p:sp>
@@ -26441,7 +24064,7 @@
           <p:spPr>
             <a:xfrm>
               <a:off x="0" y="0"/>
-              <a:ext cx="8552160" cy="1332360"/>
+              <a:ext cx="8551800" cy="1332000"/>
             </a:xfrm>
             <a:custGeom>
               <a:avLst/>
@@ -26486,7 +24109,7 @@
           <p:spPr>
             <a:xfrm>
               <a:off x="2563560" y="0"/>
-              <a:ext cx="6579720" cy="1271880"/>
+              <a:ext cx="6579360" cy="1271520"/>
             </a:xfrm>
             <a:custGeom>
               <a:avLst/>
@@ -26536,7 +24159,7 @@
           <p:spPr>
             <a:xfrm>
               <a:off x="-6120" y="0"/>
-              <a:ext cx="7297560" cy="1470960"/>
+              <a:ext cx="7297200" cy="1470600"/>
             </a:xfrm>
             <a:custGeom>
               <a:avLst/>
@@ -26586,7 +24209,7 @@
           <p:spPr>
             <a:xfrm>
               <a:off x="3596040" y="4667040"/>
-              <a:ext cx="5090040" cy="475920"/>
+              <a:ext cx="5089680" cy="475560"/>
             </a:xfrm>
             <a:custGeom>
               <a:avLst/>
@@ -26631,7 +24254,7 @@
           <p:spPr>
             <a:xfrm>
               <a:off x="5524920" y="4692600"/>
-              <a:ext cx="3636360" cy="469800"/>
+              <a:ext cx="3636000" cy="469440"/>
             </a:xfrm>
             <a:custGeom>
               <a:avLst/>
@@ -26678,7 +24301,7 @@
           <p:spPr>
             <a:xfrm>
               <a:off x="7521480" y="4023000"/>
-              <a:ext cx="1634040" cy="1139400"/>
+              <a:ext cx="1633680" cy="1139040"/>
             </a:xfrm>
             <a:custGeom>
               <a:avLst/>
@@ -26726,7 +24349,7 @@
         <p:spPr>
           <a:xfrm>
             <a:off x="886680" y="398520"/>
-            <a:ext cx="7369920" cy="856800"/>
+            <a:ext cx="7369560" cy="856440"/>
           </a:xfrm>
           <a:prstGeom prst="rect">
             <a:avLst/>
@@ -26752,7 +24375,7 @@
         <p:spPr>
           <a:xfrm>
             <a:off x="886680" y="1598400"/>
-            <a:ext cx="7369920" cy="3326760"/>
+            <a:ext cx="7369560" cy="3326400"/>
           </a:xfrm>
           <a:prstGeom prst="rect">
             <a:avLst/>
@@ -26776,13 +24399,82 @@
             <a:spLocks noGrp="1"/>
           </p:cNvSpPr>
           <p:nvPr>
+            <p:ph type="sldNum" idx="2"/>
+          </p:nvPr>
+        </p:nvSpPr>
+        <p:spPr>
+          <a:xfrm>
+            <a:off x="27000" y="4749840"/>
+            <a:ext cx="547560" cy="392400"/>
+          </a:xfrm>
+          <a:prstGeom prst="rect">
+            <a:avLst/>
+          </a:prstGeom>
+          <a:noFill/>
+          <a:ln w="0">
+            <a:noFill/>
+          </a:ln>
+        </p:spPr>
+        <p:txBody>
+          <a:bodyPr lIns="90000" rIns="90000" tIns="91440" bIns="91440" anchor="t">
+            <a:noAutofit/>
+          </a:bodyPr>
+          <a:lstStyle>
+            <a:lvl1pPr>
+              <a:lnSpc>
+                <a:spcPct val="100000"/>
+              </a:lnSpc>
+              <a:tabLst>
+                <a:tab algn="l" pos="0"/>
+              </a:tabLst>
+              <a:defRPr b="0" lang="en" sz="1200" spc="-1" strike="noStrike">
+                <a:solidFill>
+                  <a:srgbClr val="00ae9d"/>
+                </a:solidFill>
+                <a:latin typeface="Karla"/>
+                <a:ea typeface="Karla"/>
+              </a:defRPr>
+            </a:lvl1pPr>
+          </a:lstStyle>
+          <a:p>
+            <a:pPr>
+              <a:lnSpc>
+                <a:spcPct val="100000"/>
+              </a:lnSpc>
+              <a:tabLst>
+                <a:tab algn="l" pos="0"/>
+              </a:tabLst>
+            </a:pPr>
+            <a:fld id="{5B1F7F99-2CCF-4FBE-9D49-348026829035}" type="slidenum">
+              <a:rPr b="0" lang="en" sz="1200" spc="-1" strike="noStrike">
+                <a:solidFill>
+                  <a:srgbClr val="00ae9d"/>
+                </a:solidFill>
+                <a:latin typeface="Karla"/>
+                <a:ea typeface="Karla"/>
+              </a:rPr>
+              <a:t>&lt;number&gt;</a:t>
+            </a:fld>
+            <a:endParaRPr b="0" lang="en-US" sz="1200" spc="-1" strike="noStrike">
+              <a:latin typeface="Times New Roman"/>
+            </a:endParaRPr>
+          </a:p>
+        </p:txBody>
+      </p:sp>
+      <p:sp>
+        <p:nvSpPr>
+          <p:cNvPr id="97" name="PlaceHolder 2"/>
+          <p:cNvSpPr>
+            <a:spLocks noGrp="1"/>
+          </p:cNvSpPr>
+          <p:nvPr>
             <p:ph type="title"/>
           </p:nvPr>
         </p:nvSpPr>
         <p:spPr>
           <a:xfrm>
             <a:off x="457200" y="205200"/>
-            <a:ext cx="8228880" cy="858240"/>
+            <a:ext cx="8229240" cy="858600"/>
           </a:xfrm>
           <a:prstGeom prst="rect">
             <a:avLst/>
@@ -26812,7 +24504,7 @@
       </p:sp>
       <p:sp>
         <p:nvSpPr>
-          <p:cNvPr id="97" name="PlaceHolder 2"/>
+          <p:cNvPr id="98" name="PlaceHolder 3"/>
           <p:cNvSpPr>
             <a:spLocks noGrp="1"/>
           </p:cNvSpPr>
@@ -26823,7 +24515,7 @@
         <p:spPr>
           <a:xfrm>
             <a:off x="457200" y="1203480"/>
-            <a:ext cx="8228880" cy="2982600"/>
+            <a:ext cx="8229240" cy="2982960"/>
           </a:xfrm>
           <a:prstGeom prst="rect">
             <a:avLst/>
@@ -26989,75 +24681,6 @@
             </a:r>
             <a:endParaRPr b="0" lang="en-US" sz="2000" spc="-1" strike="noStrike">
               <a:latin typeface="Arial"/>
-            </a:endParaRPr>
-          </a:p>
-        </p:txBody>
-      </p:sp>
-      <p:sp>
-        <p:nvSpPr>
-          <p:cNvPr id="98" name="PlaceHolder 3"/>
-          <p:cNvSpPr>
-            <a:spLocks noGrp="1"/>
-          </p:cNvSpPr>
-          <p:nvPr>
-            <p:ph type="sldNum" idx="2"/>
-          </p:nvPr>
-        </p:nvSpPr>
-        <p:spPr>
-          <a:xfrm>
-            <a:off x="27000" y="4749840"/>
-            <a:ext cx="547920" cy="392760"/>
-          </a:xfrm>
-          <a:prstGeom prst="rect">
-            <a:avLst/>
-          </a:prstGeom>
-          <a:noFill/>
-          <a:ln w="0">
-            <a:noFill/>
-          </a:ln>
-        </p:spPr>
-        <p:txBody>
-          <a:bodyPr lIns="90000" rIns="90000" tIns="91440" bIns="91440" anchor="t">
-            <a:noAutofit/>
-          </a:bodyPr>
-          <a:lstStyle>
-            <a:lvl1pPr>
-              <a:lnSpc>
-                <a:spcPct val="100000"/>
-              </a:lnSpc>
-              <a:tabLst>
-                <a:tab algn="l" pos="0"/>
-              </a:tabLst>
-              <a:defRPr b="0" lang="en" sz="1200" spc="-1" strike="noStrike">
-                <a:solidFill>
-                  <a:srgbClr val="00ae9d"/>
-                </a:solidFill>
-                <a:latin typeface="Karla"/>
-                <a:ea typeface="Karla"/>
-              </a:defRPr>
-            </a:lvl1pPr>
-          </a:lstStyle>
-          <a:p>
-            <a:pPr>
-              <a:lnSpc>
-                <a:spcPct val="100000"/>
-              </a:lnSpc>
-              <a:tabLst>
-                <a:tab algn="l" pos="0"/>
-              </a:tabLst>
-            </a:pPr>
-            <a:fld id="{C89E6EB8-1215-49F7-926E-C6BCCF80A1B0}" type="slidenum">
-              <a:rPr b="0" lang="en" sz="1200" spc="-1" strike="noStrike">
-                <a:solidFill>
-                  <a:srgbClr val="00ae9d"/>
-                </a:solidFill>
-                <a:latin typeface="Karla"/>
-                <a:ea typeface="Karla"/>
-              </a:rPr>
-              <a:t>&lt;number&gt;</a:t>
-            </a:fld>
-            <a:endParaRPr b="0" lang="en-US" sz="1200" spc="-1" strike="noStrike">
-              <a:latin typeface="Times New Roman"/>
             </a:endParaRPr>
           </a:p>
         </p:txBody>
@@ -27115,9 +24738,9 @@
         <p:grpSpPr>
           <a:xfrm>
             <a:off x="-6120" y="0"/>
-            <a:ext cx="9167400" cy="5162400"/>
+            <a:ext cx="9167040" cy="5162040"/>
             <a:chOff x="-6120" y="0"/>
-            <a:chExt cx="9167400" cy="5162400"/>
+            <a:chExt cx="9167040" cy="5162040"/>
           </a:xfrm>
         </p:grpSpPr>
         <p:sp>
@@ -27129,7 +24752,7 @@
           <p:spPr>
             <a:xfrm>
               <a:off x="0" y="0"/>
-              <a:ext cx="8552160" cy="1332360"/>
+              <a:ext cx="8551800" cy="1332000"/>
             </a:xfrm>
             <a:custGeom>
               <a:avLst/>
@@ -27174,7 +24797,7 @@
           <p:spPr>
             <a:xfrm>
               <a:off x="2563560" y="0"/>
-              <a:ext cx="6579720" cy="1271880"/>
+              <a:ext cx="6579360" cy="1271520"/>
             </a:xfrm>
             <a:custGeom>
               <a:avLst/>
@@ -27224,7 +24847,7 @@
           <p:spPr>
             <a:xfrm>
               <a:off x="-6120" y="0"/>
-              <a:ext cx="7297560" cy="1470960"/>
+              <a:ext cx="7297200" cy="1470600"/>
             </a:xfrm>
             <a:custGeom>
               <a:avLst/>
@@ -27274,7 +24897,7 @@
           <p:spPr>
             <a:xfrm>
               <a:off x="3596040" y="4667040"/>
-              <a:ext cx="5090040" cy="475920"/>
+              <a:ext cx="5089680" cy="475560"/>
             </a:xfrm>
             <a:custGeom>
               <a:avLst/>
@@ -27319,7 +24942,7 @@
           <p:spPr>
             <a:xfrm>
               <a:off x="5524920" y="4692600"/>
-              <a:ext cx="3636360" cy="469800"/>
+              <a:ext cx="3636000" cy="469440"/>
             </a:xfrm>
             <a:custGeom>
               <a:avLst/>
@@ -27366,7 +24989,7 @@
           <p:spPr>
             <a:xfrm>
               <a:off x="7521480" y="4023000"/>
-              <a:ext cx="1634040" cy="1139400"/>
+              <a:ext cx="1633680" cy="1139040"/>
             </a:xfrm>
             <a:custGeom>
               <a:avLst/>
@@ -27412,13 +25035,82 @@
             <a:spLocks noGrp="1"/>
           </p:cNvSpPr>
           <p:nvPr>
+            <p:ph type="sldNum" idx="3"/>
+          </p:nvPr>
+        </p:nvSpPr>
+        <p:spPr>
+          <a:xfrm>
+            <a:off x="27000" y="4749840"/>
+            <a:ext cx="547560" cy="392400"/>
+          </a:xfrm>
+          <a:prstGeom prst="rect">
+            <a:avLst/>
+          </a:prstGeom>
+          <a:noFill/>
+          <a:ln w="0">
+            <a:noFill/>
+          </a:ln>
+        </p:spPr>
+        <p:txBody>
+          <a:bodyPr lIns="90000" rIns="90000" tIns="91440" bIns="91440" anchor="t">
+            <a:noAutofit/>
+          </a:bodyPr>
+          <a:lstStyle>
+            <a:lvl1pPr>
+              <a:lnSpc>
+                <a:spcPct val="100000"/>
+              </a:lnSpc>
+              <a:tabLst>
+                <a:tab algn="l" pos="0"/>
+              </a:tabLst>
+              <a:defRPr b="0" lang="en" sz="1200" spc="-1" strike="noStrike">
+                <a:solidFill>
+                  <a:srgbClr val="00ae9d"/>
+                </a:solidFill>
+                <a:latin typeface="Karla"/>
+                <a:ea typeface="Karla"/>
+              </a:defRPr>
+            </a:lvl1pPr>
+          </a:lstStyle>
+          <a:p>
+            <a:pPr>
+              <a:lnSpc>
+                <a:spcPct val="100000"/>
+              </a:lnSpc>
+              <a:tabLst>
+                <a:tab algn="l" pos="0"/>
+              </a:tabLst>
+            </a:pPr>
+            <a:fld id="{A53315DA-6ED2-436A-87E7-B3D73DE93A25}" type="slidenum">
+              <a:rPr b="0" lang="en" sz="1200" spc="-1" strike="noStrike">
+                <a:solidFill>
+                  <a:srgbClr val="00ae9d"/>
+                </a:solidFill>
+                <a:latin typeface="Karla"/>
+                <a:ea typeface="Karla"/>
+              </a:rPr>
+              <a:t>&lt;number&gt;</a:t>
+            </a:fld>
+            <a:endParaRPr b="0" lang="en-US" sz="1200" spc="-1" strike="noStrike">
+              <a:latin typeface="Times New Roman"/>
+            </a:endParaRPr>
+          </a:p>
+        </p:txBody>
+      </p:sp>
+      <p:sp>
+        <p:nvSpPr>
+          <p:cNvPr id="143" name="PlaceHolder 2"/>
+          <p:cNvSpPr>
+            <a:spLocks noGrp="1"/>
+          </p:cNvSpPr>
+          <p:nvPr>
             <p:ph type="title"/>
           </p:nvPr>
         </p:nvSpPr>
         <p:spPr>
           <a:xfrm>
             <a:off x="457200" y="205200"/>
-            <a:ext cx="8228880" cy="858240"/>
+            <a:ext cx="8229240" cy="858600"/>
           </a:xfrm>
           <a:prstGeom prst="rect">
             <a:avLst/>
@@ -27448,7 +25140,7 @@
       </p:sp>
       <p:sp>
         <p:nvSpPr>
-          <p:cNvPr id="143" name="PlaceHolder 2"/>
+          <p:cNvPr id="144" name="PlaceHolder 3"/>
           <p:cNvSpPr>
             <a:spLocks noGrp="1"/>
           </p:cNvSpPr>
@@ -27459,7 +25151,7 @@
         <p:spPr>
           <a:xfrm>
             <a:off x="457200" y="1203480"/>
-            <a:ext cx="8228880" cy="2982600"/>
+            <a:ext cx="8229240" cy="2982960"/>
           </a:xfrm>
           <a:prstGeom prst="rect">
             <a:avLst/>
@@ -27625,75 +25317,6 @@
             </a:r>
             <a:endParaRPr b="0" lang="en-US" sz="2000" spc="-1" strike="noStrike">
               <a:latin typeface="Arial"/>
-            </a:endParaRPr>
-          </a:p>
-        </p:txBody>
-      </p:sp>
-      <p:sp>
-        <p:nvSpPr>
-          <p:cNvPr id="144" name="PlaceHolder 3"/>
-          <p:cNvSpPr>
-            <a:spLocks noGrp="1"/>
-          </p:cNvSpPr>
-          <p:nvPr>
-            <p:ph type="sldNum" idx="3"/>
-          </p:nvPr>
-        </p:nvSpPr>
-        <p:spPr>
-          <a:xfrm>
-            <a:off x="27000" y="4749840"/>
-            <a:ext cx="547920" cy="392760"/>
-          </a:xfrm>
-          <a:prstGeom prst="rect">
-            <a:avLst/>
-          </a:prstGeom>
-          <a:noFill/>
-          <a:ln w="0">
-            <a:noFill/>
-          </a:ln>
-        </p:spPr>
-        <p:txBody>
-          <a:bodyPr lIns="90000" rIns="90000" tIns="91440" bIns="91440" anchor="t">
-            <a:noAutofit/>
-          </a:bodyPr>
-          <a:lstStyle>
-            <a:lvl1pPr>
-              <a:lnSpc>
-                <a:spcPct val="100000"/>
-              </a:lnSpc>
-              <a:tabLst>
-                <a:tab algn="l" pos="0"/>
-              </a:tabLst>
-              <a:defRPr b="0" lang="en" sz="1200" spc="-1" strike="noStrike">
-                <a:solidFill>
-                  <a:srgbClr val="00ae9d"/>
-                </a:solidFill>
-                <a:latin typeface="Karla"/>
-                <a:ea typeface="Karla"/>
-              </a:defRPr>
-            </a:lvl1pPr>
-          </a:lstStyle>
-          <a:p>
-            <a:pPr>
-              <a:lnSpc>
-                <a:spcPct val="100000"/>
-              </a:lnSpc>
-              <a:tabLst>
-                <a:tab algn="l" pos="0"/>
-              </a:tabLst>
-            </a:pPr>
-            <a:fld id="{234B1F97-29D2-4C6E-88A9-6995D559CE13}" type="slidenum">
-              <a:rPr b="0" lang="en" sz="1200" spc="-1" strike="noStrike">
-                <a:solidFill>
-                  <a:srgbClr val="00ae9d"/>
-                </a:solidFill>
-                <a:latin typeface="Karla"/>
-                <a:ea typeface="Karla"/>
-              </a:rPr>
-              <a:t>&lt;number&gt;</a:t>
-            </a:fld>
-            <a:endParaRPr b="0" lang="en-US" sz="1200" spc="-1" strike="noStrike">
-              <a:latin typeface="Times New Roman"/>
             </a:endParaRPr>
           </a:p>
         </p:txBody>
@@ -27751,9 +25374,9 @@
         <p:grpSpPr>
           <a:xfrm>
             <a:off x="-6120" y="0"/>
-            <a:ext cx="9167400" cy="5162400"/>
+            <a:ext cx="9167040" cy="5162040"/>
             <a:chOff x="-6120" y="0"/>
-            <a:chExt cx="9167400" cy="5162400"/>
+            <a:chExt cx="9167040" cy="5162040"/>
           </a:xfrm>
         </p:grpSpPr>
         <p:sp>
@@ -27765,7 +25388,7 @@
           <p:spPr>
             <a:xfrm>
               <a:off x="0" y="0"/>
-              <a:ext cx="8552160" cy="1332360"/>
+              <a:ext cx="8551800" cy="1332000"/>
             </a:xfrm>
             <a:custGeom>
               <a:avLst/>
@@ -27810,7 +25433,7 @@
           <p:spPr>
             <a:xfrm>
               <a:off x="2563560" y="0"/>
-              <a:ext cx="6579720" cy="1271880"/>
+              <a:ext cx="6579360" cy="1271520"/>
             </a:xfrm>
             <a:custGeom>
               <a:avLst/>
@@ -27860,7 +25483,7 @@
           <p:spPr>
             <a:xfrm>
               <a:off x="-6120" y="0"/>
-              <a:ext cx="7297560" cy="1470960"/>
+              <a:ext cx="7297200" cy="1470600"/>
             </a:xfrm>
             <a:custGeom>
               <a:avLst/>
@@ -27910,7 +25533,7 @@
           <p:spPr>
             <a:xfrm>
               <a:off x="3596040" y="4667040"/>
-              <a:ext cx="5090040" cy="475920"/>
+              <a:ext cx="5089680" cy="475560"/>
             </a:xfrm>
             <a:custGeom>
               <a:avLst/>
@@ -27955,7 +25578,7 @@
           <p:spPr>
             <a:xfrm>
               <a:off x="5524920" y="4692600"/>
-              <a:ext cx="3636360" cy="469800"/>
+              <a:ext cx="3636000" cy="469440"/>
             </a:xfrm>
             <a:custGeom>
               <a:avLst/>
@@ -28002,7 +25625,7 @@
           <p:spPr>
             <a:xfrm>
               <a:off x="7521480" y="4023000"/>
-              <a:ext cx="1634040" cy="1139400"/>
+              <a:ext cx="1633680" cy="1139040"/>
             </a:xfrm>
             <a:custGeom>
               <a:avLst/>
@@ -28050,7 +25673,7 @@
         <p:spPr>
           <a:xfrm>
             <a:off x="886680" y="398520"/>
-            <a:ext cx="7369920" cy="856800"/>
+            <a:ext cx="7369560" cy="856440"/>
           </a:xfrm>
           <a:prstGeom prst="rect">
             <a:avLst/>
@@ -28076,7 +25699,7 @@
         <p:spPr>
           <a:xfrm>
             <a:off x="886680" y="1598400"/>
-            <a:ext cx="7369920" cy="3326760"/>
+            <a:ext cx="7369560" cy="3326400"/>
           </a:xfrm>
           <a:prstGeom prst="rect">
             <a:avLst/>
@@ -28100,13 +25723,82 @@
             <a:spLocks noGrp="1"/>
           </p:cNvSpPr>
           <p:nvPr>
+            <p:ph type="sldNum" idx="4"/>
+          </p:nvPr>
+        </p:nvSpPr>
+        <p:spPr>
+          <a:xfrm>
+            <a:off x="27000" y="4749840"/>
+            <a:ext cx="547560" cy="392400"/>
+          </a:xfrm>
+          <a:prstGeom prst="rect">
+            <a:avLst/>
+          </a:prstGeom>
+          <a:noFill/>
+          <a:ln w="0">
+            <a:noFill/>
+          </a:ln>
+        </p:spPr>
+        <p:txBody>
+          <a:bodyPr lIns="90000" rIns="90000" tIns="91440" bIns="91440" anchor="t">
+            <a:noAutofit/>
+          </a:bodyPr>
+          <a:lstStyle>
+            <a:lvl1pPr>
+              <a:lnSpc>
+                <a:spcPct val="100000"/>
+              </a:lnSpc>
+              <a:tabLst>
+                <a:tab algn="l" pos="0"/>
+              </a:tabLst>
+              <a:defRPr b="0" lang="en" sz="1200" spc="-1" strike="noStrike">
+                <a:solidFill>
+                  <a:srgbClr val="00ae9d"/>
+                </a:solidFill>
+                <a:latin typeface="Karla"/>
+                <a:ea typeface="Karla"/>
+              </a:defRPr>
+            </a:lvl1pPr>
+          </a:lstStyle>
+          <a:p>
+            <a:pPr>
+              <a:lnSpc>
+                <a:spcPct val="100000"/>
+              </a:lnSpc>
+              <a:tabLst>
+                <a:tab algn="l" pos="0"/>
+              </a:tabLst>
+            </a:pPr>
+            <a:fld id="{045C94DB-A956-432D-9111-59F18A98B750}" type="slidenum">
+              <a:rPr b="0" lang="en" sz="1200" spc="-1" strike="noStrike">
+                <a:solidFill>
+                  <a:srgbClr val="00ae9d"/>
+                </a:solidFill>
+                <a:latin typeface="Karla"/>
+                <a:ea typeface="Karla"/>
+              </a:rPr>
+              <a:t>&lt;number&gt;</a:t>
+            </a:fld>
+            <a:endParaRPr b="0" lang="en-US" sz="1200" spc="-1" strike="noStrike">
+              <a:latin typeface="Times New Roman"/>
+            </a:endParaRPr>
+          </a:p>
+        </p:txBody>
+      </p:sp>
+      <p:sp>
+        <p:nvSpPr>
+          <p:cNvPr id="191" name="PlaceHolder 2"/>
+          <p:cNvSpPr>
+            <a:spLocks noGrp="1"/>
+          </p:cNvSpPr>
+          <p:nvPr>
             <p:ph type="title"/>
           </p:nvPr>
         </p:nvSpPr>
         <p:spPr>
           <a:xfrm>
             <a:off x="457200" y="205200"/>
-            <a:ext cx="8228880" cy="858240"/>
+            <a:ext cx="8229240" cy="858600"/>
           </a:xfrm>
           <a:prstGeom prst="rect">
             <a:avLst/>
@@ -28136,7 +25828,7 @@
       </p:sp>
       <p:sp>
         <p:nvSpPr>
-          <p:cNvPr id="191" name="PlaceHolder 2"/>
+          <p:cNvPr id="192" name="PlaceHolder 3"/>
           <p:cNvSpPr>
             <a:spLocks noGrp="1"/>
           </p:cNvSpPr>
@@ -28147,7 +25839,7 @@
         <p:spPr>
           <a:xfrm>
             <a:off x="457200" y="1203480"/>
-            <a:ext cx="8228880" cy="2982600"/>
+            <a:ext cx="8229240" cy="2982960"/>
           </a:xfrm>
           <a:prstGeom prst="rect">
             <a:avLst/>
@@ -28313,75 +26005,6 @@
             </a:r>
             <a:endParaRPr b="0" lang="en-US" sz="2000" spc="-1" strike="noStrike">
               <a:latin typeface="Arial"/>
-            </a:endParaRPr>
-          </a:p>
-        </p:txBody>
-      </p:sp>
-      <p:sp>
-        <p:nvSpPr>
-          <p:cNvPr id="192" name="PlaceHolder 3"/>
-          <p:cNvSpPr>
-            <a:spLocks noGrp="1"/>
-          </p:cNvSpPr>
-          <p:nvPr>
-            <p:ph type="sldNum" idx="4"/>
-          </p:nvPr>
-        </p:nvSpPr>
-        <p:spPr>
-          <a:xfrm>
-            <a:off x="27000" y="4749840"/>
-            <a:ext cx="547920" cy="392760"/>
-          </a:xfrm>
-          <a:prstGeom prst="rect">
-            <a:avLst/>
-          </a:prstGeom>
-          <a:noFill/>
-          <a:ln w="0">
-            <a:noFill/>
-          </a:ln>
-        </p:spPr>
-        <p:txBody>
-          <a:bodyPr lIns="90000" rIns="90000" tIns="91440" bIns="91440" anchor="t">
-            <a:noAutofit/>
-          </a:bodyPr>
-          <a:lstStyle>
-            <a:lvl1pPr>
-              <a:lnSpc>
-                <a:spcPct val="100000"/>
-              </a:lnSpc>
-              <a:tabLst>
-                <a:tab algn="l" pos="0"/>
-              </a:tabLst>
-              <a:defRPr b="0" lang="en" sz="1200" spc="-1" strike="noStrike">
-                <a:solidFill>
-                  <a:srgbClr val="00ae9d"/>
-                </a:solidFill>
-                <a:latin typeface="Karla"/>
-                <a:ea typeface="Karla"/>
-              </a:defRPr>
-            </a:lvl1pPr>
-          </a:lstStyle>
-          <a:p>
-            <a:pPr>
-              <a:lnSpc>
-                <a:spcPct val="100000"/>
-              </a:lnSpc>
-              <a:tabLst>
-                <a:tab algn="l" pos="0"/>
-              </a:tabLst>
-            </a:pPr>
-            <a:fld id="{1D385558-3251-4F82-90DA-25CAEF4E53ED}" type="slidenum">
-              <a:rPr b="0" lang="en" sz="1200" spc="-1" strike="noStrike">
-                <a:solidFill>
-                  <a:srgbClr val="00ae9d"/>
-                </a:solidFill>
-                <a:latin typeface="Karla"/>
-                <a:ea typeface="Karla"/>
-              </a:rPr>
-              <a:t>&lt;number&gt;</a:t>
-            </a:fld>
-            <a:endParaRPr b="0" lang="en-US" sz="1200" spc="-1" strike="noStrike">
-              <a:latin typeface="Times New Roman"/>
             </a:endParaRPr>
           </a:p>
         </p:txBody>
@@ -28439,7 +26062,7 @@
         <p:spPr>
           <a:xfrm>
             <a:off x="-2520" y="0"/>
-            <a:ext cx="5208840" cy="982800"/>
+            <a:ext cx="5208480" cy="982440"/>
           </a:xfrm>
           <a:custGeom>
             <a:avLst/>
@@ -28484,7 +26107,7 @@
         <p:spPr>
           <a:xfrm>
             <a:off x="-6120" y="0"/>
-            <a:ext cx="4444560" cy="1085040"/>
+            <a:ext cx="4444200" cy="1084680"/>
           </a:xfrm>
           <a:custGeom>
             <a:avLst/>
@@ -28534,7 +26157,7 @@
         <p:spPr>
           <a:xfrm>
             <a:off x="6375600" y="4745880"/>
-            <a:ext cx="2548080" cy="400320"/>
+            <a:ext cx="2547720" cy="399960"/>
           </a:xfrm>
           <a:custGeom>
             <a:avLst/>
@@ -28579,7 +26202,7 @@
         <p:spPr>
           <a:xfrm>
             <a:off x="7341120" y="4767480"/>
-            <a:ext cx="1820520" cy="394920"/>
+            <a:ext cx="1820160" cy="394560"/>
           </a:xfrm>
           <a:custGeom>
             <a:avLst/>
@@ -28626,7 +26249,7 @@
         <p:spPr>
           <a:xfrm>
             <a:off x="8340840" y="4204080"/>
-            <a:ext cx="817560" cy="958320"/>
+            <a:ext cx="817200" cy="957960"/>
           </a:xfrm>
           <a:custGeom>
             <a:avLst/>
@@ -28673,7 +26296,7 @@
         <p:spPr>
           <a:xfrm>
             <a:off x="1559160" y="-6120"/>
-            <a:ext cx="4115880" cy="944280"/>
+            <a:ext cx="4115520" cy="943920"/>
           </a:xfrm>
           <a:custGeom>
             <a:avLst/>
@@ -28727,7 +26350,7 @@
         <p:spPr>
           <a:xfrm>
             <a:off x="27000" y="4749840"/>
-            <a:ext cx="547920" cy="392760"/>
+            <a:ext cx="547560" cy="392400"/>
           </a:xfrm>
           <a:prstGeom prst="rect">
             <a:avLst/>
@@ -28767,7 +26390,7 @@
                 <a:tab algn="l" pos="0"/>
               </a:tabLst>
             </a:pPr>
-            <a:fld id="{11B5203D-F32B-457B-9470-F0A37B39DA45}" type="slidenum">
+            <a:fld id="{215C3217-9B60-485E-BB77-4404355494D3}" type="slidenum">
               <a:rPr b="0" lang="en" sz="1200" spc="-1" strike="noStrike">
                 <a:solidFill>
                   <a:srgbClr val="00ae9d"/>
@@ -29060,9 +26683,9 @@
         <p:grpSpPr>
           <a:xfrm>
             <a:off x="-6120" y="0"/>
-            <a:ext cx="9167400" cy="5162400"/>
+            <a:ext cx="9167040" cy="5162040"/>
             <a:chOff x="-6120" y="0"/>
-            <a:chExt cx="9167400" cy="5162400"/>
+            <a:chExt cx="9167040" cy="5162040"/>
           </a:xfrm>
         </p:grpSpPr>
         <p:sp>
@@ -29074,7 +26697,7 @@
           <p:spPr>
             <a:xfrm>
               <a:off x="0" y="0"/>
-              <a:ext cx="8552160" cy="1332360"/>
+              <a:ext cx="8551800" cy="1332000"/>
             </a:xfrm>
             <a:custGeom>
               <a:avLst/>
@@ -29119,7 +26742,7 @@
           <p:spPr>
             <a:xfrm>
               <a:off x="2563560" y="0"/>
-              <a:ext cx="6579720" cy="1271880"/>
+              <a:ext cx="6579360" cy="1271520"/>
             </a:xfrm>
             <a:custGeom>
               <a:avLst/>
@@ -29169,7 +26792,7 @@
           <p:spPr>
             <a:xfrm>
               <a:off x="-6120" y="0"/>
-              <a:ext cx="7297560" cy="1470960"/>
+              <a:ext cx="7297200" cy="1470600"/>
             </a:xfrm>
             <a:custGeom>
               <a:avLst/>
@@ -29219,7 +26842,7 @@
           <p:spPr>
             <a:xfrm>
               <a:off x="3596040" y="4667040"/>
-              <a:ext cx="5090040" cy="475920"/>
+              <a:ext cx="5089680" cy="475560"/>
             </a:xfrm>
             <a:custGeom>
               <a:avLst/>
@@ -29264,7 +26887,7 @@
           <p:spPr>
             <a:xfrm>
               <a:off x="5524920" y="4692600"/>
-              <a:ext cx="3636360" cy="469800"/>
+              <a:ext cx="3636000" cy="469440"/>
             </a:xfrm>
             <a:custGeom>
               <a:avLst/>
@@ -29311,7 +26934,7 @@
           <p:spPr>
             <a:xfrm>
               <a:off x="7521480" y="4023000"/>
-              <a:ext cx="1634040" cy="1139400"/>
+              <a:ext cx="1633680" cy="1139040"/>
             </a:xfrm>
             <a:custGeom>
               <a:avLst/>
@@ -29357,13 +26980,82 @@
             <a:spLocks noGrp="1"/>
           </p:cNvSpPr>
           <p:nvPr>
+            <p:ph type="sldNum" idx="6"/>
+          </p:nvPr>
+        </p:nvSpPr>
+        <p:spPr>
+          <a:xfrm>
+            <a:off x="27000" y="4749840"/>
+            <a:ext cx="547560" cy="392400"/>
+          </a:xfrm>
+          <a:prstGeom prst="rect">
+            <a:avLst/>
+          </a:prstGeom>
+          <a:noFill/>
+          <a:ln w="0">
+            <a:noFill/>
+          </a:ln>
+        </p:spPr>
+        <p:txBody>
+          <a:bodyPr lIns="90000" rIns="90000" tIns="91440" bIns="91440" anchor="t">
+            <a:noAutofit/>
+          </a:bodyPr>
+          <a:lstStyle>
+            <a:lvl1pPr>
+              <a:lnSpc>
+                <a:spcPct val="100000"/>
+              </a:lnSpc>
+              <a:tabLst>
+                <a:tab algn="l" pos="0"/>
+              </a:tabLst>
+              <a:defRPr b="0" lang="en" sz="1200" spc="-1" strike="noStrike">
+                <a:solidFill>
+                  <a:srgbClr val="00ae9d"/>
+                </a:solidFill>
+                <a:latin typeface="Karla"/>
+                <a:ea typeface="Karla"/>
+              </a:defRPr>
+            </a:lvl1pPr>
+          </a:lstStyle>
+          <a:p>
+            <a:pPr>
+              <a:lnSpc>
+                <a:spcPct val="100000"/>
+              </a:lnSpc>
+              <a:tabLst>
+                <a:tab algn="l" pos="0"/>
+              </a:tabLst>
+            </a:pPr>
+            <a:fld id="{5D6965FF-AD7B-4C39-93F7-0446F050E7FF}" type="slidenum">
+              <a:rPr b="0" lang="en" sz="1200" spc="-1" strike="noStrike">
+                <a:solidFill>
+                  <a:srgbClr val="00ae9d"/>
+                </a:solidFill>
+                <a:latin typeface="Karla"/>
+                <a:ea typeface="Karla"/>
+              </a:rPr>
+              <a:t>&lt;number&gt;</a:t>
+            </a:fld>
+            <a:endParaRPr b="0" lang="en-US" sz="1200" spc="-1" strike="noStrike">
+              <a:latin typeface="Times New Roman"/>
+            </a:endParaRPr>
+          </a:p>
+        </p:txBody>
+      </p:sp>
+      <p:sp>
+        <p:nvSpPr>
+          <p:cNvPr id="282" name="PlaceHolder 2"/>
+          <p:cNvSpPr>
+            <a:spLocks noGrp="1"/>
+          </p:cNvSpPr>
+          <p:nvPr>
             <p:ph type="title"/>
           </p:nvPr>
         </p:nvSpPr>
         <p:spPr>
           <a:xfrm>
             <a:off x="457200" y="205200"/>
-            <a:ext cx="8228880" cy="858240"/>
+            <a:ext cx="8229240" cy="858600"/>
           </a:xfrm>
           <a:prstGeom prst="rect">
             <a:avLst/>
@@ -29393,7 +27085,7 @@
       </p:sp>
       <p:sp>
         <p:nvSpPr>
-          <p:cNvPr id="282" name="PlaceHolder 2"/>
+          <p:cNvPr id="283" name="PlaceHolder 3"/>
           <p:cNvSpPr>
             <a:spLocks noGrp="1"/>
           </p:cNvSpPr>
@@ -29404,7 +27096,7 @@
         <p:spPr>
           <a:xfrm>
             <a:off x="457200" y="1203480"/>
-            <a:ext cx="8228880" cy="2982600"/>
+            <a:ext cx="8229240" cy="2982960"/>
           </a:xfrm>
           <a:prstGeom prst="rect">
             <a:avLst/>
@@ -29570,75 +27262,6 @@
             </a:r>
             <a:endParaRPr b="0" lang="en-US" sz="2000" spc="-1" strike="noStrike">
               <a:latin typeface="Arial"/>
-            </a:endParaRPr>
-          </a:p>
-        </p:txBody>
-      </p:sp>
-      <p:sp>
-        <p:nvSpPr>
-          <p:cNvPr id="283" name="PlaceHolder 3"/>
-          <p:cNvSpPr>
-            <a:spLocks noGrp="1"/>
-          </p:cNvSpPr>
-          <p:nvPr>
-            <p:ph type="sldNum" idx="6"/>
-          </p:nvPr>
-        </p:nvSpPr>
-        <p:spPr>
-          <a:xfrm>
-            <a:off x="27000" y="4749840"/>
-            <a:ext cx="547920" cy="392760"/>
-          </a:xfrm>
-          <a:prstGeom prst="rect">
-            <a:avLst/>
-          </a:prstGeom>
-          <a:noFill/>
-          <a:ln w="0">
-            <a:noFill/>
-          </a:ln>
-        </p:spPr>
-        <p:txBody>
-          <a:bodyPr lIns="90000" rIns="90000" tIns="91440" bIns="91440" anchor="t">
-            <a:noAutofit/>
-          </a:bodyPr>
-          <a:lstStyle>
-            <a:lvl1pPr>
-              <a:lnSpc>
-                <a:spcPct val="100000"/>
-              </a:lnSpc>
-              <a:tabLst>
-                <a:tab algn="l" pos="0"/>
-              </a:tabLst>
-              <a:defRPr b="0" lang="en" sz="1200" spc="-1" strike="noStrike">
-                <a:solidFill>
-                  <a:srgbClr val="00ae9d"/>
-                </a:solidFill>
-                <a:latin typeface="Karla"/>
-                <a:ea typeface="Karla"/>
-              </a:defRPr>
-            </a:lvl1pPr>
-          </a:lstStyle>
-          <a:p>
-            <a:pPr>
-              <a:lnSpc>
-                <a:spcPct val="100000"/>
-              </a:lnSpc>
-              <a:tabLst>
-                <a:tab algn="l" pos="0"/>
-              </a:tabLst>
-            </a:pPr>
-            <a:fld id="{DC7F09FC-E630-4168-AB19-A4A36AEE3266}" type="slidenum">
-              <a:rPr b="0" lang="en" sz="1200" spc="-1" strike="noStrike">
-                <a:solidFill>
-                  <a:srgbClr val="00ae9d"/>
-                </a:solidFill>
-                <a:latin typeface="Karla"/>
-                <a:ea typeface="Karla"/>
-              </a:rPr>
-              <a:t>&lt;number&gt;</a:t>
-            </a:fld>
-            <a:endParaRPr b="0" lang="en-US" sz="1200" spc="-1" strike="noStrike">
-              <a:latin typeface="Times New Roman"/>
             </a:endParaRPr>
           </a:p>
         </p:txBody>
@@ -29696,9 +27319,9 @@
         <p:grpSpPr>
           <a:xfrm>
             <a:off x="-6120" y="0"/>
-            <a:ext cx="9167400" cy="5162400"/>
+            <a:ext cx="9167040" cy="5162040"/>
             <a:chOff x="-6120" y="0"/>
-            <a:chExt cx="9167400" cy="5162400"/>
+            <a:chExt cx="9167040" cy="5162040"/>
           </a:xfrm>
         </p:grpSpPr>
         <p:sp>
@@ -29710,7 +27333,7 @@
           <p:spPr>
             <a:xfrm>
               <a:off x="0" y="0"/>
-              <a:ext cx="8552160" cy="1332360"/>
+              <a:ext cx="8551800" cy="1332000"/>
             </a:xfrm>
             <a:custGeom>
               <a:avLst/>
@@ -29755,7 +27378,7 @@
           <p:spPr>
             <a:xfrm>
               <a:off x="2563560" y="0"/>
-              <a:ext cx="6579720" cy="1271880"/>
+              <a:ext cx="6579360" cy="1271520"/>
             </a:xfrm>
             <a:custGeom>
               <a:avLst/>
@@ -29805,7 +27428,7 @@
           <p:spPr>
             <a:xfrm>
               <a:off x="-6120" y="0"/>
-              <a:ext cx="7297560" cy="1470960"/>
+              <a:ext cx="7297200" cy="1470600"/>
             </a:xfrm>
             <a:custGeom>
               <a:avLst/>
@@ -29855,7 +27478,7 @@
           <p:spPr>
             <a:xfrm>
               <a:off x="3596040" y="4667040"/>
-              <a:ext cx="5090040" cy="475920"/>
+              <a:ext cx="5089680" cy="475560"/>
             </a:xfrm>
             <a:custGeom>
               <a:avLst/>
@@ -29900,7 +27523,7 @@
           <p:spPr>
             <a:xfrm>
               <a:off x="5524920" y="4692600"/>
-              <a:ext cx="3636360" cy="469800"/>
+              <a:ext cx="3636000" cy="469440"/>
             </a:xfrm>
             <a:custGeom>
               <a:avLst/>
@@ -29947,7 +27570,7 @@
           <p:spPr>
             <a:xfrm>
               <a:off x="7521480" y="4023000"/>
-              <a:ext cx="1634040" cy="1139400"/>
+              <a:ext cx="1633680" cy="1139040"/>
             </a:xfrm>
             <a:custGeom>
               <a:avLst/>
@@ -29993,13 +27616,82 @@
             <a:spLocks noGrp="1"/>
           </p:cNvSpPr>
           <p:nvPr>
+            <p:ph type="sldNum" idx="7"/>
+          </p:nvPr>
+        </p:nvSpPr>
+        <p:spPr>
+          <a:xfrm>
+            <a:off x="27000" y="4749840"/>
+            <a:ext cx="547560" cy="392400"/>
+          </a:xfrm>
+          <a:prstGeom prst="rect">
+            <a:avLst/>
+          </a:prstGeom>
+          <a:noFill/>
+          <a:ln w="0">
+            <a:noFill/>
+          </a:ln>
+        </p:spPr>
+        <p:txBody>
+          <a:bodyPr lIns="90000" rIns="90000" tIns="91440" bIns="91440" anchor="t">
+            <a:noAutofit/>
+          </a:bodyPr>
+          <a:lstStyle>
+            <a:lvl1pPr>
+              <a:lnSpc>
+                <a:spcPct val="100000"/>
+              </a:lnSpc>
+              <a:tabLst>
+                <a:tab algn="l" pos="0"/>
+              </a:tabLst>
+              <a:defRPr b="0" lang="en" sz="1200" spc="-1" strike="noStrike">
+                <a:solidFill>
+                  <a:srgbClr val="00ae9d"/>
+                </a:solidFill>
+                <a:latin typeface="Karla"/>
+                <a:ea typeface="Karla"/>
+              </a:defRPr>
+            </a:lvl1pPr>
+          </a:lstStyle>
+          <a:p>
+            <a:pPr>
+              <a:lnSpc>
+                <a:spcPct val="100000"/>
+              </a:lnSpc>
+              <a:tabLst>
+                <a:tab algn="l" pos="0"/>
+              </a:tabLst>
+            </a:pPr>
+            <a:fld id="{833CB74C-F111-4017-A8A0-C0F292B2E593}" type="slidenum">
+              <a:rPr b="0" lang="en" sz="1200" spc="-1" strike="noStrike">
+                <a:solidFill>
+                  <a:srgbClr val="00ae9d"/>
+                </a:solidFill>
+                <a:latin typeface="Karla"/>
+                <a:ea typeface="Karla"/>
+              </a:rPr>
+              <a:t>&lt;number&gt;</a:t>
+            </a:fld>
+            <a:endParaRPr b="0" lang="en-US" sz="1200" spc="-1" strike="noStrike">
+              <a:latin typeface="Times New Roman"/>
+            </a:endParaRPr>
+          </a:p>
+        </p:txBody>
+      </p:sp>
+      <p:sp>
+        <p:nvSpPr>
+          <p:cNvPr id="328" name="PlaceHolder 2"/>
+          <p:cNvSpPr>
+            <a:spLocks noGrp="1"/>
+          </p:cNvSpPr>
+          <p:nvPr>
             <p:ph type="title"/>
           </p:nvPr>
         </p:nvSpPr>
         <p:spPr>
           <a:xfrm>
             <a:off x="457200" y="205200"/>
-            <a:ext cx="8228880" cy="858240"/>
+            <a:ext cx="8229240" cy="858600"/>
           </a:xfrm>
           <a:prstGeom prst="rect">
             <a:avLst/>
@@ -30029,7 +27721,7 @@
       </p:sp>
       <p:sp>
         <p:nvSpPr>
-          <p:cNvPr id="328" name="PlaceHolder 2"/>
+          <p:cNvPr id="329" name="PlaceHolder 3"/>
           <p:cNvSpPr>
             <a:spLocks noGrp="1"/>
           </p:cNvSpPr>
@@ -30040,7 +27732,7 @@
         <p:spPr>
           <a:xfrm>
             <a:off x="457200" y="1203480"/>
-            <a:ext cx="8228880" cy="2982600"/>
+            <a:ext cx="8229240" cy="2982960"/>
           </a:xfrm>
           <a:prstGeom prst="rect">
             <a:avLst/>
@@ -30206,75 +27898,6 @@
             </a:r>
             <a:endParaRPr b="0" lang="en-US" sz="2000" spc="-1" strike="noStrike">
               <a:latin typeface="Arial"/>
-            </a:endParaRPr>
-          </a:p>
-        </p:txBody>
-      </p:sp>
-      <p:sp>
-        <p:nvSpPr>
-          <p:cNvPr id="329" name="PlaceHolder 3"/>
-          <p:cNvSpPr>
-            <a:spLocks noGrp="1"/>
-          </p:cNvSpPr>
-          <p:nvPr>
-            <p:ph type="sldNum" idx="7"/>
-          </p:nvPr>
-        </p:nvSpPr>
-        <p:spPr>
-          <a:xfrm>
-            <a:off x="27000" y="4749840"/>
-            <a:ext cx="547920" cy="392760"/>
-          </a:xfrm>
-          <a:prstGeom prst="rect">
-            <a:avLst/>
-          </a:prstGeom>
-          <a:noFill/>
-          <a:ln w="0">
-            <a:noFill/>
-          </a:ln>
-        </p:spPr>
-        <p:txBody>
-          <a:bodyPr lIns="90000" rIns="90000" tIns="91440" bIns="91440" anchor="t">
-            <a:noAutofit/>
-          </a:bodyPr>
-          <a:lstStyle>
-            <a:lvl1pPr>
-              <a:lnSpc>
-                <a:spcPct val="100000"/>
-              </a:lnSpc>
-              <a:tabLst>
-                <a:tab algn="l" pos="0"/>
-              </a:tabLst>
-              <a:defRPr b="0" lang="en" sz="1200" spc="-1" strike="noStrike">
-                <a:solidFill>
-                  <a:srgbClr val="00ae9d"/>
-                </a:solidFill>
-                <a:latin typeface="Karla"/>
-                <a:ea typeface="Karla"/>
-              </a:defRPr>
-            </a:lvl1pPr>
-          </a:lstStyle>
-          <a:p>
-            <a:pPr>
-              <a:lnSpc>
-                <a:spcPct val="100000"/>
-              </a:lnSpc>
-              <a:tabLst>
-                <a:tab algn="l" pos="0"/>
-              </a:tabLst>
-            </a:pPr>
-            <a:fld id="{34853B9F-2135-4222-8348-100778E706A8}" type="slidenum">
-              <a:rPr b="0" lang="en" sz="1200" spc="-1" strike="noStrike">
-                <a:solidFill>
-                  <a:srgbClr val="00ae9d"/>
-                </a:solidFill>
-                <a:latin typeface="Karla"/>
-                <a:ea typeface="Karla"/>
-              </a:rPr>
-              <a:t>&lt;number&gt;</a:t>
-            </a:fld>
-            <a:endParaRPr b="0" lang="en-US" sz="1200" spc="-1" strike="noStrike">
-              <a:latin typeface="Times New Roman"/>
             </a:endParaRPr>
           </a:p>
         </p:txBody>
@@ -30332,9 +27955,9 @@
         <p:grpSpPr>
           <a:xfrm>
             <a:off x="-6120" y="0"/>
-            <a:ext cx="9167400" cy="5162400"/>
+            <a:ext cx="9167040" cy="5162040"/>
             <a:chOff x="-6120" y="0"/>
-            <a:chExt cx="9167400" cy="5162400"/>
+            <a:chExt cx="9167040" cy="5162040"/>
           </a:xfrm>
         </p:grpSpPr>
         <p:sp>
@@ -30346,7 +27969,7 @@
           <p:spPr>
             <a:xfrm>
               <a:off x="0" y="0"/>
-              <a:ext cx="8552160" cy="1332360"/>
+              <a:ext cx="8551800" cy="1332000"/>
             </a:xfrm>
             <a:custGeom>
               <a:avLst/>
@@ -30391,7 +28014,7 @@
           <p:spPr>
             <a:xfrm>
               <a:off x="2563560" y="0"/>
-              <a:ext cx="6579720" cy="1271880"/>
+              <a:ext cx="6579360" cy="1271520"/>
             </a:xfrm>
             <a:custGeom>
               <a:avLst/>
@@ -30441,7 +28064,7 @@
           <p:spPr>
             <a:xfrm>
               <a:off x="-6120" y="0"/>
-              <a:ext cx="7297560" cy="1470960"/>
+              <a:ext cx="7297200" cy="1470600"/>
             </a:xfrm>
             <a:custGeom>
               <a:avLst/>
@@ -30491,7 +28114,7 @@
           <p:spPr>
             <a:xfrm>
               <a:off x="3596040" y="4667040"/>
-              <a:ext cx="5090040" cy="475920"/>
+              <a:ext cx="5089680" cy="475560"/>
             </a:xfrm>
             <a:custGeom>
               <a:avLst/>
@@ -30536,7 +28159,7 @@
           <p:spPr>
             <a:xfrm>
               <a:off x="5524920" y="4692600"/>
-              <a:ext cx="3636360" cy="469800"/>
+              <a:ext cx="3636000" cy="469440"/>
             </a:xfrm>
             <a:custGeom>
               <a:avLst/>
@@ -30583,7 +28206,7 @@
           <p:spPr>
             <a:xfrm>
               <a:off x="7521480" y="4023000"/>
-              <a:ext cx="1634040" cy="1139400"/>
+              <a:ext cx="1633680" cy="1139040"/>
             </a:xfrm>
             <a:custGeom>
               <a:avLst/>
@@ -30629,13 +28252,82 @@
             <a:spLocks noGrp="1"/>
           </p:cNvSpPr>
           <p:nvPr>
+            <p:ph type="sldNum" idx="8"/>
+          </p:nvPr>
+        </p:nvSpPr>
+        <p:spPr>
+          <a:xfrm>
+            <a:off x="27000" y="4749840"/>
+            <a:ext cx="547560" cy="392400"/>
+          </a:xfrm>
+          <a:prstGeom prst="rect">
+            <a:avLst/>
+          </a:prstGeom>
+          <a:noFill/>
+          <a:ln w="0">
+            <a:noFill/>
+          </a:ln>
+        </p:spPr>
+        <p:txBody>
+          <a:bodyPr lIns="90000" rIns="90000" tIns="91440" bIns="91440" anchor="t">
+            <a:noAutofit/>
+          </a:bodyPr>
+          <a:lstStyle>
+            <a:lvl1pPr>
+              <a:lnSpc>
+                <a:spcPct val="100000"/>
+              </a:lnSpc>
+              <a:tabLst>
+                <a:tab algn="l" pos="0"/>
+              </a:tabLst>
+              <a:defRPr b="0" lang="en" sz="1200" spc="-1" strike="noStrike">
+                <a:solidFill>
+                  <a:srgbClr val="00ae9d"/>
+                </a:solidFill>
+                <a:latin typeface="Karla"/>
+                <a:ea typeface="Karla"/>
+              </a:defRPr>
+            </a:lvl1pPr>
+          </a:lstStyle>
+          <a:p>
+            <a:pPr>
+              <a:lnSpc>
+                <a:spcPct val="100000"/>
+              </a:lnSpc>
+              <a:tabLst>
+                <a:tab algn="l" pos="0"/>
+              </a:tabLst>
+            </a:pPr>
+            <a:fld id="{5F4DA1F1-8352-4B14-91E8-395D8FA13597}" type="slidenum">
+              <a:rPr b="0" lang="en" sz="1200" spc="-1" strike="noStrike">
+                <a:solidFill>
+                  <a:srgbClr val="00ae9d"/>
+                </a:solidFill>
+                <a:latin typeface="Karla"/>
+                <a:ea typeface="Karla"/>
+              </a:rPr>
+              <a:t>&lt;number&gt;</a:t>
+            </a:fld>
+            <a:endParaRPr b="0" lang="en-US" sz="1200" spc="-1" strike="noStrike">
+              <a:latin typeface="Times New Roman"/>
+            </a:endParaRPr>
+          </a:p>
+        </p:txBody>
+      </p:sp>
+      <p:sp>
+        <p:nvSpPr>
+          <p:cNvPr id="374" name="PlaceHolder 2"/>
+          <p:cNvSpPr>
+            <a:spLocks noGrp="1"/>
+          </p:cNvSpPr>
+          <p:nvPr>
             <p:ph type="title"/>
           </p:nvPr>
         </p:nvSpPr>
         <p:spPr>
           <a:xfrm>
             <a:off x="457200" y="205200"/>
-            <a:ext cx="8228880" cy="858240"/>
+            <a:ext cx="8229240" cy="858600"/>
           </a:xfrm>
           <a:prstGeom prst="rect">
             <a:avLst/>
@@ -30665,7 +28357,7 @@
       </p:sp>
       <p:sp>
         <p:nvSpPr>
-          <p:cNvPr id="374" name="PlaceHolder 2"/>
+          <p:cNvPr id="375" name="PlaceHolder 3"/>
           <p:cNvSpPr>
             <a:spLocks noGrp="1"/>
           </p:cNvSpPr>
@@ -30676,7 +28368,7 @@
         <p:spPr>
           <a:xfrm>
             <a:off x="457200" y="1203480"/>
-            <a:ext cx="8228880" cy="2982600"/>
+            <a:ext cx="8229240" cy="2982960"/>
           </a:xfrm>
           <a:prstGeom prst="rect">
             <a:avLst/>
@@ -30842,75 +28534,6 @@
             </a:r>
             <a:endParaRPr b="0" lang="en-US" sz="2000" spc="-1" strike="noStrike">
               <a:latin typeface="Arial"/>
-            </a:endParaRPr>
-          </a:p>
-        </p:txBody>
-      </p:sp>
-      <p:sp>
-        <p:nvSpPr>
-          <p:cNvPr id="375" name="PlaceHolder 3"/>
-          <p:cNvSpPr>
-            <a:spLocks noGrp="1"/>
-          </p:cNvSpPr>
-          <p:nvPr>
-            <p:ph type="sldNum" idx="8"/>
-          </p:nvPr>
-        </p:nvSpPr>
-        <p:spPr>
-          <a:xfrm>
-            <a:off x="27000" y="4749840"/>
-            <a:ext cx="547920" cy="392760"/>
-          </a:xfrm>
-          <a:prstGeom prst="rect">
-            <a:avLst/>
-          </a:prstGeom>
-          <a:noFill/>
-          <a:ln w="0">
-            <a:noFill/>
-          </a:ln>
-        </p:spPr>
-        <p:txBody>
-          <a:bodyPr lIns="90000" rIns="90000" tIns="91440" bIns="91440" anchor="t">
-            <a:noAutofit/>
-          </a:bodyPr>
-          <a:lstStyle>
-            <a:lvl1pPr>
-              <a:lnSpc>
-                <a:spcPct val="100000"/>
-              </a:lnSpc>
-              <a:tabLst>
-                <a:tab algn="l" pos="0"/>
-              </a:tabLst>
-              <a:defRPr b="0" lang="en" sz="1200" spc="-1" strike="noStrike">
-                <a:solidFill>
-                  <a:srgbClr val="00ae9d"/>
-                </a:solidFill>
-                <a:latin typeface="Karla"/>
-                <a:ea typeface="Karla"/>
-              </a:defRPr>
-            </a:lvl1pPr>
-          </a:lstStyle>
-          <a:p>
-            <a:pPr>
-              <a:lnSpc>
-                <a:spcPct val="100000"/>
-              </a:lnSpc>
-              <a:tabLst>
-                <a:tab algn="l" pos="0"/>
-              </a:tabLst>
-            </a:pPr>
-            <a:fld id="{4559EBB2-AD88-4E1D-8082-97818163863E}" type="slidenum">
-              <a:rPr b="0" lang="en" sz="1200" spc="-1" strike="noStrike">
-                <a:solidFill>
-                  <a:srgbClr val="00ae9d"/>
-                </a:solidFill>
-                <a:latin typeface="Karla"/>
-                <a:ea typeface="Karla"/>
-              </a:rPr>
-              <a:t>&lt;number&gt;</a:t>
-            </a:fld>
-            <a:endParaRPr b="0" lang="en-US" sz="1200" spc="-1" strike="noStrike">
-              <a:latin typeface="Times New Roman"/>
             </a:endParaRPr>
           </a:p>
         </p:txBody>
@@ -30954,14 +28577,14 @@
       </p:grpSpPr>
       <p:sp>
         <p:nvSpPr>
-          <p:cNvPr id="602" name="TextBox 4"/>
+          <p:cNvPr id="556" name="TextBox 4"/>
           <p:cNvSpPr/>
           <p:nvPr/>
         </p:nvSpPr>
         <p:spPr>
           <a:xfrm>
             <a:off x="7149240" y="4774320"/>
-            <a:ext cx="3137400" cy="364320"/>
+            <a:ext cx="3137040" cy="363960"/>
           </a:xfrm>
           <a:prstGeom prst="rect">
             <a:avLst/>
@@ -31005,7 +28628,7 @@
       </p:sp>
       <p:pic>
         <p:nvPicPr>
-          <p:cNvPr id="603" name="" descr=""/>
+          <p:cNvPr id="557" name="" descr=""/>
           <p:cNvPicPr/>
           <p:nvPr/>
         </p:nvPicPr>
@@ -31015,8 +28638,8 @@
         </p:blipFill>
         <p:spPr>
           <a:xfrm>
-            <a:off x="0" y="0"/>
-            <a:ext cx="9143640" cy="5143320"/>
+            <a:off x="0" y="-36000"/>
+            <a:ext cx="9143280" cy="5142960"/>
           </a:xfrm>
           <a:prstGeom prst="rect">
             <a:avLst/>
@@ -31058,7 +28681,7 @@
       </p:grpSpPr>
       <p:pic>
         <p:nvPicPr>
-          <p:cNvPr id="634" name="" descr=""/>
+          <p:cNvPr id="588" name="" descr=""/>
           <p:cNvPicPr/>
           <p:nvPr/>
         </p:nvPicPr>
@@ -31069,7 +28692,7 @@
         <p:spPr>
           <a:xfrm>
             <a:off x="0" y="0"/>
-            <a:ext cx="9143640" cy="5143320"/>
+            <a:ext cx="9143280" cy="5142960"/>
           </a:xfrm>
           <a:prstGeom prst="rect">
             <a:avLst/>
@@ -31111,7 +28734,7 @@
       </p:grpSpPr>
       <p:sp>
         <p:nvSpPr>
-          <p:cNvPr id="635" name="PlaceHolder 1"/>
+          <p:cNvPr id="589" name="PlaceHolder 1"/>
           <p:cNvSpPr>
             <a:spLocks noGrp="1"/>
           </p:cNvSpPr>
@@ -31122,7 +28745,7 @@
         <p:spPr>
           <a:xfrm>
             <a:off x="886680" y="398520"/>
-            <a:ext cx="7369920" cy="856800"/>
+            <a:ext cx="7369560" cy="856440"/>
           </a:xfrm>
           <a:prstGeom prst="rect">
             <a:avLst/>
@@ -31160,7 +28783,7 @@
       </p:sp>
       <p:sp>
         <p:nvSpPr>
-          <p:cNvPr id="636" name="PlaceHolder 2"/>
+          <p:cNvPr id="590" name="PlaceHolder 2"/>
           <p:cNvSpPr>
             <a:spLocks noGrp="1"/>
           </p:cNvSpPr>
@@ -31171,7 +28794,7 @@
         <p:spPr>
           <a:xfrm>
             <a:off x="886680" y="1669680"/>
-            <a:ext cx="7369920" cy="3081600"/>
+            <a:ext cx="7369560" cy="3081240"/>
           </a:xfrm>
           <a:prstGeom prst="rect">
             <a:avLst/>
@@ -31244,18 +28867,18 @@
       </p:sp>
       <p:sp>
         <p:nvSpPr>
-          <p:cNvPr id="637" name="PlaceHolder 3"/>
-          <p:cNvSpPr>
-            <a:spLocks noGrp="1"/>
-          </p:cNvSpPr>
-          <p:nvPr>
-            <p:ph type="sldNum" idx="19"/>
+          <p:cNvPr id="591" name="PlaceHolder 3"/>
+          <p:cNvSpPr>
+            <a:spLocks noGrp="1"/>
+          </p:cNvSpPr>
+          <p:nvPr>
+            <p:ph type="sldNum" idx="18"/>
           </p:nvPr>
         </p:nvSpPr>
         <p:spPr>
           <a:xfrm>
             <a:off x="27000" y="4749840"/>
-            <a:ext cx="547920" cy="392760"/>
+            <a:ext cx="547560" cy="392400"/>
           </a:xfrm>
           <a:prstGeom prst="rect">
             <a:avLst/>
@@ -31295,7 +28918,7 @@
                 <a:tab algn="l" pos="0"/>
               </a:tabLst>
             </a:pPr>
-            <a:fld id="{2EF844E9-6962-4FDF-A2C7-0FF782524926}" type="slidenum">
+            <a:fld id="{D949651E-F158-4C31-A99F-22D70900A6B1}" type="slidenum">
               <a:rPr b="0" lang="en" sz="1200" spc="-1" strike="noStrike">
                 <a:solidFill>
                   <a:srgbClr val="00ae9d"/>
@@ -31313,14 +28936,14 @@
       </p:sp>
       <p:sp>
         <p:nvSpPr>
-          <p:cNvPr id="638" name="TextBox 6"/>
+          <p:cNvPr id="592" name="TextBox 6"/>
           <p:cNvSpPr/>
           <p:nvPr/>
         </p:nvSpPr>
         <p:spPr>
           <a:xfrm>
             <a:off x="6400800" y="4779000"/>
-            <a:ext cx="2285640" cy="364320"/>
+            <a:ext cx="2285280" cy="363960"/>
           </a:xfrm>
           <a:prstGeom prst="rect">
             <a:avLst/>
@@ -31374,7 +28997,7 @@
       </p:sp>
       <p:sp>
         <p:nvSpPr>
-          <p:cNvPr id="639" name="PlaceHolder 4"/>
+          <p:cNvPr id="593" name="PlaceHolder 4"/>
           <p:cNvSpPr>
             <a:spLocks noGrp="1"/>
           </p:cNvSpPr>
@@ -31385,7 +29008,7 @@
         <p:spPr>
           <a:xfrm>
             <a:off x="686160" y="1702080"/>
-            <a:ext cx="7369920" cy="2640960"/>
+            <a:ext cx="7369560" cy="2640600"/>
           </a:xfrm>
           <a:prstGeom prst="rect">
             <a:avLst/>
@@ -31517,7 +29140,7 @@
       </p:grpSpPr>
       <p:sp>
         <p:nvSpPr>
-          <p:cNvPr id="640" name="PlaceHolder 1"/>
+          <p:cNvPr id="594" name="PlaceHolder 1"/>
           <p:cNvSpPr>
             <a:spLocks noGrp="1"/>
           </p:cNvSpPr>
@@ -31528,7 +29151,7 @@
         <p:spPr>
           <a:xfrm>
             <a:off x="886680" y="398520"/>
-            <a:ext cx="7369920" cy="856800"/>
+            <a:ext cx="7369560" cy="856440"/>
           </a:xfrm>
           <a:prstGeom prst="rect">
             <a:avLst/>
@@ -31566,7 +29189,7 @@
       </p:sp>
       <p:sp>
         <p:nvSpPr>
-          <p:cNvPr id="641" name="PlaceHolder 2"/>
+          <p:cNvPr id="595" name="PlaceHolder 2"/>
           <p:cNvSpPr>
             <a:spLocks noGrp="1"/>
           </p:cNvSpPr>
@@ -31577,7 +29200,7 @@
         <p:spPr>
           <a:xfrm>
             <a:off x="1053720" y="1694880"/>
-            <a:ext cx="6657120" cy="3081600"/>
+            <a:ext cx="6656760" cy="3081240"/>
           </a:xfrm>
           <a:prstGeom prst="rect">
             <a:avLst/>
@@ -31650,18 +29273,18 @@
       </p:sp>
       <p:sp>
         <p:nvSpPr>
-          <p:cNvPr id="642" name="PlaceHolder 3"/>
-          <p:cNvSpPr>
-            <a:spLocks noGrp="1"/>
-          </p:cNvSpPr>
-          <p:nvPr>
-            <p:ph type="sldNum" idx="20"/>
+          <p:cNvPr id="596" name="PlaceHolder 3"/>
+          <p:cNvSpPr>
+            <a:spLocks noGrp="1"/>
+          </p:cNvSpPr>
+          <p:nvPr>
+            <p:ph type="sldNum" idx="19"/>
           </p:nvPr>
         </p:nvSpPr>
         <p:spPr>
           <a:xfrm>
             <a:off x="27000" y="4749840"/>
-            <a:ext cx="547920" cy="392760"/>
+            <a:ext cx="547560" cy="392400"/>
           </a:xfrm>
           <a:prstGeom prst="rect">
             <a:avLst/>
@@ -31701,7 +29324,7 @@
                 <a:tab algn="l" pos="0"/>
               </a:tabLst>
             </a:pPr>
-            <a:fld id="{C1F70FAC-129C-4D3C-BE96-8D04468D043C}" type="slidenum">
+            <a:fld id="{F551C8E7-AD72-48BE-830F-1D4A844468C8}" type="slidenum">
               <a:rPr b="0" lang="en" sz="1200" spc="-1" strike="noStrike">
                 <a:solidFill>
                   <a:srgbClr val="00ae9d"/>
@@ -31719,14 +29342,14 @@
       </p:sp>
       <p:sp>
         <p:nvSpPr>
-          <p:cNvPr id="643" name="TextBox 9"/>
+          <p:cNvPr id="597" name="TextBox 9"/>
           <p:cNvSpPr/>
           <p:nvPr/>
         </p:nvSpPr>
         <p:spPr>
           <a:xfrm>
             <a:off x="6400800" y="4779000"/>
-            <a:ext cx="2285640" cy="364320"/>
+            <a:ext cx="2285280" cy="363960"/>
           </a:xfrm>
           <a:prstGeom prst="rect">
             <a:avLst/>
@@ -31780,7 +29403,7 @@
       </p:sp>
       <p:sp>
         <p:nvSpPr>
-          <p:cNvPr id="644" name="PlaceHolder 4"/>
+          <p:cNvPr id="598" name="PlaceHolder 4"/>
           <p:cNvSpPr>
             <a:spLocks noGrp="1"/>
           </p:cNvSpPr>
@@ -31791,7 +29414,7 @@
         <p:spPr>
           <a:xfrm>
             <a:off x="686160" y="1702080"/>
-            <a:ext cx="7369920" cy="2640960"/>
+            <a:ext cx="7369560" cy="2640600"/>
           </a:xfrm>
           <a:prstGeom prst="rect">
             <a:avLst/>
@@ -31825,7 +29448,59 @@
                 <a:latin typeface="Karla"/>
                 <a:ea typeface="Karla"/>
               </a:rPr>
-              <a:t>Global scale (everyone everywhere just like the Internet is now)</a:t>
+              <a:t>Global scale (everyone everywhere just like the Internet is now).</a:t>
+            </a:r>
+            <a:endParaRPr b="0" lang="en-US" sz="1900" spc="-1" strike="noStrike">
+              <a:latin typeface="Arial"/>
+            </a:endParaRPr>
+          </a:p>
+          <a:p>
+            <a:pPr marL="76320">
+              <a:lnSpc>
+                <a:spcPct val="100000"/>
+              </a:lnSpc>
+              <a:spcBef>
+                <a:spcPts val="601"/>
+              </a:spcBef>
+              <a:tabLst>
+                <a:tab algn="l" pos="0"/>
+              </a:tabLst>
+            </a:pPr>
+            <a:r>
+              <a:rPr b="0" lang="en-US" sz="1900" spc="-1" strike="noStrike">
+                <a:solidFill>
+                  <a:srgbClr val="004c52"/>
+                </a:solidFill>
+                <a:latin typeface="Karla"/>
+                <a:ea typeface="Karla"/>
+              </a:rPr>
+              <a:t>It must have a massively scaled number of virtual</a:t>
+            </a:r>
+            <a:endParaRPr b="0" lang="en-US" sz="1900" spc="-1" strike="noStrike">
+              <a:latin typeface="Arial"/>
+            </a:endParaRPr>
+          </a:p>
+          <a:p>
+            <a:pPr marL="76320">
+              <a:lnSpc>
+                <a:spcPct val="100000"/>
+              </a:lnSpc>
+              <a:spcBef>
+                <a:spcPts val="601"/>
+              </a:spcBef>
+              <a:tabLst>
+                <a:tab algn="l" pos="0"/>
+              </a:tabLst>
+            </a:pPr>
+            <a:r>
+              <a:rPr b="0" lang="en-US" sz="1900" spc="-1" strike="noStrike">
+                <a:solidFill>
+                  <a:srgbClr val="004c52"/>
+                </a:solidFill>
+                <a:latin typeface="Karla"/>
+                <a:ea typeface="Karla"/>
+              </a:rPr>
+              <a:t>worlds if it is to be “the Metaverse.”</a:t>
             </a:r>
             <a:endParaRPr b="0" lang="en-US" sz="1900" spc="-1" strike="noStrike">
               <a:latin typeface="Arial"/>
@@ -31897,7 +29572,7 @@
       </p:grpSpPr>
       <p:sp>
         <p:nvSpPr>
-          <p:cNvPr id="645" name="PlaceHolder 1"/>
+          <p:cNvPr id="599" name="PlaceHolder 1"/>
           <p:cNvSpPr>
             <a:spLocks noGrp="1"/>
           </p:cNvSpPr>
@@ -31908,7 +29583,7 @@
         <p:spPr>
           <a:xfrm>
             <a:off x="886680" y="398520"/>
-            <a:ext cx="7369920" cy="856800"/>
+            <a:ext cx="7369560" cy="856440"/>
           </a:xfrm>
           <a:prstGeom prst="rect">
             <a:avLst/>
@@ -31936,7 +29611,7 @@
                 <a:latin typeface="Raleway"/>
                 <a:ea typeface="Raleway"/>
               </a:rPr>
-              <a:t>Virtual world</a:t>
+              <a:t>Massively Scaled( Metagalaxies )</a:t>
             </a:r>
             <a:endParaRPr b="0" lang="en-US" sz="2400" spc="-1" strike="noStrike">
               <a:latin typeface="Arial"/>
@@ -31946,7 +29621,7 @@
       </p:sp>
       <p:sp>
         <p:nvSpPr>
-          <p:cNvPr id="646" name="PlaceHolder 2"/>
+          <p:cNvPr id="600" name="PlaceHolder 2"/>
           <p:cNvSpPr>
             <a:spLocks noGrp="1"/>
           </p:cNvSpPr>
@@ -31956,8 +29631,8 @@
         </p:nvSpPr>
         <p:spPr>
           <a:xfrm>
-            <a:off x="886680" y="1669680"/>
-            <a:ext cx="7369920" cy="3081600"/>
+            <a:off x="1053720" y="1694880"/>
+            <a:ext cx="6656760" cy="3081240"/>
           </a:xfrm>
           <a:prstGeom prst="rect">
             <a:avLst/>
@@ -32030,18 +29705,18 @@
       </p:sp>
       <p:sp>
         <p:nvSpPr>
-          <p:cNvPr id="647" name="PlaceHolder 3"/>
-          <p:cNvSpPr>
-            <a:spLocks noGrp="1"/>
-          </p:cNvSpPr>
-          <p:nvPr>
-            <p:ph type="sldNum" idx="21"/>
+          <p:cNvPr id="601" name="PlaceHolder 3"/>
+          <p:cNvSpPr>
+            <a:spLocks noGrp="1"/>
+          </p:cNvSpPr>
+          <p:nvPr>
+            <p:ph type="sldNum" idx="20"/>
           </p:nvPr>
         </p:nvSpPr>
         <p:spPr>
           <a:xfrm>
             <a:off x="27000" y="4749840"/>
-            <a:ext cx="547920" cy="392760"/>
+            <a:ext cx="547560" cy="392400"/>
           </a:xfrm>
           <a:prstGeom prst="rect">
             <a:avLst/>
@@ -32081,7 +29756,7 @@
                 <a:tab algn="l" pos="0"/>
               </a:tabLst>
             </a:pPr>
-            <a:fld id="{C9952671-07BF-4891-98B9-7EF5661FA2A7}" type="slidenum">
+            <a:fld id="{D9C1C793-1201-40E6-97F7-2D0C7FE50D2E}" type="slidenum">
               <a:rPr b="0" lang="en" sz="1200" spc="-1" strike="noStrike">
                 <a:solidFill>
                   <a:srgbClr val="00ae9d"/>
@@ -32099,14 +29774,14 @@
       </p:sp>
       <p:sp>
         <p:nvSpPr>
-          <p:cNvPr id="648" name="TextBox 10"/>
+          <p:cNvPr id="602" name="TextBox 18"/>
           <p:cNvSpPr/>
           <p:nvPr/>
         </p:nvSpPr>
         <p:spPr>
           <a:xfrm>
             <a:off x="6400800" y="4779000"/>
-            <a:ext cx="2285640" cy="364320"/>
+            <a:ext cx="2285280" cy="363960"/>
           </a:xfrm>
           <a:prstGeom prst="rect">
             <a:avLst/>
@@ -32160,7 +29835,7 @@
       </p:sp>
       <p:sp>
         <p:nvSpPr>
-          <p:cNvPr id="649" name="PlaceHolder 4"/>
+          <p:cNvPr id="603" name="PlaceHolder 4"/>
           <p:cNvSpPr>
             <a:spLocks noGrp="1"/>
           </p:cNvSpPr>
@@ -32171,7 +29846,7 @@
         <p:spPr>
           <a:xfrm>
             <a:off x="686160" y="1702080"/>
-            <a:ext cx="7369920" cy="2640960"/>
+            <a:ext cx="7369560" cy="2640600"/>
           </a:xfrm>
           <a:prstGeom prst="rect">
             <a:avLst/>
@@ -32205,7 +29880,75 @@
                 <a:latin typeface="Karla"/>
                 <a:ea typeface="Karla"/>
               </a:rPr>
-              <a:t>A virtual world is a virtual space</a:t>
+              <a:t>Within the Metaverse, there might be “metagalaxies,” a collection of virtual worlds that all operate under a single authority and that are clearly connected by a visual layer.</a:t>
+            </a:r>
+            <a:endParaRPr b="0" lang="en-US" sz="1900" spc="-1" strike="noStrike">
+              <a:latin typeface="Arial"/>
+            </a:endParaRPr>
+          </a:p>
+          <a:p>
+            <a:pPr marL="76320">
+              <a:lnSpc>
+                <a:spcPct val="100000"/>
+              </a:lnSpc>
+              <a:spcBef>
+                <a:spcPts val="601"/>
+              </a:spcBef>
+              <a:tabLst>
+                <a:tab algn="l" pos="0"/>
+              </a:tabLst>
+            </a:pPr>
+            <a:endParaRPr b="0" lang="en-US" sz="1900" spc="-1" strike="noStrike">
+              <a:latin typeface="Arial"/>
+            </a:endParaRPr>
+          </a:p>
+          <a:p>
+            <a:pPr marL="76320">
+              <a:lnSpc>
+                <a:spcPct val="100000"/>
+              </a:lnSpc>
+              <a:spcBef>
+                <a:spcPts val="601"/>
+              </a:spcBef>
+              <a:tabLst>
+                <a:tab algn="l" pos="0"/>
+              </a:tabLst>
+            </a:pPr>
+            <a:r>
+              <a:rPr b="0" lang="en-US" sz="1900" spc="-1" strike="noStrike">
+                <a:solidFill>
+                  <a:srgbClr val="004c52"/>
+                </a:solidFill>
+                <a:latin typeface="Karla"/>
+                <a:ea typeface="Karla"/>
+              </a:rPr>
+              <a:t>One way to think about a Metagalaxy is to think of Facebook’s role in the internet.</a:t>
+            </a:r>
+            <a:endParaRPr b="0" lang="en-US" sz="1900" spc="-1" strike="noStrike">
+              <a:latin typeface="Arial"/>
+            </a:endParaRPr>
+          </a:p>
+          <a:p>
+            <a:pPr marL="76320">
+              <a:lnSpc>
+                <a:spcPct val="100000"/>
+              </a:lnSpc>
+              <a:spcBef>
+                <a:spcPts val="601"/>
+              </a:spcBef>
+              <a:tabLst>
+                <a:tab algn="l" pos="0"/>
+              </a:tabLst>
+            </a:pPr>
+            <a:r>
+              <a:rPr b="0" lang="en-US" sz="1900" spc="-1" strike="noStrike">
+                <a:solidFill>
+                  <a:srgbClr val="004c52"/>
+                </a:solidFill>
+                <a:latin typeface="Karla"/>
+                <a:ea typeface="Karla"/>
+              </a:rPr>
+              <a:t>In a simplified sense, it’s today’s version of a 2D Metagalaxy</a:t>
             </a:r>
             <a:endParaRPr b="0" lang="en-US" sz="1900" spc="-1" strike="noStrike">
               <a:latin typeface="Arial"/>
@@ -32277,7 +30020,7 @@
       </p:grpSpPr>
       <p:sp>
         <p:nvSpPr>
-          <p:cNvPr id="650" name="PlaceHolder 1"/>
+          <p:cNvPr id="604" name="PlaceHolder 1"/>
           <p:cNvSpPr>
             <a:spLocks noGrp="1"/>
           </p:cNvSpPr>
@@ -32288,7 +30031,7 @@
         <p:spPr>
           <a:xfrm>
             <a:off x="886680" y="398520"/>
-            <a:ext cx="7369920" cy="856800"/>
+            <a:ext cx="7369560" cy="856440"/>
           </a:xfrm>
           <a:prstGeom prst="rect">
             <a:avLst/>
@@ -32316,7 +30059,7 @@
                 <a:latin typeface="Raleway"/>
                 <a:ea typeface="Raleway"/>
               </a:rPr>
-              <a:t>Interoperability</a:t>
+              <a:t>Virtual world</a:t>
             </a:r>
             <a:endParaRPr b="0" lang="en-US" sz="2400" spc="-1" strike="noStrike">
               <a:latin typeface="Arial"/>
@@ -32326,7 +30069,7 @@
       </p:sp>
       <p:sp>
         <p:nvSpPr>
-          <p:cNvPr id="651" name="PlaceHolder 2"/>
+          <p:cNvPr id="605" name="PlaceHolder 2"/>
           <p:cNvSpPr>
             <a:spLocks noGrp="1"/>
           </p:cNvSpPr>
@@ -32337,7 +30080,7 @@
         <p:spPr>
           <a:xfrm>
             <a:off x="886680" y="1669680"/>
-            <a:ext cx="7369920" cy="3081600"/>
+            <a:ext cx="7369560" cy="3081240"/>
           </a:xfrm>
           <a:prstGeom prst="rect">
             <a:avLst/>
@@ -32410,18 +30153,18 @@
       </p:sp>
       <p:sp>
         <p:nvSpPr>
-          <p:cNvPr id="652" name="PlaceHolder 3"/>
-          <p:cNvSpPr>
-            <a:spLocks noGrp="1"/>
-          </p:cNvSpPr>
-          <p:nvPr>
-            <p:ph type="sldNum" idx="22"/>
+          <p:cNvPr id="606" name="PlaceHolder 3"/>
+          <p:cNvSpPr>
+            <a:spLocks noGrp="1"/>
+          </p:cNvSpPr>
+          <p:nvPr>
+            <p:ph type="sldNum" idx="21"/>
           </p:nvPr>
         </p:nvSpPr>
         <p:spPr>
           <a:xfrm>
             <a:off x="27000" y="4749840"/>
-            <a:ext cx="547920" cy="392760"/>
+            <a:ext cx="547560" cy="392400"/>
           </a:xfrm>
           <a:prstGeom prst="rect">
             <a:avLst/>
@@ -32461,7 +30204,7 @@
                 <a:tab algn="l" pos="0"/>
               </a:tabLst>
             </a:pPr>
-            <a:fld id="{3FAE70E2-2C5B-49D5-B826-9CA05873CFBF}" type="slidenum">
+            <a:fld id="{C251D093-CEFD-47A6-A619-96A1A804FBD6}" type="slidenum">
               <a:rPr b="0" lang="en" sz="1200" spc="-1" strike="noStrike">
                 <a:solidFill>
                   <a:srgbClr val="00ae9d"/>
@@ -32479,14 +30222,14 @@
       </p:sp>
       <p:sp>
         <p:nvSpPr>
-          <p:cNvPr id="653" name="TextBox 11"/>
+          <p:cNvPr id="607" name="TextBox 10"/>
           <p:cNvSpPr/>
           <p:nvPr/>
         </p:nvSpPr>
         <p:spPr>
           <a:xfrm>
             <a:off x="6400800" y="4779000"/>
-            <a:ext cx="2285640" cy="364320"/>
+            <a:ext cx="2285280" cy="363960"/>
           </a:xfrm>
           <a:prstGeom prst="rect">
             <a:avLst/>
@@ -32540,7 +30283,7 @@
       </p:sp>
       <p:sp>
         <p:nvSpPr>
-          <p:cNvPr id="654" name="PlaceHolder 4"/>
+          <p:cNvPr id="608" name="PlaceHolder 4"/>
           <p:cNvSpPr>
             <a:spLocks noGrp="1"/>
           </p:cNvSpPr>
@@ -32551,7 +30294,7 @@
         <p:spPr>
           <a:xfrm>
             <a:off x="686160" y="1702080"/>
-            <a:ext cx="7369920" cy="2640960"/>
+            <a:ext cx="7369560" cy="2640600"/>
           </a:xfrm>
           <a:prstGeom prst="rect">
             <a:avLst/>
@@ -32585,7 +30328,7 @@
                 <a:latin typeface="Karla"/>
                 <a:ea typeface="Karla"/>
               </a:rPr>
-              <a:t>Interoperability  refers to the ability for different autonomous systems or independently-operated simulations,</a:t>
+              <a:t>For decades, the primary reason to build a virtual world was for a video game, such as The Legend of Zelda or Call of Duty, or as part of a feature film, such as those of Disney’s Pixar or for Warner Bros.’ The Matrix. </a:t>
             </a:r>
             <a:endParaRPr b="0" lang="en-US" sz="1900" spc="-1" strike="noStrike">
               <a:latin typeface="Arial"/>
@@ -32603,6 +30346,32 @@
                 <a:tab algn="l" pos="0"/>
               </a:tabLst>
             </a:pPr>
+            <a:endParaRPr b="0" lang="en-US" sz="1900" spc="-1" strike="noStrike">
+              <a:latin typeface="Arial"/>
+            </a:endParaRPr>
+          </a:p>
+          <a:p>
+            <a:pPr marL="76320">
+              <a:lnSpc>
+                <a:spcPct val="100000"/>
+              </a:lnSpc>
+              <a:spcBef>
+                <a:spcPts val="601"/>
+              </a:spcBef>
+              <a:tabLst>
+                <a:tab algn="l" pos="0"/>
+              </a:tabLst>
+            </a:pPr>
+            <a:r>
+              <a:rPr b="0" lang="en-US" sz="1900" spc="-1" strike="noStrike">
+                <a:solidFill>
+                  <a:srgbClr val="004c52"/>
+                </a:solidFill>
+                <a:latin typeface="Karla"/>
+                <a:ea typeface="Karla"/>
+              </a:rPr>
+              <a:t>This is why the Metaverse is often misdescribed as a game or entertainment experience.</a:t>
+            </a:r>
             <a:endParaRPr b="0" lang="en-US" sz="1900" spc="-1" strike="noStrike">
               <a:latin typeface="Arial"/>
             </a:endParaRPr>
@@ -32689,7 +30458,7 @@
       </p:grpSpPr>
       <p:sp>
         <p:nvSpPr>
-          <p:cNvPr id="655" name="PlaceHolder 1"/>
+          <p:cNvPr id="609" name="PlaceHolder 1"/>
           <p:cNvSpPr>
             <a:spLocks noGrp="1"/>
           </p:cNvSpPr>
@@ -32700,7 +30469,7 @@
         <p:spPr>
           <a:xfrm>
             <a:off x="886680" y="398520"/>
-            <a:ext cx="7369920" cy="856800"/>
+            <a:ext cx="7369560" cy="856440"/>
           </a:xfrm>
           <a:prstGeom prst="rect">
             <a:avLst/>
@@ -32728,7 +30497,7 @@
                 <a:latin typeface="Raleway"/>
                 <a:ea typeface="Raleway"/>
               </a:rPr>
-              <a:t>Real-Time</a:t>
+              <a:t>Virtual world</a:t>
             </a:r>
             <a:endParaRPr b="0" lang="en-US" sz="2400" spc="-1" strike="noStrike">
               <a:latin typeface="Arial"/>
@@ -32738,7 +30507,7 @@
       </p:sp>
       <p:sp>
         <p:nvSpPr>
-          <p:cNvPr id="656" name="PlaceHolder 2"/>
+          <p:cNvPr id="610" name="PlaceHolder 2"/>
           <p:cNvSpPr>
             <a:spLocks noGrp="1"/>
           </p:cNvSpPr>
@@ -32749,7 +30518,7 @@
         <p:spPr>
           <a:xfrm>
             <a:off x="886680" y="1669680"/>
-            <a:ext cx="7369920" cy="3081600"/>
+            <a:ext cx="7369560" cy="3081240"/>
           </a:xfrm>
           <a:prstGeom prst="rect">
             <a:avLst/>
@@ -32822,18 +30591,18 @@
       </p:sp>
       <p:sp>
         <p:nvSpPr>
-          <p:cNvPr id="657" name="PlaceHolder 3"/>
-          <p:cNvSpPr>
-            <a:spLocks noGrp="1"/>
-          </p:cNvSpPr>
-          <p:nvPr>
-            <p:ph type="sldNum" idx="23"/>
+          <p:cNvPr id="611" name="PlaceHolder 3"/>
+          <p:cNvSpPr>
+            <a:spLocks noGrp="1"/>
+          </p:cNvSpPr>
+          <p:nvPr>
+            <p:ph type="sldNum" idx="22"/>
           </p:nvPr>
         </p:nvSpPr>
         <p:spPr>
           <a:xfrm>
             <a:off x="27000" y="4749840"/>
-            <a:ext cx="547920" cy="392760"/>
+            <a:ext cx="547560" cy="392400"/>
           </a:xfrm>
           <a:prstGeom prst="rect">
             <a:avLst/>
@@ -32873,7 +30642,7 @@
                 <a:tab algn="l" pos="0"/>
               </a:tabLst>
             </a:pPr>
-            <a:fld id="{1DB93716-BBED-4822-A63C-9DADB09364A7}" type="slidenum">
+            <a:fld id="{F35A063C-113F-4B71-906F-8762B143B054}" type="slidenum">
               <a:rPr b="0" lang="en" sz="1200" spc="-1" strike="noStrike">
                 <a:solidFill>
                   <a:srgbClr val="00ae9d"/>
@@ -32891,14 +30660,14 @@
       </p:sp>
       <p:sp>
         <p:nvSpPr>
-          <p:cNvPr id="658" name="TextBox 12"/>
+          <p:cNvPr id="612" name="TextBox 14"/>
           <p:cNvSpPr/>
           <p:nvPr/>
         </p:nvSpPr>
         <p:spPr>
           <a:xfrm>
             <a:off x="6400800" y="4779000"/>
-            <a:ext cx="2285640" cy="364320"/>
+            <a:ext cx="2285280" cy="363960"/>
           </a:xfrm>
           <a:prstGeom prst="rect">
             <a:avLst/>
@@ -32952,7 +30721,7 @@
       </p:sp>
       <p:sp>
         <p:nvSpPr>
-          <p:cNvPr id="659" name="PlaceHolder 4"/>
+          <p:cNvPr id="613" name="PlaceHolder 4"/>
           <p:cNvSpPr>
             <a:spLocks noGrp="1"/>
           </p:cNvSpPr>
@@ -32963,7 +30732,7 @@
         <p:spPr>
           <a:xfrm>
             <a:off x="686160" y="1702080"/>
-            <a:ext cx="7369920" cy="2640960"/>
+            <a:ext cx="7369560" cy="2640600"/>
           </a:xfrm>
           <a:prstGeom prst="rect">
             <a:avLst/>
@@ -32997,7 +30766,7 @@
                 <a:latin typeface="Karla"/>
                 <a:ea typeface="Karla"/>
               </a:rPr>
-              <a:t>Real-time rendering refers to the process of generating a computer image as we experience it in near real-time</a:t>
+              <a:t>virtual worlds can reproduce the “real world” exactly.</a:t>
             </a:r>
             <a:endParaRPr b="0" lang="en-US" sz="1900" spc="-1" strike="noStrike">
               <a:latin typeface="Arial"/>
@@ -33031,22 +30800,16 @@
                 <a:tab algn="l" pos="0"/>
               </a:tabLst>
             </a:pPr>
-            <a:endParaRPr b="0" lang="en-US" sz="1900" spc="-1" strike="noStrike">
-              <a:latin typeface="Arial"/>
-            </a:endParaRPr>
-          </a:p>
-          <a:p>
-            <a:pPr marL="76320">
-              <a:lnSpc>
-                <a:spcPct val="100000"/>
-              </a:lnSpc>
-              <a:spcBef>
-                <a:spcPts val="601"/>
-              </a:spcBef>
-              <a:tabLst>
-                <a:tab algn="l" pos="0"/>
-              </a:tabLst>
-            </a:pPr>
+            <a:r>
+              <a:rPr b="0" lang="en-US" sz="1900" spc="-1" strike="noStrike">
+                <a:solidFill>
+                  <a:srgbClr val="004c52"/>
+                </a:solidFill>
+                <a:latin typeface="Karla"/>
+                <a:ea typeface="Karla"/>
+              </a:rPr>
+              <a:t>The purpose of a virtual world can be “game-like,” which is to say there is an objective such as winning, killing, scoring, defeating, or solving, or the purpose can be “non-game-like” with objectives such as educational or vocational training, commerce, socializing, meditation, fitness, and more.</a:t>
+            </a:r>
             <a:endParaRPr b="0" lang="en-US" sz="1900" spc="-1" strike="noStrike">
               <a:latin typeface="Arial"/>
             </a:endParaRPr>
@@ -33133,7 +30896,7 @@
       </p:grpSpPr>
       <p:sp>
         <p:nvSpPr>
-          <p:cNvPr id="660" name="PlaceHolder 1"/>
+          <p:cNvPr id="614" name="PlaceHolder 1"/>
           <p:cNvSpPr>
             <a:spLocks noGrp="1"/>
           </p:cNvSpPr>
@@ -33144,7 +30907,7 @@
         <p:spPr>
           <a:xfrm>
             <a:off x="886680" y="398520"/>
-            <a:ext cx="7369920" cy="856800"/>
+            <a:ext cx="7369560" cy="856440"/>
           </a:xfrm>
           <a:prstGeom prst="rect">
             <a:avLst/>
@@ -33172,7 +30935,7 @@
                 <a:latin typeface="Raleway"/>
                 <a:ea typeface="Raleway"/>
               </a:rPr>
-              <a:t>Synchronous </a:t>
+              <a:t>Interoperability</a:t>
             </a:r>
             <a:endParaRPr b="0" lang="en-US" sz="2400" spc="-1" strike="noStrike">
               <a:latin typeface="Arial"/>
@@ -33182,7 +30945,7 @@
       </p:sp>
       <p:sp>
         <p:nvSpPr>
-          <p:cNvPr id="661" name="PlaceHolder 2"/>
+          <p:cNvPr id="615" name="PlaceHolder 2"/>
           <p:cNvSpPr>
             <a:spLocks noGrp="1"/>
           </p:cNvSpPr>
@@ -33193,7 +30956,7 @@
         <p:spPr>
           <a:xfrm>
             <a:off x="886680" y="1669680"/>
-            <a:ext cx="7369920" cy="3081600"/>
+            <a:ext cx="7369560" cy="3081240"/>
           </a:xfrm>
           <a:prstGeom prst="rect">
             <a:avLst/>
@@ -33266,18 +31029,18 @@
       </p:sp>
       <p:sp>
         <p:nvSpPr>
-          <p:cNvPr id="662" name="PlaceHolder 3"/>
-          <p:cNvSpPr>
-            <a:spLocks noGrp="1"/>
-          </p:cNvSpPr>
-          <p:nvPr>
-            <p:ph type="sldNum" idx="24"/>
+          <p:cNvPr id="616" name="PlaceHolder 3"/>
+          <p:cNvSpPr>
+            <a:spLocks noGrp="1"/>
+          </p:cNvSpPr>
+          <p:nvPr>
+            <p:ph type="sldNum" idx="23"/>
           </p:nvPr>
         </p:nvSpPr>
         <p:spPr>
           <a:xfrm>
             <a:off x="27000" y="4749840"/>
-            <a:ext cx="547920" cy="392760"/>
+            <a:ext cx="547560" cy="392400"/>
           </a:xfrm>
           <a:prstGeom prst="rect">
             <a:avLst/>
@@ -33317,7 +31080,7 @@
                 <a:tab algn="l" pos="0"/>
               </a:tabLst>
             </a:pPr>
-            <a:fld id="{693E1CAE-2067-402A-A505-188FA8F61E18}" type="slidenum">
+            <a:fld id="{45B35679-C201-4CA9-84B9-28AFE2B62EEA}" type="slidenum">
               <a:rPr b="0" lang="en" sz="1200" spc="-1" strike="noStrike">
                 <a:solidFill>
                   <a:srgbClr val="00ae9d"/>
@@ -33335,14 +31098,14 @@
       </p:sp>
       <p:sp>
         <p:nvSpPr>
-          <p:cNvPr id="663" name="TextBox 16"/>
+          <p:cNvPr id="617" name="TextBox 11"/>
           <p:cNvSpPr/>
           <p:nvPr/>
         </p:nvSpPr>
         <p:spPr>
           <a:xfrm>
             <a:off x="6400800" y="4779000"/>
-            <a:ext cx="2285640" cy="364320"/>
+            <a:ext cx="2285280" cy="363960"/>
           </a:xfrm>
           <a:prstGeom prst="rect">
             <a:avLst/>
@@ -33396,7 +31159,7 @@
       </p:sp>
       <p:sp>
         <p:nvSpPr>
-          <p:cNvPr id="664" name="PlaceHolder 4"/>
+          <p:cNvPr id="618" name="PlaceHolder 4"/>
           <p:cNvSpPr>
             <a:spLocks noGrp="1"/>
           </p:cNvSpPr>
@@ -33407,7 +31170,7 @@
         <p:spPr>
           <a:xfrm>
             <a:off x="686160" y="1702080"/>
-            <a:ext cx="7369920" cy="2640960"/>
+            <a:ext cx="7369560" cy="2640600"/>
           </a:xfrm>
           <a:prstGeom prst="rect">
             <a:avLst/>
@@ -33441,56 +31204,8 @@
                 <a:latin typeface="Karla"/>
                 <a:ea typeface="Karla"/>
               </a:rPr>
-              <a:t>Synchronous means that we’re in a shared experience.</a:t>
+              <a:t>User’s ability to take her virtual “content,” such as an avatar or a backpack, from one virtual world to another, where it might also be changed, sold, or remixed with other goods.</a:t>
             </a:r>
-            <a:endParaRPr b="0" lang="en-US" sz="1900" spc="-1" strike="noStrike">
-              <a:latin typeface="Arial"/>
-            </a:endParaRPr>
-          </a:p>
-          <a:p>
-            <a:pPr marL="76320">
-              <a:lnSpc>
-                <a:spcPct val="100000"/>
-              </a:lnSpc>
-              <a:spcBef>
-                <a:spcPts val="601"/>
-              </a:spcBef>
-              <a:tabLst>
-                <a:tab algn="l" pos="0"/>
-              </a:tabLst>
-            </a:pPr>
-            <a:endParaRPr b="0" lang="en-US" sz="1900" spc="-1" strike="noStrike">
-              <a:latin typeface="Arial"/>
-            </a:endParaRPr>
-          </a:p>
-          <a:p>
-            <a:pPr marL="76320">
-              <a:lnSpc>
-                <a:spcPct val="100000"/>
-              </a:lnSpc>
-              <a:spcBef>
-                <a:spcPts val="601"/>
-              </a:spcBef>
-              <a:tabLst>
-                <a:tab algn="l" pos="0"/>
-              </a:tabLst>
-            </a:pPr>
-            <a:endParaRPr b="0" lang="en-US" sz="1900" spc="-1" strike="noStrike">
-              <a:latin typeface="Arial"/>
-            </a:endParaRPr>
-          </a:p>
-          <a:p>
-            <a:pPr marL="76320">
-              <a:lnSpc>
-                <a:spcPct val="100000"/>
-              </a:lnSpc>
-              <a:spcBef>
-                <a:spcPts val="601"/>
-              </a:spcBef>
-              <a:tabLst>
-                <a:tab algn="l" pos="0"/>
-              </a:tabLst>
-            </a:pPr>
             <a:endParaRPr b="0" lang="en-US" sz="1900" spc="-1" strike="noStrike">
               <a:latin typeface="Arial"/>
             </a:endParaRPr>
@@ -33609,7 +31324,7 @@
       </p:grpSpPr>
       <p:sp>
         <p:nvSpPr>
-          <p:cNvPr id="665" name="PlaceHolder 1"/>
+          <p:cNvPr id="619" name="PlaceHolder 1"/>
           <p:cNvSpPr>
             <a:spLocks noGrp="1"/>
           </p:cNvSpPr>
@@ -33620,7 +31335,7 @@
         <p:spPr>
           <a:xfrm>
             <a:off x="886680" y="398520"/>
-            <a:ext cx="7369920" cy="856800"/>
+            <a:ext cx="7369560" cy="856440"/>
           </a:xfrm>
           <a:prstGeom prst="rect">
             <a:avLst/>
@@ -33648,7 +31363,7 @@
                 <a:latin typeface="Raleway"/>
                 <a:ea typeface="Raleway"/>
               </a:rPr>
-              <a:t>Persistence </a:t>
+              <a:t>Interoperability</a:t>
             </a:r>
             <a:endParaRPr b="0" lang="en-US" sz="2400" spc="-1" strike="noStrike">
               <a:latin typeface="Arial"/>
@@ -33658,7 +31373,7 @@
       </p:sp>
       <p:sp>
         <p:nvSpPr>
-          <p:cNvPr id="666" name="PlaceHolder 2"/>
+          <p:cNvPr id="620" name="PlaceHolder 2"/>
           <p:cNvSpPr>
             <a:spLocks noGrp="1"/>
           </p:cNvSpPr>
@@ -33669,7 +31384,7 @@
         <p:spPr>
           <a:xfrm>
             <a:off x="886680" y="1669680"/>
-            <a:ext cx="7369920" cy="3081600"/>
+            <a:ext cx="7369560" cy="3081240"/>
           </a:xfrm>
           <a:prstGeom prst="rect">
             <a:avLst/>
@@ -33742,18 +31457,18 @@
       </p:sp>
       <p:sp>
         <p:nvSpPr>
-          <p:cNvPr id="667" name="PlaceHolder 3"/>
-          <p:cNvSpPr>
-            <a:spLocks noGrp="1"/>
-          </p:cNvSpPr>
-          <p:nvPr>
-            <p:ph type="sldNum" idx="25"/>
+          <p:cNvPr id="621" name="PlaceHolder 3"/>
+          <p:cNvSpPr>
+            <a:spLocks noGrp="1"/>
+          </p:cNvSpPr>
+          <p:nvPr>
+            <p:ph type="sldNum" idx="24"/>
           </p:nvPr>
         </p:nvSpPr>
         <p:spPr>
           <a:xfrm>
             <a:off x="27000" y="4749840"/>
-            <a:ext cx="547920" cy="392760"/>
+            <a:ext cx="547560" cy="392400"/>
           </a:xfrm>
           <a:prstGeom prst="rect">
             <a:avLst/>
@@ -33793,7 +31508,7 @@
                 <a:tab algn="l" pos="0"/>
               </a:tabLst>
             </a:pPr>
-            <a:fld id="{1D60D32A-0D27-4F1B-9086-151C2131ECF1}" type="slidenum">
+            <a:fld id="{91F669A9-34C8-45F8-A32D-DDDA49BCCB43}" type="slidenum">
               <a:rPr b="0" lang="en" sz="1200" spc="-1" strike="noStrike">
                 <a:solidFill>
                   <a:srgbClr val="00ae9d"/>
@@ -33811,14 +31526,14 @@
       </p:sp>
       <p:sp>
         <p:nvSpPr>
-          <p:cNvPr id="668" name="TextBox 17"/>
+          <p:cNvPr id="622" name="TextBox 19"/>
           <p:cNvSpPr/>
           <p:nvPr/>
         </p:nvSpPr>
         <p:spPr>
           <a:xfrm>
             <a:off x="6400800" y="4779000"/>
-            <a:ext cx="2285640" cy="364320"/>
+            <a:ext cx="2285280" cy="363960"/>
           </a:xfrm>
           <a:prstGeom prst="rect">
             <a:avLst/>
@@ -33872,7 +31587,7 @@
       </p:sp>
       <p:sp>
         <p:nvSpPr>
-          <p:cNvPr id="669" name="PlaceHolder 4"/>
+          <p:cNvPr id="623" name="PlaceHolder 4"/>
           <p:cNvSpPr>
             <a:spLocks noGrp="1"/>
           </p:cNvSpPr>
@@ -33883,7 +31598,7 @@
         <p:spPr>
           <a:xfrm>
             <a:off x="686160" y="1702080"/>
-            <a:ext cx="7369920" cy="2640960"/>
+            <a:ext cx="7369560" cy="2640600"/>
           </a:xfrm>
           <a:prstGeom prst="rect">
             <a:avLst/>
@@ -33917,7 +31632,7 @@
                 <a:latin typeface="Karla"/>
                 <a:ea typeface="Karla"/>
               </a:rPr>
-              <a:t>Persistence is philosophical, what endures, what continues. Almost nothing in the virtual world today is persistent:</a:t>
+              <a:t>This isolation and fragmentation stems from the fact that today’s virtual worlds, and their builders, never designed their systems or experiences to be interoperable.</a:t>
             </a:r>
             <a:endParaRPr b="0" lang="en-US" sz="1900" spc="-1" strike="noStrike">
               <a:latin typeface="Arial"/>
@@ -33951,6 +31666,16 @@
                 <a:tab algn="l" pos="0"/>
               </a:tabLst>
             </a:pPr>
+            <a:r>
+              <a:rPr b="0" lang="en-US" sz="1900" spc="-1" strike="noStrike">
+                <a:solidFill>
+                  <a:srgbClr val="004c52"/>
+                </a:solidFill>
+                <a:latin typeface="Karla"/>
+                <a:ea typeface="Karla"/>
+              </a:rPr>
+              <a:t>If Call of Duty wants to import an avatar from Fortnite, it</a:t>
+            </a:r>
             <a:endParaRPr b="0" lang="en-US" sz="1900" spc="-1" strike="noStrike">
               <a:latin typeface="Arial"/>
             </a:endParaRPr>
@@ -33967,6 +31692,16 @@
                 <a:tab algn="l" pos="0"/>
               </a:tabLst>
             </a:pPr>
+            <a:r>
+              <a:rPr b="0" lang="en-US" sz="1900" spc="-1" strike="noStrike">
+                <a:solidFill>
+                  <a:srgbClr val="004c52"/>
+                </a:solidFill>
+                <a:latin typeface="Karla"/>
+                <a:ea typeface="Karla"/>
+              </a:rPr>
+              <a:t>will likely want to restyle the avatar to fit Call of Duty’s gritty realism.</a:t>
+            </a:r>
             <a:endParaRPr b="0" lang="en-US" sz="1900" spc="-1" strike="noStrike">
               <a:latin typeface="Arial"/>
             </a:endParaRPr>
@@ -34085,7 +31820,7 @@
       </p:grpSpPr>
       <p:sp>
         <p:nvSpPr>
-          <p:cNvPr id="670" name="PlaceHolder 1"/>
+          <p:cNvPr id="624" name="PlaceHolder 1"/>
           <p:cNvSpPr>
             <a:spLocks noGrp="1"/>
           </p:cNvSpPr>
@@ -34096,7 +31831,7 @@
         <p:spPr>
           <a:xfrm>
             <a:off x="886680" y="398520"/>
-            <a:ext cx="7369920" cy="856800"/>
+            <a:ext cx="7369560" cy="856440"/>
           </a:xfrm>
           <a:prstGeom prst="rect">
             <a:avLst/>
@@ -34124,7 +31859,7 @@
                 <a:latin typeface="Raleway"/>
                 <a:ea typeface="Raleway"/>
               </a:rPr>
-              <a:t>Persistence </a:t>
+              <a:t>Real-Time Rendering</a:t>
             </a:r>
             <a:endParaRPr b="0" lang="en-US" sz="2400" spc="-1" strike="noStrike">
               <a:latin typeface="Arial"/>
@@ -34134,7 +31869,7 @@
       </p:sp>
       <p:sp>
         <p:nvSpPr>
-          <p:cNvPr id="671" name="PlaceHolder 2"/>
+          <p:cNvPr id="625" name="PlaceHolder 2"/>
           <p:cNvSpPr>
             <a:spLocks noGrp="1"/>
           </p:cNvSpPr>
@@ -34145,7 +31880,7 @@
         <p:spPr>
           <a:xfrm>
             <a:off x="886680" y="1669680"/>
-            <a:ext cx="7369920" cy="3081600"/>
+            <a:ext cx="7369560" cy="3081240"/>
           </a:xfrm>
           <a:prstGeom prst="rect">
             <a:avLst/>
@@ -34218,18 +31953,18 @@
       </p:sp>
       <p:sp>
         <p:nvSpPr>
-          <p:cNvPr id="672" name="PlaceHolder 3"/>
-          <p:cNvSpPr>
-            <a:spLocks noGrp="1"/>
-          </p:cNvSpPr>
-          <p:nvPr>
-            <p:ph type="sldNum" idx="26"/>
+          <p:cNvPr id="626" name="PlaceHolder 3"/>
+          <p:cNvSpPr>
+            <a:spLocks noGrp="1"/>
+          </p:cNvSpPr>
+          <p:nvPr>
+            <p:ph type="sldNum" idx="25"/>
           </p:nvPr>
         </p:nvSpPr>
         <p:spPr>
           <a:xfrm>
             <a:off x="27000" y="4749840"/>
-            <a:ext cx="547920" cy="392760"/>
+            <a:ext cx="547560" cy="392400"/>
           </a:xfrm>
           <a:prstGeom prst="rect">
             <a:avLst/>
@@ -34269,7 +32004,7 @@
                 <a:tab algn="l" pos="0"/>
               </a:tabLst>
             </a:pPr>
-            <a:fld id="{7868D998-3DB5-4980-81B1-8B05E59DA95F}" type="slidenum">
+            <a:fld id="{EBDAD80B-03CD-48A8-8A17-FD8B74D0C469}" type="slidenum">
               <a:rPr b="0" lang="en" sz="1200" spc="-1" strike="noStrike">
                 <a:solidFill>
                   <a:srgbClr val="00ae9d"/>
@@ -34287,14 +32022,14 @@
       </p:sp>
       <p:sp>
         <p:nvSpPr>
-          <p:cNvPr id="673" name="TextBox 13"/>
+          <p:cNvPr id="627" name="TextBox 12"/>
           <p:cNvSpPr/>
           <p:nvPr/>
         </p:nvSpPr>
         <p:spPr>
           <a:xfrm>
             <a:off x="6400800" y="4779000"/>
-            <a:ext cx="2285640" cy="364320"/>
+            <a:ext cx="2285280" cy="363960"/>
           </a:xfrm>
           <a:prstGeom prst="rect">
             <a:avLst/>
@@ -34348,7 +32083,7 @@
       </p:sp>
       <p:sp>
         <p:nvSpPr>
-          <p:cNvPr id="674" name="PlaceHolder 4"/>
+          <p:cNvPr id="628" name="PlaceHolder 4"/>
           <p:cNvSpPr>
             <a:spLocks noGrp="1"/>
           </p:cNvSpPr>
@@ -34359,7 +32094,7 @@
         <p:spPr>
           <a:xfrm>
             <a:off x="686160" y="1702080"/>
-            <a:ext cx="7369920" cy="2640960"/>
+            <a:ext cx="7369560" cy="2640600"/>
           </a:xfrm>
           <a:prstGeom prst="rect">
             <a:avLst/>
@@ -34393,7 +32128,7 @@
                 <a:latin typeface="Karla"/>
                 <a:ea typeface="Karla"/>
               </a:rPr>
-              <a:t>Persistence is philosophical, what endures, what continues. Almost nothing in the virtual world today is persistent:</a:t>
+              <a:t>Rendering is the process of generating a 2D or 3D object or environment using a computer program.</a:t>
             </a:r>
             <a:endParaRPr b="0" lang="en-US" sz="1900" spc="-1" strike="noStrike">
               <a:latin typeface="Arial"/>
@@ -34427,6 +32162,16 @@
                 <a:tab algn="l" pos="0"/>
               </a:tabLst>
             </a:pPr>
+            <a:r>
+              <a:rPr b="0" lang="en-US" sz="1900" spc="-1" strike="noStrike">
+                <a:solidFill>
+                  <a:srgbClr val="004c52"/>
+                </a:solidFill>
+                <a:latin typeface="Karla"/>
+                <a:ea typeface="Karla"/>
+              </a:rPr>
+              <a:t>Real-time rendering refers to the process of generating a computer image as we experience it in near real-time</a:t>
+            </a:r>
             <a:endParaRPr b="0" lang="en-US" sz="1900" spc="-1" strike="noStrike">
               <a:latin typeface="Arial"/>
             </a:endParaRPr>
@@ -34561,7 +32306,7 @@
       </p:grpSpPr>
       <p:sp>
         <p:nvSpPr>
-          <p:cNvPr id="675" name="PlaceHolder 1"/>
+          <p:cNvPr id="629" name="PlaceHolder 1"/>
           <p:cNvSpPr>
             <a:spLocks noGrp="1"/>
           </p:cNvSpPr>
@@ -34572,7 +32317,7 @@
         <p:spPr>
           <a:xfrm>
             <a:off x="886680" y="398520"/>
-            <a:ext cx="7369920" cy="856800"/>
+            <a:ext cx="7369560" cy="856440"/>
           </a:xfrm>
           <a:prstGeom prst="rect">
             <a:avLst/>
@@ -34600,7 +32345,7 @@
                 <a:latin typeface="Raleway"/>
                 <a:ea typeface="Raleway"/>
               </a:rPr>
-              <a:t>Interoperability</a:t>
+              <a:t>Synchronous </a:t>
             </a:r>
             <a:endParaRPr b="0" lang="en-US" sz="2400" spc="-1" strike="noStrike">
               <a:latin typeface="Arial"/>
@@ -34610,7 +32355,7 @@
       </p:sp>
       <p:sp>
         <p:nvSpPr>
-          <p:cNvPr id="676" name="PlaceHolder 2"/>
+          <p:cNvPr id="630" name="PlaceHolder 2"/>
           <p:cNvSpPr>
             <a:spLocks noGrp="1"/>
           </p:cNvSpPr>
@@ -34621,7 +32366,7 @@
         <p:spPr>
           <a:xfrm>
             <a:off x="886680" y="1669680"/>
-            <a:ext cx="7369920" cy="3081600"/>
+            <a:ext cx="7369560" cy="3081240"/>
           </a:xfrm>
           <a:prstGeom prst="rect">
             <a:avLst/>
@@ -34694,18 +32439,18 @@
       </p:sp>
       <p:sp>
         <p:nvSpPr>
-          <p:cNvPr id="677" name="PlaceHolder 3"/>
-          <p:cNvSpPr>
-            <a:spLocks noGrp="1"/>
-          </p:cNvSpPr>
-          <p:nvPr>
-            <p:ph type="sldNum" idx="27"/>
+          <p:cNvPr id="631" name="PlaceHolder 3"/>
+          <p:cNvSpPr>
+            <a:spLocks noGrp="1"/>
+          </p:cNvSpPr>
+          <p:nvPr>
+            <p:ph type="sldNum" idx="26"/>
           </p:nvPr>
         </p:nvSpPr>
         <p:spPr>
           <a:xfrm>
             <a:off x="27000" y="4749840"/>
-            <a:ext cx="547920" cy="392760"/>
+            <a:ext cx="547560" cy="392400"/>
           </a:xfrm>
           <a:prstGeom prst="rect">
             <a:avLst/>
@@ -34745,7 +32490,7 @@
                 <a:tab algn="l" pos="0"/>
               </a:tabLst>
             </a:pPr>
-            <a:fld id="{F807FC79-EC0A-43D0-8D50-24D0F7DC76BB}" type="slidenum">
+            <a:fld id="{50D54CC8-F2D0-43AA-9043-6F468B214C02}" type="slidenum">
               <a:rPr b="0" lang="en" sz="1200" spc="-1" strike="noStrike">
                 <a:solidFill>
                   <a:srgbClr val="00ae9d"/>
@@ -34763,14 +32508,14 @@
       </p:sp>
       <p:sp>
         <p:nvSpPr>
-          <p:cNvPr id="678" name="TextBox 15"/>
+          <p:cNvPr id="632" name="TextBox 16"/>
           <p:cNvSpPr/>
           <p:nvPr/>
         </p:nvSpPr>
         <p:spPr>
           <a:xfrm>
             <a:off x="6400800" y="4779000"/>
-            <a:ext cx="2285640" cy="364320"/>
+            <a:ext cx="2285280" cy="363960"/>
           </a:xfrm>
           <a:prstGeom prst="rect">
             <a:avLst/>
@@ -34824,7 +32569,7 @@
       </p:sp>
       <p:sp>
         <p:nvSpPr>
-          <p:cNvPr id="679" name="PlaceHolder 4"/>
+          <p:cNvPr id="633" name="PlaceHolder 4"/>
           <p:cNvSpPr>
             <a:spLocks noGrp="1"/>
           </p:cNvSpPr>
@@ -34835,7 +32580,7 @@
         <p:spPr>
           <a:xfrm>
             <a:off x="686160" y="1702080"/>
-            <a:ext cx="7369920" cy="2640960"/>
+            <a:ext cx="7369560" cy="2640600"/>
           </a:xfrm>
           <a:prstGeom prst="rect">
             <a:avLst/>
@@ -34869,8 +32614,72 @@
                 <a:latin typeface="Karla"/>
                 <a:ea typeface="Karla"/>
               </a:rPr>
-              <a:t>Interoperability  refers to the ability for different autonomous systems or independently-operated simulations,</a:t>
+              <a:t>Synchronous means that we’re in a shared experience.</a:t>
             </a:r>
+            <a:endParaRPr b="0" lang="en-US" sz="1900" spc="-1" strike="noStrike">
+              <a:latin typeface="Arial"/>
+            </a:endParaRPr>
+          </a:p>
+          <a:p>
+            <a:pPr marL="76320">
+              <a:lnSpc>
+                <a:spcPct val="100000"/>
+              </a:lnSpc>
+              <a:spcBef>
+                <a:spcPts val="601"/>
+              </a:spcBef>
+              <a:tabLst>
+                <a:tab algn="l" pos="0"/>
+              </a:tabLst>
+            </a:pPr>
+            <a:endParaRPr b="0" lang="en-US" sz="1900" spc="-1" strike="noStrike">
+              <a:latin typeface="Arial"/>
+            </a:endParaRPr>
+          </a:p>
+          <a:p>
+            <a:pPr marL="76320">
+              <a:lnSpc>
+                <a:spcPct val="100000"/>
+              </a:lnSpc>
+              <a:spcBef>
+                <a:spcPts val="601"/>
+              </a:spcBef>
+              <a:tabLst>
+                <a:tab algn="l" pos="0"/>
+              </a:tabLst>
+            </a:pPr>
+            <a:endParaRPr b="0" lang="en-US" sz="1900" spc="-1" strike="noStrike">
+              <a:latin typeface="Arial"/>
+            </a:endParaRPr>
+          </a:p>
+          <a:p>
+            <a:pPr marL="76320">
+              <a:lnSpc>
+                <a:spcPct val="100000"/>
+              </a:lnSpc>
+              <a:spcBef>
+                <a:spcPts val="601"/>
+              </a:spcBef>
+              <a:tabLst>
+                <a:tab algn="l" pos="0"/>
+              </a:tabLst>
+            </a:pPr>
+            <a:endParaRPr b="0" lang="en-US" sz="1900" spc="-1" strike="noStrike">
+              <a:latin typeface="Arial"/>
+            </a:endParaRPr>
+          </a:p>
+          <a:p>
+            <a:pPr marL="76320">
+              <a:lnSpc>
+                <a:spcPct val="100000"/>
+              </a:lnSpc>
+              <a:spcBef>
+                <a:spcPts val="601"/>
+              </a:spcBef>
+              <a:tabLst>
+                <a:tab algn="l" pos="0"/>
+              </a:tabLst>
+            </a:pPr>
             <a:endParaRPr b="0" lang="en-US" sz="1900" spc="-1" strike="noStrike">
               <a:latin typeface="Arial"/>
             </a:endParaRPr>
@@ -34973,18 +32782,18 @@
       </p:grpSpPr>
       <p:sp>
         <p:nvSpPr>
-          <p:cNvPr id="604" name="PlaceHolder 1"/>
-          <p:cNvSpPr>
-            <a:spLocks noGrp="1"/>
-          </p:cNvSpPr>
-          <p:nvPr>
-            <p:ph type="sldNum" idx="16"/>
+          <p:cNvPr id="558" name="PlaceHolder 1"/>
+          <p:cNvSpPr>
+            <a:spLocks noGrp="1"/>
+          </p:cNvSpPr>
+          <p:nvPr>
+            <p:ph type="sldNum" idx="15"/>
           </p:nvPr>
         </p:nvSpPr>
         <p:spPr>
           <a:xfrm>
             <a:off x="27000" y="4749840"/>
-            <a:ext cx="547920" cy="392760"/>
+            <a:ext cx="547560" cy="392400"/>
           </a:xfrm>
           <a:prstGeom prst="rect">
             <a:avLst/>
@@ -35024,7 +32833,7 @@
                 <a:tab algn="l" pos="0"/>
               </a:tabLst>
             </a:pPr>
-            <a:fld id="{3B44D5EA-FA70-41BE-9667-C24384D390F0}" type="slidenum">
+            <a:fld id="{655D64D6-A00A-4C43-9D57-22793B3769BA}" type="slidenum">
               <a:rPr b="0" lang="en" sz="1200" spc="-1" strike="noStrike">
                 <a:solidFill>
                   <a:srgbClr val="00ae9d"/>
@@ -35042,14 +32851,14 @@
       </p:sp>
       <p:sp>
         <p:nvSpPr>
-          <p:cNvPr id="605" name="TextBox 6"/>
+          <p:cNvPr id="559" name="TextBox 6"/>
           <p:cNvSpPr/>
           <p:nvPr/>
         </p:nvSpPr>
         <p:spPr>
           <a:xfrm>
             <a:off x="6005880" y="4774320"/>
-            <a:ext cx="3137400" cy="364320"/>
+            <a:ext cx="3137040" cy="363960"/>
           </a:xfrm>
           <a:prstGeom prst="rect">
             <a:avLst/>
@@ -35093,7 +32902,7 @@
       </p:sp>
       <p:pic>
         <p:nvPicPr>
-          <p:cNvPr id="606" name="" descr=""/>
+          <p:cNvPr id="560" name="" descr=""/>
           <p:cNvPicPr/>
           <p:nvPr/>
         </p:nvPicPr>
@@ -35104,7 +32913,7 @@
         <p:spPr>
           <a:xfrm>
             <a:off x="0" y="0"/>
-            <a:ext cx="9143640" cy="5143320"/>
+            <a:ext cx="9143280" cy="5142960"/>
           </a:xfrm>
           <a:prstGeom prst="rect">
             <a:avLst/>
@@ -35116,7 +32925,7 @@
       </p:pic>
       <p:sp>
         <p:nvSpPr>
-          <p:cNvPr id="607" name="PlaceHolder 2"/>
+          <p:cNvPr id="561" name="PlaceHolder 2"/>
           <p:cNvSpPr>
             <a:spLocks noGrp="1"/>
           </p:cNvSpPr>
@@ -35127,7 +32936,7 @@
         <p:spPr>
           <a:xfrm>
             <a:off x="2688120" y="4286520"/>
-            <a:ext cx="7369920" cy="856800"/>
+            <a:ext cx="7369560" cy="856440"/>
           </a:xfrm>
           <a:prstGeom prst="rect">
             <a:avLst/>
@@ -35195,7 +33004,7 @@
       </p:grpSpPr>
       <p:sp>
         <p:nvSpPr>
-          <p:cNvPr id="680" name="PlaceHolder 1"/>
+          <p:cNvPr id="634" name="PlaceHolder 1"/>
           <p:cNvSpPr>
             <a:spLocks noGrp="1"/>
           </p:cNvSpPr>
@@ -35205,8 +33014,484 @@
         </p:nvSpPr>
         <p:spPr>
           <a:xfrm>
+            <a:off x="886680" y="398520"/>
+            <a:ext cx="7369560" cy="856440"/>
+          </a:xfrm>
+          <a:prstGeom prst="rect">
+            <a:avLst/>
+          </a:prstGeom>
+          <a:noFill/>
+          <a:ln w="0">
+            <a:noFill/>
+          </a:ln>
+        </p:spPr>
+        <p:txBody>
+          <a:bodyPr lIns="0" rIns="0" tIns="91440" bIns="91440" anchor="t">
+            <a:noAutofit/>
+          </a:bodyPr>
+          <a:p>
+            <a:pPr>
+              <a:lnSpc>
+                <a:spcPct val="100000"/>
+              </a:lnSpc>
+            </a:pPr>
+            <a:r>
+              <a:rPr b="1" lang="en-US" sz="2400" spc="-1" strike="noStrike">
+                <a:solidFill>
+                  <a:srgbClr val="ffffff"/>
+                </a:solidFill>
+                <a:latin typeface="Raleway"/>
+                <a:ea typeface="Raleway"/>
+              </a:rPr>
+              <a:t>Persistence </a:t>
+            </a:r>
+            <a:endParaRPr b="0" lang="en-US" sz="2400" spc="-1" strike="noStrike">
+              <a:latin typeface="Arial"/>
+            </a:endParaRPr>
+          </a:p>
+        </p:txBody>
+      </p:sp>
+      <p:sp>
+        <p:nvSpPr>
+          <p:cNvPr id="635" name="PlaceHolder 2"/>
+          <p:cNvSpPr>
+            <a:spLocks noGrp="1"/>
+          </p:cNvSpPr>
+          <p:nvPr>
+            <p:ph/>
+          </p:nvPr>
+        </p:nvSpPr>
+        <p:spPr>
+          <a:xfrm>
+            <a:off x="886680" y="1669680"/>
+            <a:ext cx="7369560" cy="3081240"/>
+          </a:xfrm>
+          <a:prstGeom prst="rect">
+            <a:avLst/>
+          </a:prstGeom>
+          <a:noFill/>
+          <a:ln w="0">
+            <a:noFill/>
+          </a:ln>
+        </p:spPr>
+        <p:txBody>
+          <a:bodyPr lIns="0" rIns="0" tIns="91440" bIns="91440" anchor="t">
+            <a:noAutofit/>
+          </a:bodyPr>
+          <a:p>
+            <a:pPr>
+              <a:lnSpc>
+                <a:spcPct val="100000"/>
+              </a:lnSpc>
+              <a:spcBef>
+                <a:spcPts val="601"/>
+              </a:spcBef>
+            </a:pPr>
+            <a:endParaRPr b="0" lang="en-US" sz="3200" spc="-1" strike="noStrike">
+              <a:latin typeface="Arial"/>
+            </a:endParaRPr>
+          </a:p>
+          <a:p>
+            <a:pPr>
+              <a:lnSpc>
+                <a:spcPct val="100000"/>
+              </a:lnSpc>
+              <a:spcBef>
+                <a:spcPts val="601"/>
+              </a:spcBef>
+            </a:pPr>
+            <a:endParaRPr b="0" lang="en-US" sz="3200" spc="-1" strike="noStrike">
+              <a:latin typeface="Arial"/>
+            </a:endParaRPr>
+          </a:p>
+          <a:p>
+            <a:pPr>
+              <a:lnSpc>
+                <a:spcPct val="100000"/>
+              </a:lnSpc>
+              <a:spcBef>
+                <a:spcPts val="601"/>
+              </a:spcBef>
+            </a:pPr>
+            <a:endParaRPr b="0" lang="en-US" sz="3200" spc="-1" strike="noStrike">
+              <a:latin typeface="Arial"/>
+            </a:endParaRPr>
+          </a:p>
+          <a:p>
+            <a:pPr marL="76320">
+              <a:lnSpc>
+                <a:spcPct val="100000"/>
+              </a:lnSpc>
+              <a:spcBef>
+                <a:spcPts val="601"/>
+              </a:spcBef>
+              <a:tabLst>
+                <a:tab algn="l" pos="0"/>
+              </a:tabLst>
+            </a:pPr>
+            <a:endParaRPr b="0" lang="en-US" sz="3200" spc="-1" strike="noStrike">
+              <a:latin typeface="Arial"/>
+            </a:endParaRPr>
+          </a:p>
+        </p:txBody>
+      </p:sp>
+      <p:sp>
+        <p:nvSpPr>
+          <p:cNvPr id="636" name="PlaceHolder 3"/>
+          <p:cNvSpPr>
+            <a:spLocks noGrp="1"/>
+          </p:cNvSpPr>
+          <p:nvPr>
+            <p:ph type="sldNum" idx="27"/>
+          </p:nvPr>
+        </p:nvSpPr>
+        <p:spPr>
+          <a:xfrm>
+            <a:off x="27000" y="4749840"/>
+            <a:ext cx="547560" cy="392400"/>
+          </a:xfrm>
+          <a:prstGeom prst="rect">
+            <a:avLst/>
+          </a:prstGeom>
+          <a:noFill/>
+          <a:ln w="0">
+            <a:noFill/>
+          </a:ln>
+        </p:spPr>
+        <p:txBody>
+          <a:bodyPr lIns="90000" rIns="90000" tIns="91440" bIns="91440" anchor="t">
+            <a:noAutofit/>
+          </a:bodyPr>
+          <a:lstStyle>
+            <a:lvl1pPr>
+              <a:lnSpc>
+                <a:spcPct val="100000"/>
+              </a:lnSpc>
+              <a:tabLst>
+                <a:tab algn="l" pos="0"/>
+              </a:tabLst>
+              <a:defRPr b="0" lang="en" sz="1200" spc="-1" strike="noStrike">
+                <a:solidFill>
+                  <a:srgbClr val="00ae9d"/>
+                </a:solidFill>
+                <a:latin typeface="Karla"/>
+                <a:ea typeface="Karla"/>
+              </a:defRPr>
+            </a:lvl1pPr>
+          </a:lstStyle>
+          <a:p>
+            <a:pPr>
+              <a:lnSpc>
+                <a:spcPct val="100000"/>
+              </a:lnSpc>
+              <a:tabLst>
+                <a:tab algn="l" pos="0"/>
+              </a:tabLst>
+            </a:pPr>
+            <a:fld id="{60796EF4-DFE9-4CA0-A2FA-60B73FC3E2EA}" type="slidenum">
+              <a:rPr b="0" lang="en" sz="1200" spc="-1" strike="noStrike">
+                <a:solidFill>
+                  <a:srgbClr val="00ae9d"/>
+                </a:solidFill>
+                <a:latin typeface="Karla"/>
+                <a:ea typeface="Karla"/>
+              </a:rPr>
+              <a:t>&lt;number&gt;</a:t>
+            </a:fld>
+            <a:endParaRPr b="0" lang="en-US" sz="1200" spc="-1" strike="noStrike">
+              <a:latin typeface="Times New Roman"/>
+            </a:endParaRPr>
+          </a:p>
+        </p:txBody>
+      </p:sp>
+      <p:sp>
+        <p:nvSpPr>
+          <p:cNvPr id="637" name="TextBox 17"/>
+          <p:cNvSpPr/>
+          <p:nvPr/>
+        </p:nvSpPr>
+        <p:spPr>
+          <a:xfrm>
+            <a:off x="6400800" y="4779000"/>
+            <a:ext cx="2285280" cy="363960"/>
+          </a:xfrm>
+          <a:prstGeom prst="rect">
+            <a:avLst/>
+          </a:prstGeom>
+          <a:noFill/>
+          <a:ln w="0">
+            <a:noFill/>
+          </a:ln>
+        </p:spPr>
+        <p:style>
+          <a:lnRef idx="0"/>
+          <a:fillRef idx="0"/>
+          <a:effectRef idx="0"/>
+          <a:fontRef idx="minor"/>
+        </p:style>
+        <p:txBody>
+          <a:bodyPr lIns="90000" rIns="90000" tIns="45000" bIns="45000" anchor="t">
+            <a:spAutoFit/>
+          </a:bodyPr>
+          <a:p>
+            <a:pPr>
+              <a:lnSpc>
+                <a:spcPct val="100000"/>
+              </a:lnSpc>
+            </a:pPr>
+            <a:r>
+              <a:rPr b="0" lang="en-US" sz="1800" spc="-1" strike="noStrike">
+                <a:solidFill>
+                  <a:srgbClr val="ffffff"/>
+                </a:solidFill>
+                <a:latin typeface="Century Gothic"/>
+                <a:ea typeface="ＭＳ Ｐゴシック"/>
+              </a:rPr>
+              <a:t> </a:t>
+            </a:r>
+            <a:r>
+              <a:rPr b="0" lang="en-US" sz="1800" spc="-1" strike="noStrike">
+                <a:solidFill>
+                  <a:srgbClr val="ffffff"/>
+                </a:solidFill>
+                <a:latin typeface="Century Gothic"/>
+                <a:ea typeface="ＭＳ Ｐゴシック"/>
+              </a:rPr>
+              <a:t>Ahmad Jajja</a:t>
+            </a:r>
+            <a:endParaRPr b="0" lang="en-US" sz="1800" spc="-1" strike="noStrike">
+              <a:latin typeface="Arial"/>
+            </a:endParaRPr>
+          </a:p>
+        </p:txBody>
+      </p:sp>
+      <p:sp>
+        <p:nvSpPr>
+          <p:cNvPr id="638" name="PlaceHolder 4"/>
+          <p:cNvSpPr>
+            <a:spLocks noGrp="1"/>
+          </p:cNvSpPr>
+          <p:nvPr>
+            <p:ph/>
+          </p:nvPr>
+        </p:nvSpPr>
+        <p:spPr>
+          <a:xfrm>
+            <a:off x="685800" y="1600200"/>
+            <a:ext cx="7369560" cy="2640600"/>
+          </a:xfrm>
+          <a:prstGeom prst="rect">
+            <a:avLst/>
+          </a:prstGeom>
+          <a:noFill/>
+          <a:ln w="0">
+            <a:noFill/>
+          </a:ln>
+        </p:spPr>
+        <p:txBody>
+          <a:bodyPr lIns="0" rIns="0" tIns="91440" bIns="91440" anchor="t">
+            <a:noAutofit/>
+          </a:bodyPr>
+          <a:p>
+            <a:pPr marL="76320">
+              <a:lnSpc>
+                <a:spcPct val="100000"/>
+              </a:lnSpc>
+              <a:spcBef>
+                <a:spcPts val="601"/>
+              </a:spcBef>
+              <a:tabLst>
+                <a:tab algn="l" pos="0"/>
+              </a:tabLst>
+            </a:pPr>
+            <a:r>
+              <a:rPr b="0" lang="en-US" sz="1900" spc="-1" strike="noStrike">
+                <a:solidFill>
+                  <a:srgbClr val="004c52"/>
+                </a:solidFill>
+                <a:latin typeface="Karla"/>
+                <a:ea typeface="Karla"/>
+              </a:rPr>
+              <a:t>Persistence is philosophical, what endures, what continues. Almost nothing in the virtual world today is persistent:</a:t>
+            </a:r>
+            <a:endParaRPr b="0" lang="en-US" sz="1900" spc="-1" strike="noStrike">
+              <a:latin typeface="Arial"/>
+            </a:endParaRPr>
+          </a:p>
+          <a:p>
+            <a:pPr marL="76320">
+              <a:lnSpc>
+                <a:spcPct val="100000"/>
+              </a:lnSpc>
+              <a:spcBef>
+                <a:spcPts val="601"/>
+              </a:spcBef>
+              <a:tabLst>
+                <a:tab algn="l" pos="0"/>
+              </a:tabLst>
+            </a:pPr>
+            <a:endParaRPr b="0" lang="en-US" sz="1900" spc="-1" strike="noStrike">
+              <a:latin typeface="Arial"/>
+            </a:endParaRPr>
+          </a:p>
+          <a:p>
+            <a:pPr marL="76320">
+              <a:lnSpc>
+                <a:spcPct val="100000"/>
+              </a:lnSpc>
+              <a:spcBef>
+                <a:spcPts val="601"/>
+              </a:spcBef>
+              <a:tabLst>
+                <a:tab algn="l" pos="0"/>
+              </a:tabLst>
+            </a:pPr>
+            <a:endParaRPr b="0" lang="en-US" sz="1900" spc="-1" strike="noStrike">
+              <a:latin typeface="Arial"/>
+            </a:endParaRPr>
+          </a:p>
+          <a:p>
+            <a:pPr marL="76320">
+              <a:lnSpc>
+                <a:spcPct val="100000"/>
+              </a:lnSpc>
+              <a:spcBef>
+                <a:spcPts val="601"/>
+              </a:spcBef>
+              <a:tabLst>
+                <a:tab algn="l" pos="0"/>
+              </a:tabLst>
+            </a:pPr>
+            <a:endParaRPr b="0" lang="en-US" sz="1900" spc="-1" strike="noStrike">
+              <a:latin typeface="Arial"/>
+            </a:endParaRPr>
+          </a:p>
+          <a:p>
+            <a:pPr marL="76320">
+              <a:lnSpc>
+                <a:spcPct val="100000"/>
+              </a:lnSpc>
+              <a:spcBef>
+                <a:spcPts val="601"/>
+              </a:spcBef>
+              <a:tabLst>
+                <a:tab algn="l" pos="0"/>
+              </a:tabLst>
+            </a:pPr>
+            <a:endParaRPr b="0" lang="en-US" sz="1900" spc="-1" strike="noStrike">
+              <a:latin typeface="Arial"/>
+            </a:endParaRPr>
+          </a:p>
+          <a:p>
+            <a:pPr marL="76320">
+              <a:lnSpc>
+                <a:spcPct val="100000"/>
+              </a:lnSpc>
+              <a:spcBef>
+                <a:spcPts val="601"/>
+              </a:spcBef>
+              <a:tabLst>
+                <a:tab algn="l" pos="0"/>
+              </a:tabLst>
+            </a:pPr>
+            <a:endParaRPr b="0" lang="en-US" sz="1900" spc="-1" strike="noStrike">
+              <a:latin typeface="Arial"/>
+            </a:endParaRPr>
+          </a:p>
+          <a:p>
+            <a:pPr marL="76320">
+              <a:lnSpc>
+                <a:spcPct val="100000"/>
+              </a:lnSpc>
+              <a:spcBef>
+                <a:spcPts val="601"/>
+              </a:spcBef>
+              <a:tabLst>
+                <a:tab algn="l" pos="0"/>
+              </a:tabLst>
+            </a:pPr>
+            <a:endParaRPr b="0" lang="en-US" sz="1900" spc="-1" strike="noStrike">
+              <a:latin typeface="Arial"/>
+            </a:endParaRPr>
+          </a:p>
+          <a:p>
+            <a:pPr marL="76320">
+              <a:lnSpc>
+                <a:spcPct val="100000"/>
+              </a:lnSpc>
+              <a:spcBef>
+                <a:spcPts val="601"/>
+              </a:spcBef>
+              <a:tabLst>
+                <a:tab algn="l" pos="0"/>
+              </a:tabLst>
+            </a:pPr>
+            <a:endParaRPr b="0" lang="en-US" sz="1900" spc="-1" strike="noStrike">
+              <a:latin typeface="Arial"/>
+            </a:endParaRPr>
+          </a:p>
+          <a:p>
+            <a:pPr marL="76320">
+              <a:lnSpc>
+                <a:spcPct val="100000"/>
+              </a:lnSpc>
+              <a:spcBef>
+                <a:spcPts val="601"/>
+              </a:spcBef>
+              <a:tabLst>
+                <a:tab algn="l" pos="0"/>
+              </a:tabLst>
+            </a:pPr>
+            <a:endParaRPr b="0" lang="en-US" sz="1900" spc="-1" strike="noStrike">
+              <a:latin typeface="Arial"/>
+            </a:endParaRPr>
+          </a:p>
+        </p:txBody>
+      </p:sp>
+    </p:spTree>
+  </p:cSld>
+  <mc:AlternateContent>
+    <mc:Choice Requires="p14">
+      <p:transition spd="slow" p14:dur="2000"/>
+    </mc:Choice>
+    <mc:Fallback>
+      <p:transition spd="slow"/>
+    </mc:Fallback>
+  </mc:AlternateContent>
+</p:sld>
+</file>
+
+<file path=ppt/slides/slide21.xml><?xml version="1.0" encoding="utf-8"?>
+<p:sld xmlns:a="http://schemas.openxmlformats.org/drawingml/2006/main" xmlns:p="http://schemas.openxmlformats.org/presentationml/2006/main" xmlns:r="http://schemas.openxmlformats.org/officeDocument/2006/relationships" xmlns:p14="http://schemas.microsoft.com/office/powerpoint/2010/main" xmlns:p15="http://schemas.microsoft.com/office/powerpoint/2012/main" xmlns:mc="http://schemas.openxmlformats.org/markup-compatibility/2006">
+  <p:cSld>
+    <p:spTree>
+      <p:nvGrpSpPr>
+        <p:cNvPr id="1" name=""/>
+        <p:cNvGrpSpPr/>
+        <p:nvPr/>
+      </p:nvGrpSpPr>
+      <p:grpSpPr>
+        <a:xfrm>
+          <a:off x="0" y="0"/>
+          <a:ext cx="0" cy="0"/>
+          <a:chOff x="0" y="0"/>
+          <a:chExt cx="0" cy="0"/>
+        </a:xfrm>
+      </p:grpSpPr>
+      <p:sp>
+        <p:nvSpPr>
+          <p:cNvPr id="639" name="PlaceHolder 1"/>
+          <p:cNvSpPr>
+            <a:spLocks noGrp="1"/>
+          </p:cNvSpPr>
+          <p:nvPr>
+            <p:ph type="title"/>
+          </p:nvPr>
+        </p:nvSpPr>
+        <p:spPr>
+          <a:xfrm>
             <a:off x="3064680" y="1513080"/>
-            <a:ext cx="5533200" cy="1159200"/>
+            <a:ext cx="5532840" cy="1158840"/>
           </a:xfrm>
           <a:prstGeom prst="rect">
             <a:avLst/>
@@ -35247,7 +33532,7 @@
       </p:sp>
       <p:sp>
         <p:nvSpPr>
-          <p:cNvPr id="681" name="PlaceHolder 2"/>
+          <p:cNvPr id="640" name="PlaceHolder 2"/>
           <p:cNvSpPr>
             <a:spLocks noGrp="1"/>
           </p:cNvSpPr>
@@ -35258,7 +33543,7 @@
         <p:spPr>
           <a:xfrm>
             <a:off x="3064680" y="2636280"/>
-            <a:ext cx="5533200" cy="2197080"/>
+            <a:ext cx="5532840" cy="2196720"/>
           </a:xfrm>
           <a:prstGeom prst="rect">
             <a:avLst/>
@@ -35302,28 +33587,28 @@
       </p:sp>
       <p:grpSp>
         <p:nvGrpSpPr>
-          <p:cNvPr id="682" name="Google Shape;306;p34"/>
+          <p:cNvPr id="641" name="Google Shape;306;p34"/>
           <p:cNvGrpSpPr/>
           <p:nvPr/>
         </p:nvGrpSpPr>
         <p:grpSpPr>
           <a:xfrm>
             <a:off x="685800" y="1814400"/>
-            <a:ext cx="1681200" cy="1179000"/>
+            <a:ext cx="1680840" cy="1178640"/>
             <a:chOff x="685800" y="1814400"/>
-            <a:chExt cx="1681200" cy="1179000"/>
+            <a:chExt cx="1680840" cy="1178640"/>
           </a:xfrm>
         </p:grpSpPr>
         <p:sp>
           <p:nvSpPr>
-            <p:cNvPr id="683" name="Google Shape;307;p34"/>
+            <p:cNvPr id="642" name="Google Shape;307;p34"/>
             <p:cNvSpPr/>
             <p:nvPr/>
           </p:nvSpPr>
           <p:spPr>
             <a:xfrm>
               <a:off x="685800" y="1814400"/>
-              <a:ext cx="1681200" cy="712440"/>
+              <a:ext cx="1680840" cy="712080"/>
             </a:xfrm>
             <a:custGeom>
               <a:avLst/>
@@ -35411,14 +33696,14 @@
         </p:sp>
         <p:sp>
           <p:nvSpPr>
-            <p:cNvPr id="684" name="Google Shape;308;p34"/>
+            <p:cNvPr id="643" name="Google Shape;308;p34"/>
             <p:cNvSpPr/>
             <p:nvPr/>
           </p:nvSpPr>
           <p:spPr>
             <a:xfrm>
               <a:off x="685800" y="1972800"/>
-              <a:ext cx="1681200" cy="1020600"/>
+              <a:ext cx="1680840" cy="1020240"/>
             </a:xfrm>
             <a:custGeom>
               <a:avLst/>
@@ -35549,14 +33834,14 @@
       </p:grpSp>
       <p:sp>
         <p:nvSpPr>
-          <p:cNvPr id="685" name="Google Shape;309;p34"/>
+          <p:cNvPr id="644" name="Google Shape;309;p34"/>
           <p:cNvSpPr/>
           <p:nvPr/>
         </p:nvSpPr>
         <p:spPr>
           <a:xfrm>
             <a:off x="1681920" y="2683080"/>
-            <a:ext cx="1274040" cy="1159200"/>
+            <a:ext cx="1273680" cy="1158840"/>
           </a:xfrm>
           <a:custGeom>
             <a:avLst/>
@@ -36010,7 +34295,7 @@
       </p:sp>
       <p:sp>
         <p:nvSpPr>
-          <p:cNvPr id="686" name="PlaceHolder 3"/>
+          <p:cNvPr id="645" name="PlaceHolder 3"/>
           <p:cNvSpPr>
             <a:spLocks noGrp="1"/>
           </p:cNvSpPr>
@@ -36021,7 +34306,7 @@
         <p:spPr>
           <a:xfrm>
             <a:off x="27000" y="4749840"/>
-            <a:ext cx="547920" cy="392760"/>
+            <a:ext cx="547560" cy="392400"/>
           </a:xfrm>
           <a:prstGeom prst="rect">
             <a:avLst/>
@@ -36061,7 +34346,7 @@
                 <a:tab algn="l" pos="0"/>
               </a:tabLst>
             </a:pPr>
-            <a:fld id="{CE0C9747-D35E-4586-9887-422171815109}" type="slidenum">
+            <a:fld id="{2DC528BE-8EDD-4637-8B0A-3A09660EE60B}" type="slidenum">
               <a:rPr b="0" lang="en" sz="1200" spc="-1" strike="noStrike">
                 <a:solidFill>
                   <a:srgbClr val="00ae9d"/>
@@ -36079,14 +34364,14 @@
       </p:sp>
       <p:sp>
         <p:nvSpPr>
-          <p:cNvPr id="687" name="TextBox 8"/>
+          <p:cNvPr id="646" name="TextBox 8"/>
           <p:cNvSpPr/>
           <p:nvPr/>
         </p:nvSpPr>
         <p:spPr>
           <a:xfrm>
             <a:off x="6005880" y="0"/>
-            <a:ext cx="3137400" cy="364320"/>
+            <a:ext cx="3137040" cy="363960"/>
           </a:xfrm>
           <a:prstGeom prst="rect">
             <a:avLst/>
@@ -36160,18 +34445,18 @@
       </p:grpSpPr>
       <p:sp>
         <p:nvSpPr>
-          <p:cNvPr id="608" name="PlaceHolder 1"/>
-          <p:cNvSpPr>
-            <a:spLocks noGrp="1"/>
-          </p:cNvSpPr>
-          <p:nvPr>
-            <p:ph type="sldNum" idx="17"/>
+          <p:cNvPr id="562" name="PlaceHolder 1"/>
+          <p:cNvSpPr>
+            <a:spLocks noGrp="1"/>
+          </p:cNvSpPr>
+          <p:nvPr>
+            <p:ph type="sldNum" idx="16"/>
           </p:nvPr>
         </p:nvSpPr>
         <p:spPr>
           <a:xfrm>
             <a:off x="27000" y="4749840"/>
-            <a:ext cx="547920" cy="392760"/>
+            <a:ext cx="547560" cy="392400"/>
           </a:xfrm>
           <a:prstGeom prst="rect">
             <a:avLst/>
@@ -36211,7 +34496,7 @@
                 <a:tab algn="l" pos="0"/>
               </a:tabLst>
             </a:pPr>
-            <a:fld id="{4AEB4934-100C-4682-A7F4-7F1CA5FEFD6A}" type="slidenum">
+            <a:fld id="{3465291C-7FE1-4A24-9A1E-3DEE5A3E818C}" type="slidenum">
               <a:rPr b="0" lang="en" sz="1200" spc="-1" strike="noStrike">
                 <a:solidFill>
                   <a:srgbClr val="00ae9d"/>
@@ -36229,14 +34514,14 @@
       </p:sp>
       <p:sp>
         <p:nvSpPr>
-          <p:cNvPr id="609" name="TextBox 6"/>
+          <p:cNvPr id="563" name="TextBox 6"/>
           <p:cNvSpPr/>
           <p:nvPr/>
         </p:nvSpPr>
         <p:spPr>
           <a:xfrm>
             <a:off x="7086960" y="4779000"/>
-            <a:ext cx="1828080" cy="364320"/>
+            <a:ext cx="1827720" cy="363960"/>
           </a:xfrm>
           <a:prstGeom prst="rect">
             <a:avLst/>
@@ -36280,7 +34565,7 @@
       </p:sp>
       <p:pic>
         <p:nvPicPr>
-          <p:cNvPr id="610" name="Picture 4" descr="A picture containing text, clipart, handwear&#10;&#10;Description automatically generated"/>
+          <p:cNvPr id="564" name="Picture 4" descr="A picture containing text, clipart, handwear&#10;&#10;Description automatically generated"/>
           <p:cNvPicPr/>
           <p:nvPr/>
         </p:nvPicPr>
@@ -36291,7 +34576,7 @@
         <p:spPr>
           <a:xfrm>
             <a:off x="3085560" y="1561320"/>
-            <a:ext cx="3074400" cy="3074400"/>
+            <a:ext cx="3074040" cy="3074040"/>
           </a:xfrm>
           <a:prstGeom prst="rect">
             <a:avLst/>
@@ -36333,7 +34618,7 @@
       </p:grpSpPr>
       <p:sp>
         <p:nvSpPr>
-          <p:cNvPr id="611" name="PlaceHolder 1"/>
+          <p:cNvPr id="565" name="PlaceHolder 1"/>
           <p:cNvSpPr>
             <a:spLocks noGrp="1"/>
           </p:cNvSpPr>
@@ -36344,7 +34629,7 @@
         <p:spPr>
           <a:xfrm>
             <a:off x="886680" y="398520"/>
-            <a:ext cx="7369920" cy="856800"/>
+            <a:ext cx="7369560" cy="856440"/>
           </a:xfrm>
           <a:prstGeom prst="rect">
             <a:avLst/>
@@ -36382,7 +34667,7 @@
       </p:sp>
       <p:sp>
         <p:nvSpPr>
-          <p:cNvPr id="612" name="PlaceHolder 2"/>
+          <p:cNvPr id="566" name="PlaceHolder 2"/>
           <p:cNvSpPr>
             <a:spLocks noGrp="1"/>
           </p:cNvSpPr>
@@ -36393,7 +34678,7 @@
         <p:spPr>
           <a:xfrm>
             <a:off x="457200" y="1753920"/>
-            <a:ext cx="7369920" cy="3503520"/>
+            <a:ext cx="7369560" cy="3503160"/>
           </a:xfrm>
           <a:prstGeom prst="rect">
             <a:avLst/>
@@ -36575,14 +34860,14 @@
       </p:sp>
       <p:sp>
         <p:nvSpPr>
-          <p:cNvPr id="613" name="TextBox 5"/>
+          <p:cNvPr id="567" name="TextBox 5"/>
           <p:cNvSpPr/>
           <p:nvPr/>
         </p:nvSpPr>
         <p:spPr>
           <a:xfrm>
             <a:off x="7086600" y="4774320"/>
-            <a:ext cx="2056680" cy="364320"/>
+            <a:ext cx="2056320" cy="363960"/>
           </a:xfrm>
           <a:prstGeom prst="rect">
             <a:avLst/>
@@ -36660,7 +34945,7 @@
       </p:grpSpPr>
       <p:sp>
         <p:nvSpPr>
-          <p:cNvPr id="614" name="PlaceHolder 1"/>
+          <p:cNvPr id="568" name="PlaceHolder 1"/>
           <p:cNvSpPr>
             <a:spLocks noGrp="1"/>
           </p:cNvSpPr>
@@ -36671,7 +34956,7 @@
         <p:spPr>
           <a:xfrm>
             <a:off x="886680" y="398520"/>
-            <a:ext cx="7369920" cy="856800"/>
+            <a:ext cx="7369560" cy="856440"/>
           </a:xfrm>
           <a:prstGeom prst="rect">
             <a:avLst/>
@@ -36709,14 +34994,14 @@
       </p:sp>
       <p:sp>
         <p:nvSpPr>
-          <p:cNvPr id="615" name="Content Placeholder 1"/>
+          <p:cNvPr id="569" name="Content Placeholder 1"/>
           <p:cNvSpPr/>
           <p:nvPr/>
         </p:nvSpPr>
         <p:spPr>
           <a:xfrm>
             <a:off x="914400" y="1600200"/>
-            <a:ext cx="7369920" cy="3503520"/>
+            <a:ext cx="7369560" cy="3503160"/>
           </a:xfrm>
           <a:prstGeom prst="rect">
             <a:avLst/>
@@ -36868,14 +35153,14 @@
       </p:sp>
       <p:sp>
         <p:nvSpPr>
-          <p:cNvPr id="616" name="TextBox 1"/>
+          <p:cNvPr id="570" name="TextBox 1"/>
           <p:cNvSpPr/>
           <p:nvPr/>
         </p:nvSpPr>
         <p:spPr>
           <a:xfrm>
             <a:off x="7086600" y="4774320"/>
-            <a:ext cx="2056680" cy="364320"/>
+            <a:ext cx="2056320" cy="363960"/>
           </a:xfrm>
           <a:prstGeom prst="rect">
             <a:avLst/>
@@ -36919,7 +35204,7 @@
       </p:sp>
       <p:sp>
         <p:nvSpPr>
-          <p:cNvPr id="617" name="PlaceHolder 2"/>
+          <p:cNvPr id="571" name="PlaceHolder 2"/>
           <p:cNvSpPr>
             <a:spLocks noGrp="1"/>
           </p:cNvSpPr>
@@ -36930,7 +35215,7 @@
         <p:spPr>
           <a:xfrm>
             <a:off x="859320" y="1447200"/>
-            <a:ext cx="7369920" cy="3326760"/>
+            <a:ext cx="7369560" cy="3326400"/>
           </a:xfrm>
           <a:prstGeom prst="rect">
             <a:avLst/>
@@ -37108,7 +35393,7 @@
       </p:grpSpPr>
       <p:sp>
         <p:nvSpPr>
-          <p:cNvPr id="618" name="PlaceHolder 1"/>
+          <p:cNvPr id="572" name="PlaceHolder 1"/>
           <p:cNvSpPr>
             <a:spLocks noGrp="1"/>
           </p:cNvSpPr>
@@ -37119,7 +35404,7 @@
         <p:spPr>
           <a:xfrm>
             <a:off x="886680" y="398520"/>
-            <a:ext cx="7369920" cy="856800"/>
+            <a:ext cx="7369560" cy="856440"/>
           </a:xfrm>
           <a:prstGeom prst="rect">
             <a:avLst/>
@@ -37157,7 +35442,7 @@
       </p:sp>
       <p:sp>
         <p:nvSpPr>
-          <p:cNvPr id="619" name="PlaceHolder 2"/>
+          <p:cNvPr id="573" name="PlaceHolder 2"/>
           <p:cNvSpPr>
             <a:spLocks noGrp="1"/>
           </p:cNvSpPr>
@@ -37168,7 +35453,7 @@
         <p:spPr>
           <a:xfrm>
             <a:off x="457200" y="2057400"/>
-            <a:ext cx="7369920" cy="3503520"/>
+            <a:ext cx="7369560" cy="3503160"/>
           </a:xfrm>
           <a:prstGeom prst="rect">
             <a:avLst/>
@@ -37298,14 +35583,14 @@
       </p:sp>
       <p:sp>
         <p:nvSpPr>
-          <p:cNvPr id="620" name="TextBox 2"/>
+          <p:cNvPr id="574" name="TextBox 2"/>
           <p:cNvSpPr/>
           <p:nvPr/>
         </p:nvSpPr>
         <p:spPr>
           <a:xfrm>
             <a:off x="7086600" y="4774320"/>
-            <a:ext cx="2056680" cy="364320"/>
+            <a:ext cx="2056320" cy="363960"/>
           </a:xfrm>
           <a:prstGeom prst="rect">
             <a:avLst/>
@@ -37349,7 +35634,7 @@
       </p:sp>
       <p:sp>
         <p:nvSpPr>
-          <p:cNvPr id="621" name="PlaceHolder 3"/>
+          <p:cNvPr id="575" name="PlaceHolder 3"/>
           <p:cNvSpPr>
             <a:spLocks noGrp="1"/>
           </p:cNvSpPr>
@@ -37360,7 +35645,7 @@
         <p:spPr>
           <a:xfrm>
             <a:off x="859320" y="1598400"/>
-            <a:ext cx="7369920" cy="3326760"/>
+            <a:ext cx="7369560" cy="3326400"/>
           </a:xfrm>
           <a:prstGeom prst="rect">
             <a:avLst/>
@@ -37594,7 +35879,7 @@
       </p:grpSpPr>
       <p:sp>
         <p:nvSpPr>
-          <p:cNvPr id="622" name="PlaceHolder 1"/>
+          <p:cNvPr id="576" name="PlaceHolder 1"/>
           <p:cNvSpPr>
             <a:spLocks noGrp="1"/>
           </p:cNvSpPr>
@@ -37605,7 +35890,7 @@
         <p:spPr>
           <a:xfrm>
             <a:off x="914400" y="398520"/>
-            <a:ext cx="7314840" cy="856800"/>
+            <a:ext cx="7314480" cy="856440"/>
           </a:xfrm>
           <a:prstGeom prst="rect">
             <a:avLst/>
@@ -37643,7 +35928,7 @@
       </p:sp>
       <p:sp>
         <p:nvSpPr>
-          <p:cNvPr id="623" name="PlaceHolder 2"/>
+          <p:cNvPr id="577" name="PlaceHolder 2"/>
           <p:cNvSpPr>
             <a:spLocks noGrp="1"/>
           </p:cNvSpPr>
@@ -37654,7 +35939,7 @@
         <p:spPr>
           <a:xfrm>
             <a:off x="457200" y="2057400"/>
-            <a:ext cx="7369920" cy="3503520"/>
+            <a:ext cx="7369560" cy="3503160"/>
           </a:xfrm>
           <a:prstGeom prst="rect">
             <a:avLst/>
@@ -37784,14 +36069,14 @@
       </p:sp>
       <p:sp>
         <p:nvSpPr>
-          <p:cNvPr id="624" name="TextBox 7"/>
+          <p:cNvPr id="578" name="TextBox 7"/>
           <p:cNvSpPr/>
           <p:nvPr/>
         </p:nvSpPr>
         <p:spPr>
           <a:xfrm>
             <a:off x="7086600" y="4774320"/>
-            <a:ext cx="2056680" cy="364320"/>
+            <a:ext cx="2056320" cy="363960"/>
           </a:xfrm>
           <a:prstGeom prst="rect">
             <a:avLst/>
@@ -37835,7 +36120,7 @@
       </p:sp>
       <p:sp>
         <p:nvSpPr>
-          <p:cNvPr id="625" name="PlaceHolder 3"/>
+          <p:cNvPr id="579" name="PlaceHolder 3"/>
           <p:cNvSpPr>
             <a:spLocks noGrp="1"/>
           </p:cNvSpPr>
@@ -37846,7 +36131,7 @@
         <p:spPr>
           <a:xfrm>
             <a:off x="859320" y="1255680"/>
-            <a:ext cx="7369920" cy="3326760"/>
+            <a:ext cx="7369560" cy="3326400"/>
           </a:xfrm>
           <a:prstGeom prst="rect">
             <a:avLst/>
@@ -38008,7 +36293,7 @@
       </p:grpSpPr>
       <p:sp>
         <p:nvSpPr>
-          <p:cNvPr id="626" name="PlaceHolder 1"/>
+          <p:cNvPr id="580" name="PlaceHolder 1"/>
           <p:cNvSpPr>
             <a:spLocks noGrp="1"/>
           </p:cNvSpPr>
@@ -38019,7 +36304,7 @@
         <p:spPr>
           <a:xfrm>
             <a:off x="886680" y="398520"/>
-            <a:ext cx="7369920" cy="856800"/>
+            <a:ext cx="7369560" cy="856440"/>
           </a:xfrm>
           <a:prstGeom prst="rect">
             <a:avLst/>
@@ -38057,7 +36342,7 @@
       </p:sp>
       <p:sp>
         <p:nvSpPr>
-          <p:cNvPr id="627" name="PlaceHolder 2"/>
+          <p:cNvPr id="581" name="PlaceHolder 2"/>
           <p:cNvSpPr>
             <a:spLocks noGrp="1"/>
           </p:cNvSpPr>
@@ -38068,7 +36353,7 @@
         <p:spPr>
           <a:xfrm>
             <a:off x="457200" y="5561280"/>
-            <a:ext cx="7369920" cy="381960"/>
+            <a:ext cx="7369560" cy="381600"/>
           </a:xfrm>
           <a:prstGeom prst="rect">
             <a:avLst/>
@@ -38198,14 +36483,14 @@
       </p:sp>
       <p:sp>
         <p:nvSpPr>
-          <p:cNvPr id="628" name="TextBox 3"/>
+          <p:cNvPr id="582" name="TextBox 3"/>
           <p:cNvSpPr/>
           <p:nvPr/>
         </p:nvSpPr>
         <p:spPr>
           <a:xfrm>
             <a:off x="7086600" y="4774320"/>
-            <a:ext cx="2056680" cy="364320"/>
+            <a:ext cx="2056320" cy="363960"/>
           </a:xfrm>
           <a:prstGeom prst="rect">
             <a:avLst/>
@@ -38249,7 +36534,7 @@
       </p:sp>
       <p:sp>
         <p:nvSpPr>
-          <p:cNvPr id="629" name="PlaceHolder 3"/>
+          <p:cNvPr id="583" name="PlaceHolder 3"/>
           <p:cNvSpPr>
             <a:spLocks noGrp="1"/>
           </p:cNvSpPr>
@@ -38260,7 +36545,7 @@
         <p:spPr>
           <a:xfrm>
             <a:off x="859320" y="1255680"/>
-            <a:ext cx="7369920" cy="1715760"/>
+            <a:ext cx="7369560" cy="1715400"/>
           </a:xfrm>
           <a:prstGeom prst="rect">
             <a:avLst/>
@@ -38410,7 +36695,7 @@
       </p:sp>
       <p:pic>
         <p:nvPicPr>
-          <p:cNvPr id="630" name="" descr=""/>
+          <p:cNvPr id="584" name="" descr=""/>
           <p:cNvPicPr/>
           <p:nvPr/>
         </p:nvPicPr>
@@ -38421,7 +36706,7 @@
         <p:spPr>
           <a:xfrm>
             <a:off x="859680" y="3200400"/>
-            <a:ext cx="7369920" cy="1380960"/>
+            <a:ext cx="7369560" cy="1380600"/>
           </a:xfrm>
           <a:prstGeom prst="rect">
             <a:avLst/>
@@ -38467,18 +36752,18 @@
       </p:grpSpPr>
       <p:sp>
         <p:nvSpPr>
-          <p:cNvPr id="631" name="PlaceHolder 1"/>
-          <p:cNvSpPr>
-            <a:spLocks noGrp="1"/>
-          </p:cNvSpPr>
-          <p:nvPr>
-            <p:ph type="sldNum" idx="18"/>
+          <p:cNvPr id="585" name="PlaceHolder 1"/>
+          <p:cNvSpPr>
+            <a:spLocks noGrp="1"/>
+          </p:cNvSpPr>
+          <p:nvPr>
+            <p:ph type="sldNum" idx="17"/>
           </p:nvPr>
         </p:nvSpPr>
         <p:spPr>
           <a:xfrm>
             <a:off x="27000" y="4749840"/>
-            <a:ext cx="547920" cy="392760"/>
+            <a:ext cx="547560" cy="392400"/>
           </a:xfrm>
           <a:prstGeom prst="rect">
             <a:avLst/>
@@ -38518,7 +36803,7 @@
                 <a:tab algn="l" pos="0"/>
               </a:tabLst>
             </a:pPr>
-            <a:fld id="{10FFB4AA-7E2E-4A57-B72B-C39D72AB0B59}" type="slidenum">
+            <a:fld id="{6863B6DD-8A07-424E-A533-F2C09EC4A4D2}" type="slidenum">
               <a:rPr b="0" lang="en" sz="1200" spc="-1" strike="noStrike">
                 <a:solidFill>
                   <a:srgbClr val="00ae9d"/>
@@ -38536,14 +36821,14 @@
       </p:sp>
       <p:sp>
         <p:nvSpPr>
-          <p:cNvPr id="632" name="TextBox 6"/>
+          <p:cNvPr id="586" name="TextBox 6"/>
           <p:cNvSpPr/>
           <p:nvPr/>
         </p:nvSpPr>
         <p:spPr>
           <a:xfrm>
             <a:off x="7086600" y="4774320"/>
-            <a:ext cx="2285280" cy="364320"/>
+            <a:ext cx="2284920" cy="363960"/>
           </a:xfrm>
           <a:prstGeom prst="rect">
             <a:avLst/>
@@ -38587,7 +36872,7 @@
       </p:sp>
       <p:sp>
         <p:nvSpPr>
-          <p:cNvPr id="633" name="PlaceHolder 2"/>
+          <p:cNvPr id="587" name="PlaceHolder 2"/>
           <p:cNvSpPr>
             <a:spLocks noGrp="1"/>
           </p:cNvSpPr>
@@ -38598,7 +36883,7 @@
         <p:spPr>
           <a:xfrm>
             <a:off x="886680" y="2512440"/>
-            <a:ext cx="7369920" cy="856800"/>
+            <a:ext cx="7369560" cy="856440"/>
           </a:xfrm>
           <a:prstGeom prst="rect">
             <a:avLst/>
@@ -39574,232 +37859,6 @@
 </file>
 
 <file path=ppt/theme/theme13.xml><?xml version="1.0" encoding="utf-8"?>
-<a:theme xmlns:a="http://schemas.openxmlformats.org/drawingml/2006/main" name="Office Theme">
-  <a:themeElements>
-    <a:clrScheme name="Office">
-      <a:dk1>
-        <a:sysClr val="windowText" lastClr="000000"/>
-      </a:dk1>
-      <a:lt1>
-        <a:sysClr val="window" lastClr="FFFFFF"/>
-      </a:lt1>
-      <a:dk2>
-        <a:srgbClr val="1f497d"/>
-      </a:dk2>
-      <a:lt2>
-        <a:srgbClr val="eeece1"/>
-      </a:lt2>
-      <a:accent1>
-        <a:srgbClr val="4f81bd"/>
-      </a:accent1>
-      <a:accent2>
-        <a:srgbClr val="c0504d"/>
-      </a:accent2>
-      <a:accent3>
-        <a:srgbClr val="9bbb59"/>
-      </a:accent3>
-      <a:accent4>
-        <a:srgbClr val="8064a2"/>
-      </a:accent4>
-      <a:accent5>
-        <a:srgbClr val="4bacc6"/>
-      </a:accent5>
-      <a:accent6>
-        <a:srgbClr val="f79646"/>
-      </a:accent6>
-      <a:hlink>
-        <a:srgbClr val="0000ff"/>
-      </a:hlink>
-      <a:folHlink>
-        <a:srgbClr val="800080"/>
-      </a:folHlink>
-    </a:clrScheme>
-    <a:fontScheme name="Office">
-      <a:majorFont>
-        <a:latin typeface="Arial"/>
-        <a:ea typeface="DejaVu Sans"/>
-        <a:cs typeface="DejaVu Sans"/>
-      </a:majorFont>
-      <a:minorFont>
-        <a:latin typeface="Arial"/>
-        <a:ea typeface="DejaVu Sans"/>
-        <a:cs typeface="DejaVu Sans"/>
-      </a:minorFont>
-    </a:fontScheme>
-    <a:fmtScheme name="Office">
-      <a:fillStyleLst>
-        <a:solidFill>
-          <a:schemeClr val="phClr"/>
-        </a:solidFill>
-        <a:gradFill rotWithShape="1">
-          <a:gsLst>
-            <a:gs pos="0">
-              <a:schemeClr val="phClr">
-                <a:tint val="50000"/>
-                <a:satMod val="300000"/>
-              </a:schemeClr>
-            </a:gs>
-            <a:gs pos="35000">
-              <a:schemeClr val="phClr">
-                <a:tint val="37000"/>
-                <a:satMod val="300000"/>
-              </a:schemeClr>
-            </a:gs>
-            <a:gs pos="100000">
-              <a:schemeClr val="phClr">
-                <a:tint val="15000"/>
-                <a:satMod val="350000"/>
-              </a:schemeClr>
-            </a:gs>
-          </a:gsLst>
-          <a:lin ang="16200000" scaled="1"/>
-        </a:gradFill>
-        <a:gradFill rotWithShape="1">
-          <a:gsLst>
-            <a:gs pos="0">
-              <a:schemeClr val="phClr">
-                <a:shade val="51000"/>
-                <a:satMod val="130000"/>
-              </a:schemeClr>
-            </a:gs>
-            <a:gs pos="80000">
-              <a:schemeClr val="phClr">
-                <a:shade val="93000"/>
-                <a:satMod val="130000"/>
-              </a:schemeClr>
-            </a:gs>
-            <a:gs pos="100000">
-              <a:schemeClr val="phClr">
-                <a:shade val="94000"/>
-                <a:satMod val="135000"/>
-              </a:schemeClr>
-            </a:gs>
-          </a:gsLst>
-          <a:lin ang="16200000" scaled="0"/>
-        </a:gradFill>
-      </a:fillStyleLst>
-      <a:lnStyleLst>
-        <a:ln w="9525" cap="flat" cmpd="sng" algn="ctr">
-          <a:solidFill>
-            <a:schemeClr val="phClr">
-              <a:shade val="95000"/>
-              <a:satMod val="105000"/>
-            </a:schemeClr>
-          </a:solidFill>
-          <a:prstDash val="solid"/>
-          <a:miter/>
-        </a:ln>
-        <a:ln w="25400" cap="flat" cmpd="sng" algn="ctr">
-          <a:solidFill>
-            <a:schemeClr val="phClr"/>
-          </a:solidFill>
-          <a:prstDash val="solid"/>
-          <a:miter/>
-        </a:ln>
-        <a:ln w="38100" cap="flat" cmpd="sng" algn="ctr">
-          <a:solidFill>
-            <a:schemeClr val="phClr"/>
-          </a:solidFill>
-          <a:prstDash val="solid"/>
-          <a:miter/>
-        </a:ln>
-      </a:lnStyleLst>
-      <a:effectStyleLst>
-        <a:effectStyle>
-          <a:effectLst>
-            <a:outerShdw blurRad="40000" dist="20000" dir="5400000" rotWithShape="0">
-              <a:srgbClr val="000000">
-                <a:alpha val="38000"/>
-              </a:srgbClr>
-            </a:outerShdw>
-          </a:effectLst>
-        </a:effectStyle>
-        <a:effectStyle>
-          <a:effectLst>
-            <a:outerShdw blurRad="40000" dist="23000" dir="5400000" rotWithShape="0">
-              <a:srgbClr val="000000">
-                <a:alpha val="35000"/>
-              </a:srgbClr>
-            </a:outerShdw>
-          </a:effectLst>
-        </a:effectStyle>
-        <a:effectStyle>
-          <a:effectLst>
-            <a:outerShdw blurRad="40000" dist="23000" dir="5400000" rotWithShape="0">
-              <a:srgbClr val="000000">
-                <a:alpha val="35000"/>
-              </a:srgbClr>
-            </a:outerShdw>
-          </a:effectLst>
-          <a:scene3d>
-            <a:camera prst="orthographicFront">
-              <a:rot lat="0" lon="0" rev="0"/>
-            </a:camera>
-            <a:lightRig rig="threePt" dir="t">
-              <a:rot lat="0" lon="0" rev="1200000"/>
-            </a:lightRig>
-          </a:scene3d>
-          <a:sp3d>
-            <a:bevelT w="63500" h="25400"/>
-          </a:sp3d>
-        </a:effectStyle>
-      </a:effectStyleLst>
-      <a:bgFillStyleLst>
-        <a:solidFill>
-          <a:schemeClr val="phClr"/>
-        </a:solidFill>
-        <a:gradFill rotWithShape="1">
-          <a:gsLst>
-            <a:gs pos="0">
-              <a:schemeClr val="phClr">
-                <a:tint val="40000"/>
-                <a:satMod val="350000"/>
-              </a:schemeClr>
-            </a:gs>
-            <a:gs pos="40000">
-              <a:schemeClr val="phClr">
-                <a:tint val="45000"/>
-                <a:shade val="99000"/>
-                <a:satMod val="350000"/>
-              </a:schemeClr>
-            </a:gs>
-            <a:gs pos="100000">
-              <a:schemeClr val="phClr">
-                <a:shade val="20000"/>
-                <a:satMod val="255000"/>
-              </a:schemeClr>
-            </a:gs>
-          </a:gsLst>
-          <a:path path="circle">
-            <a:fillToRect l="50000" t="-80000" r="50000" b="180000"/>
-          </a:path>
-        </a:gradFill>
-        <a:gradFill rotWithShape="1">
-          <a:gsLst>
-            <a:gs pos="0">
-              <a:schemeClr val="phClr">
-                <a:tint val="80000"/>
-                <a:satMod val="300000"/>
-              </a:schemeClr>
-            </a:gs>
-            <a:gs pos="100000">
-              <a:schemeClr val="phClr">
-                <a:shade val="30000"/>
-                <a:satMod val="200000"/>
-              </a:schemeClr>
-            </a:gs>
-          </a:gsLst>
-          <a:path path="circle">
-            <a:fillToRect l="50000" t="50000" r="50000" b="50000"/>
-          </a:path>
-        </a:gradFill>
-      </a:bgFillStyleLst>
-    </a:fmtScheme>
-  </a:themeElements>
-</a:theme>
-</file>
-
-<file path=ppt/theme/theme14.xml><?xml version="1.0" encoding="utf-8"?>
 <a:theme xmlns:a="http://schemas.openxmlformats.org/drawingml/2006/main" name="Office Theme">
   <a:themeElements>
     <a:clrScheme name="Office">
